--- a/training-docs/slides/STM32 ESP-LINK FIRMWARE TRAINING.pptx
+++ b/training-docs/slides/STM32 ESP-LINK FIRMWARE TRAINING.pptx
@@ -5,10 +5,10 @@
     <p:sldMasterId id="2147483652" r:id="rId1"/>
   </p:sldMasterIdLst>
   <p:notesMasterIdLst>
-    <p:notesMasterId r:id="rId14"/>
+    <p:notesMasterId r:id="rId21"/>
   </p:notesMasterIdLst>
   <p:handoutMasterIdLst>
-    <p:handoutMasterId r:id="rId15"/>
+    <p:handoutMasterId r:id="rId22"/>
   </p:handoutMasterIdLst>
   <p:sldIdLst>
     <p:sldId id="269" r:id="rId2"/>
@@ -17,12 +17,19 @@
     <p:sldId id="284" r:id="rId5"/>
     <p:sldId id="285" r:id="rId6"/>
     <p:sldId id="386" r:id="rId7"/>
-    <p:sldId id="282" r:id="rId8"/>
-    <p:sldId id="382" r:id="rId9"/>
-    <p:sldId id="384" r:id="rId10"/>
-    <p:sldId id="385" r:id="rId11"/>
-    <p:sldId id="287" r:id="rId12"/>
-    <p:sldId id="281" r:id="rId13"/>
+    <p:sldId id="387" r:id="rId8"/>
+    <p:sldId id="282" r:id="rId9"/>
+    <p:sldId id="393" r:id="rId10"/>
+    <p:sldId id="388" r:id="rId11"/>
+    <p:sldId id="389" r:id="rId12"/>
+    <p:sldId id="390" r:id="rId13"/>
+    <p:sldId id="392" r:id="rId14"/>
+    <p:sldId id="382" r:id="rId15"/>
+    <p:sldId id="384" r:id="rId16"/>
+    <p:sldId id="385" r:id="rId17"/>
+    <p:sldId id="287" r:id="rId18"/>
+    <p:sldId id="391" r:id="rId19"/>
+    <p:sldId id="281" r:id="rId20"/>
   </p:sldIdLst>
   <p:sldSz cx="9144000" cy="6858000" type="screen4x3"/>
   <p:notesSz cx="7010400" cy="9296400"/>
@@ -8150,6 +8157,1614 @@
       </p:grpSpPr>
       <p:sp>
         <p:nvSpPr>
+          <p:cNvPr id="2" name="Title 1">
+            <a:extLst>
+              <a:ext uri="{FF2B5EF4-FFF2-40B4-BE49-F238E27FC236}">
+                <a16:creationId xmlns:a16="http://schemas.microsoft.com/office/drawing/2014/main" id="{96897545-DEF2-4495-8DA8-95A69414F349}"/>
+              </a:ext>
+            </a:extLst>
+          </p:cNvPr>
+          <p:cNvSpPr>
+            <a:spLocks noGrp="1"/>
+          </p:cNvSpPr>
+          <p:nvPr>
+            <p:ph type="title"/>
+          </p:nvPr>
+        </p:nvSpPr>
+        <p:spPr/>
+        <p:txBody>
+          <a:bodyPr/>
+          <a:lstStyle/>
+          <a:p>
+            <a:r>
+              <a:rPr lang="en-US" dirty="0"/>
+              <a:t>ESP-Link: Setup </a:t>
+            </a:r>
+            <a:r>
+              <a:rPr lang="en-US" dirty="0" err="1"/>
+              <a:t>Wifi</a:t>
+            </a:r>
+            <a:r>
+              <a:rPr lang="en-US" dirty="0"/>
+              <a:t> </a:t>
+            </a:r>
+          </a:p>
+        </p:txBody>
+      </p:sp>
+      <p:pic>
+        <p:nvPicPr>
+          <p:cNvPr id="5" name="Content Placeholder 4">
+            <a:extLst>
+              <a:ext uri="{FF2B5EF4-FFF2-40B4-BE49-F238E27FC236}">
+                <a16:creationId xmlns:a16="http://schemas.microsoft.com/office/drawing/2014/main" id="{4C44E8D4-F9EF-4E0E-AE58-144E11FFB08F}"/>
+              </a:ext>
+            </a:extLst>
+          </p:cNvPr>
+          <p:cNvPicPr>
+            <a:picLocks noGrp="1" noChangeAspect="1"/>
+          </p:cNvPicPr>
+          <p:nvPr>
+            <p:ph idx="1"/>
+          </p:nvPr>
+        </p:nvPicPr>
+        <p:blipFill>
+          <a:blip r:embed="rId2"/>
+          <a:stretch>
+            <a:fillRect/>
+          </a:stretch>
+        </p:blipFill>
+        <p:spPr>
+          <a:xfrm>
+            <a:off x="6096000" y="1981200"/>
+            <a:ext cx="2762018" cy="4411663"/>
+          </a:xfrm>
+        </p:spPr>
+      </p:pic>
+      <p:sp>
+        <p:nvSpPr>
+          <p:cNvPr id="6" name="Content Placeholder 2">
+            <a:extLst>
+              <a:ext uri="{FF2B5EF4-FFF2-40B4-BE49-F238E27FC236}">
+                <a16:creationId xmlns:a16="http://schemas.microsoft.com/office/drawing/2014/main" id="{F6B0F8F2-28AE-4E20-A040-B4ACCBEB1817}"/>
+              </a:ext>
+            </a:extLst>
+          </p:cNvPr>
+          <p:cNvSpPr txBox="1">
+            <a:spLocks/>
+          </p:cNvSpPr>
+          <p:nvPr/>
+        </p:nvSpPr>
+        <p:spPr bwMode="auto">
+          <a:xfrm>
+            <a:off x="457200" y="1828800"/>
+            <a:ext cx="4267200" cy="4411663"/>
+          </a:xfrm>
+          <a:prstGeom prst="rect">
+            <a:avLst/>
+          </a:prstGeom>
+          <a:noFill/>
+          <a:ln>
+            <a:noFill/>
+          </a:ln>
+          <a:effectLst/>
+          <a:extLst>
+            <a:ext uri="{909E8E84-426E-40DD-AFC4-6F175D3DCCD1}">
+              <a14:hiddenFill xmlns:a14="http://schemas.microsoft.com/office/drawing/2010/main">
+                <a:solidFill>
+                  <a:schemeClr val="accent1"/>
+                </a:solidFill>
+              </a14:hiddenFill>
+            </a:ext>
+            <a:ext uri="{91240B29-F687-4F45-9708-019B960494DF}">
+              <a14:hiddenLine xmlns:a14="http://schemas.microsoft.com/office/drawing/2010/main" w="9525">
+                <a:solidFill>
+                  <a:schemeClr val="tx1"/>
+                </a:solidFill>
+                <a:miter lim="800000"/>
+                <a:headEnd/>
+                <a:tailEnd/>
+              </a14:hiddenLine>
+            </a:ext>
+            <a:ext uri="{AF507438-7753-43E0-B8FC-AC1667EBCBE1}">
+              <a14:hiddenEffects xmlns:a14="http://schemas.microsoft.com/office/drawing/2010/main">
+                <a:effectLst>
+                  <a:outerShdw dist="35921" dir="2700000" algn="ctr" rotWithShape="0">
+                    <a:schemeClr val="bg2"/>
+                  </a:outerShdw>
+                </a:effectLst>
+              </a14:hiddenEffects>
+            </a:ext>
+          </a:extLst>
+        </p:spPr>
+        <p:txBody>
+          <a:bodyPr vert="horz" wrap="square" lIns="91440" tIns="45720" rIns="91440" bIns="45720" numCol="1" anchor="t" anchorCtr="0" compatLnSpc="1">
+            <a:prstTxWarp prst="textNoShape">
+              <a:avLst/>
+            </a:prstTxWarp>
+            <a:normAutofit/>
+          </a:bodyPr>
+          <a:lstStyle>
+            <a:lvl1pPr marL="45720" indent="0" algn="l" rtl="0" eaLnBrk="1" fontAlgn="base" hangingPunct="1">
+              <a:spcBef>
+                <a:spcPct val="25000"/>
+              </a:spcBef>
+              <a:spcAft>
+                <a:spcPct val="0"/>
+              </a:spcAft>
+              <a:buClr>
+                <a:schemeClr val="tx2"/>
+              </a:buClr>
+              <a:buSzPct val="120000"/>
+              <a:buFontTx/>
+              <a:buNone/>
+              <a:defRPr sz="2700">
+                <a:solidFill>
+                  <a:schemeClr val="tx1"/>
+                </a:solidFill>
+                <a:latin typeface="+mn-lt"/>
+                <a:ea typeface="+mn-ea"/>
+                <a:cs typeface="+mn-cs"/>
+              </a:defRPr>
+            </a:lvl1pPr>
+            <a:lvl2pPr marL="692150" indent="-347663" algn="l" rtl="0" eaLnBrk="1" fontAlgn="base" hangingPunct="1">
+              <a:spcBef>
+                <a:spcPct val="0"/>
+              </a:spcBef>
+              <a:spcAft>
+                <a:spcPct val="25000"/>
+              </a:spcAft>
+              <a:buClr>
+                <a:schemeClr val="accent2">
+                  <a:lumMod val="75000"/>
+                </a:schemeClr>
+              </a:buClr>
+              <a:buSzPct val="55000"/>
+              <a:buFont typeface="Wingdings" pitchFamily="2" charset="2"/>
+              <a:buChar char="l"/>
+              <a:defRPr sz="2400">
+                <a:solidFill>
+                  <a:schemeClr val="tx1"/>
+                </a:solidFill>
+                <a:latin typeface="+mn-lt"/>
+              </a:defRPr>
+            </a:lvl2pPr>
+            <a:lvl3pPr marL="987425" indent="-293688" algn="l" rtl="0" eaLnBrk="1" fontAlgn="base" hangingPunct="1">
+              <a:spcBef>
+                <a:spcPct val="0"/>
+              </a:spcBef>
+              <a:spcAft>
+                <a:spcPct val="25000"/>
+              </a:spcAft>
+              <a:buClr>
+                <a:schemeClr val="accent1">
+                  <a:lumMod val="50000"/>
+                </a:schemeClr>
+              </a:buClr>
+              <a:buSzPct val="50000"/>
+              <a:buFont typeface="Wingdings" pitchFamily="2" charset="2"/>
+              <a:buChar char="l"/>
+              <a:defRPr sz="2200">
+                <a:solidFill>
+                  <a:schemeClr val="tx1"/>
+                </a:solidFill>
+                <a:latin typeface="+mn-lt"/>
+              </a:defRPr>
+            </a:lvl3pPr>
+            <a:lvl4pPr marL="1281113" indent="-292100" algn="l" rtl="0" eaLnBrk="1" fontAlgn="base" hangingPunct="1">
+              <a:spcBef>
+                <a:spcPct val="20000"/>
+              </a:spcBef>
+              <a:spcAft>
+                <a:spcPct val="0"/>
+              </a:spcAft>
+              <a:buClr>
+                <a:schemeClr val="tx2">
+                  <a:lumMod val="75000"/>
+                </a:schemeClr>
+              </a:buClr>
+              <a:buSzPct val="75000"/>
+              <a:buFont typeface="Wingdings" pitchFamily="2" charset="2"/>
+              <a:buChar char="§"/>
+              <a:defRPr sz="2000">
+                <a:solidFill>
+                  <a:schemeClr val="tx1"/>
+                </a:solidFill>
+                <a:latin typeface="+mn-lt"/>
+              </a:defRPr>
+            </a:lvl4pPr>
+            <a:lvl5pPr marL="1598613" indent="-315913" algn="l" rtl="0" eaLnBrk="1" fontAlgn="base" hangingPunct="1">
+              <a:spcBef>
+                <a:spcPct val="20000"/>
+              </a:spcBef>
+              <a:spcAft>
+                <a:spcPct val="0"/>
+              </a:spcAft>
+              <a:buClr>
+                <a:schemeClr val="accent3">
+                  <a:lumMod val="50000"/>
+                </a:schemeClr>
+              </a:buClr>
+              <a:buSzPct val="80000"/>
+              <a:buFont typeface="Wingdings" pitchFamily="2" charset="2"/>
+              <a:buChar char="§"/>
+              <a:defRPr sz="2000">
+                <a:solidFill>
+                  <a:schemeClr val="tx1"/>
+                </a:solidFill>
+                <a:latin typeface="+mn-lt"/>
+              </a:defRPr>
+            </a:lvl5pPr>
+            <a:lvl6pPr marL="1920240" indent="-315913" algn="l" rtl="0" eaLnBrk="1" fontAlgn="base" hangingPunct="1">
+              <a:spcBef>
+                <a:spcPct val="20000"/>
+              </a:spcBef>
+              <a:spcAft>
+                <a:spcPct val="0"/>
+              </a:spcAft>
+              <a:buClr>
+                <a:schemeClr val="accent6">
+                  <a:lumMod val="50000"/>
+                </a:schemeClr>
+              </a:buClr>
+              <a:buSzPct val="80000"/>
+              <a:buFont typeface="Wingdings" pitchFamily="2" charset="2"/>
+              <a:buChar char="§"/>
+              <a:defRPr sz="2000">
+                <a:solidFill>
+                  <a:schemeClr val="tx1"/>
+                </a:solidFill>
+                <a:latin typeface="+mn-lt"/>
+              </a:defRPr>
+            </a:lvl6pPr>
+            <a:lvl7pPr marL="2240280" indent="-315913" algn="l" rtl="0" eaLnBrk="1" fontAlgn="base" hangingPunct="1">
+              <a:spcBef>
+                <a:spcPct val="20000"/>
+              </a:spcBef>
+              <a:spcAft>
+                <a:spcPct val="0"/>
+              </a:spcAft>
+              <a:buClr>
+                <a:schemeClr val="accent2">
+                  <a:lumMod val="50000"/>
+                </a:schemeClr>
+              </a:buClr>
+              <a:buSzPct val="80000"/>
+              <a:buFont typeface="Wingdings" pitchFamily="2" charset="2"/>
+              <a:buChar char="§"/>
+              <a:defRPr sz="2000">
+                <a:solidFill>
+                  <a:schemeClr val="tx1"/>
+                </a:solidFill>
+                <a:latin typeface="+mn-lt"/>
+              </a:defRPr>
+            </a:lvl7pPr>
+            <a:lvl8pPr marL="2651760" indent="-315913" algn="l" rtl="0" eaLnBrk="1" fontAlgn="base" hangingPunct="1">
+              <a:spcBef>
+                <a:spcPct val="20000"/>
+              </a:spcBef>
+              <a:spcAft>
+                <a:spcPct val="0"/>
+              </a:spcAft>
+              <a:buClr>
+                <a:schemeClr val="bg2">
+                  <a:lumMod val="75000"/>
+                </a:schemeClr>
+              </a:buClr>
+              <a:buSzPct val="80000"/>
+              <a:buFont typeface="Wingdings" pitchFamily="2" charset="2"/>
+              <a:buChar char="§"/>
+              <a:defRPr sz="2000">
+                <a:solidFill>
+                  <a:schemeClr val="tx1"/>
+                </a:solidFill>
+                <a:latin typeface="+mn-lt"/>
+              </a:defRPr>
+            </a:lvl8pPr>
+            <a:lvl9pPr marL="3108960" indent="-315913" algn="l" rtl="0" eaLnBrk="1" fontAlgn="base" hangingPunct="1">
+              <a:spcBef>
+                <a:spcPct val="20000"/>
+              </a:spcBef>
+              <a:spcAft>
+                <a:spcPct val="0"/>
+              </a:spcAft>
+              <a:buClr>
+                <a:schemeClr val="accent2">
+                  <a:lumMod val="50000"/>
+                </a:schemeClr>
+              </a:buClr>
+              <a:buSzPct val="80000"/>
+              <a:buFont typeface="Wingdings" pitchFamily="2" charset="2"/>
+              <a:buChar char="§"/>
+              <a:defRPr sz="2000">
+                <a:solidFill>
+                  <a:schemeClr val="tx1"/>
+                </a:solidFill>
+                <a:latin typeface="+mn-lt"/>
+              </a:defRPr>
+            </a:lvl9pPr>
+          </a:lstStyle>
+          <a:p>
+            <a:pPr marL="502920" indent="-457200">
+              <a:buFont typeface="Arial" panose="020B0604020202020204" pitchFamily="34" charset="0"/>
+              <a:buChar char="•"/>
+              <a:defRPr/>
+            </a:pPr>
+            <a:r>
+              <a:rPr lang="en-US" kern="0" dirty="0"/>
+              <a:t>Step 1: join ESP AP </a:t>
+            </a:r>
+            <a:r>
+              <a:rPr lang="en-US" kern="0" dirty="0" err="1"/>
+              <a:t>Wifi</a:t>
+            </a:r>
+            <a:r>
+              <a:rPr lang="en-US" kern="0" dirty="0"/>
+              <a:t> – press Connect</a:t>
+            </a:r>
+          </a:p>
+          <a:p>
+            <a:pPr>
+              <a:defRPr/>
+            </a:pPr>
+            <a:r>
+              <a:rPr lang="en-US" kern="0" dirty="0"/>
+              <a:t>Open Browser ESP’s IP:</a:t>
+            </a:r>
+          </a:p>
+          <a:p>
+            <a:pPr>
+              <a:defRPr/>
+            </a:pPr>
+            <a:r>
+              <a:rPr lang="en-US" kern="0" dirty="0"/>
+              <a:t>192.168.4.1</a:t>
+            </a:r>
+          </a:p>
+          <a:p>
+            <a:pPr>
+              <a:defRPr/>
+            </a:pPr>
+            <a:endParaRPr lang="en-US" kern="0" dirty="0"/>
+          </a:p>
+          <a:p>
+            <a:pPr marL="0">
+              <a:buFont typeface="Wingdings" panose="05000000000000000000" pitchFamily="2" charset="2"/>
+              <a:buNone/>
+              <a:defRPr/>
+            </a:pPr>
+            <a:r>
+              <a:rPr lang="en-US" kern="0" dirty="0"/>
+              <a:t>   </a:t>
+            </a:r>
+          </a:p>
+          <a:p>
+            <a:pPr marL="457200" indent="-457200">
+              <a:buFont typeface="Arial" panose="020B0604020202020204" pitchFamily="34" charset="0"/>
+              <a:buChar char="•"/>
+              <a:defRPr/>
+            </a:pPr>
+            <a:endParaRPr lang="en-US" kern="0" dirty="0"/>
+          </a:p>
+          <a:p>
+            <a:pPr marL="0">
+              <a:buFont typeface="Wingdings" panose="05000000000000000000" pitchFamily="2" charset="2"/>
+              <a:buNone/>
+              <a:defRPr/>
+            </a:pPr>
+            <a:endParaRPr lang="en-US" i="1" kern="0" dirty="0"/>
+          </a:p>
+        </p:txBody>
+      </p:sp>
+      <p:pic>
+        <p:nvPicPr>
+          <p:cNvPr id="8" name="Picture 7">
+            <a:extLst>
+              <a:ext uri="{FF2B5EF4-FFF2-40B4-BE49-F238E27FC236}">
+                <a16:creationId xmlns:a16="http://schemas.microsoft.com/office/drawing/2014/main" id="{0FAF3007-74BA-4A65-8E25-4488F24232B8}"/>
+              </a:ext>
+            </a:extLst>
+          </p:cNvPr>
+          <p:cNvPicPr>
+            <a:picLocks noChangeAspect="1"/>
+          </p:cNvPicPr>
+          <p:nvPr/>
+        </p:nvPicPr>
+        <p:blipFill>
+          <a:blip r:embed="rId3"/>
+          <a:stretch>
+            <a:fillRect/>
+          </a:stretch>
+        </p:blipFill>
+        <p:spPr>
+          <a:xfrm>
+            <a:off x="285982" y="4068633"/>
+            <a:ext cx="5334000" cy="962159"/>
+          </a:xfrm>
+          <a:prstGeom prst="rect">
+            <a:avLst/>
+          </a:prstGeom>
+        </p:spPr>
+      </p:pic>
+    </p:spTree>
+    <p:extLst>
+      <p:ext uri="{BB962C8B-B14F-4D97-AF65-F5344CB8AC3E}">
+        <p14:creationId xmlns:p14="http://schemas.microsoft.com/office/powerpoint/2010/main" val="2014171291"/>
+      </p:ext>
+    </p:extLst>
+  </p:cSld>
+  <p:clrMapOvr>
+    <a:masterClrMapping/>
+  </p:clrMapOvr>
+</p:sld>
+</file>
+
+<file path=ppt/slides/slide11.xml><?xml version="1.0" encoding="utf-8"?>
+<p:sld xmlns:a="http://schemas.openxmlformats.org/drawingml/2006/main" xmlns:r="http://schemas.openxmlformats.org/officeDocument/2006/relationships" xmlns:p="http://schemas.openxmlformats.org/presentationml/2006/main">
+  <p:cSld>
+    <p:spTree>
+      <p:nvGrpSpPr>
+        <p:cNvPr id="1" name=""/>
+        <p:cNvGrpSpPr/>
+        <p:nvPr/>
+      </p:nvGrpSpPr>
+      <p:grpSpPr>
+        <a:xfrm>
+          <a:off x="0" y="0"/>
+          <a:ext cx="0" cy="0"/>
+          <a:chOff x="0" y="0"/>
+          <a:chExt cx="0" cy="0"/>
+        </a:xfrm>
+      </p:grpSpPr>
+      <p:sp>
+        <p:nvSpPr>
+          <p:cNvPr id="2" name="Title 1">
+            <a:extLst>
+              <a:ext uri="{FF2B5EF4-FFF2-40B4-BE49-F238E27FC236}">
+                <a16:creationId xmlns:a16="http://schemas.microsoft.com/office/drawing/2014/main" id="{829A7577-DB38-4704-98B9-091ABDCDD642}"/>
+              </a:ext>
+            </a:extLst>
+          </p:cNvPr>
+          <p:cNvSpPr>
+            <a:spLocks noGrp="1"/>
+          </p:cNvSpPr>
+          <p:nvPr>
+            <p:ph type="title"/>
+          </p:nvPr>
+        </p:nvSpPr>
+        <p:spPr/>
+        <p:txBody>
+          <a:bodyPr/>
+          <a:lstStyle/>
+          <a:p>
+            <a:r>
+              <a:rPr lang="en-US" dirty="0"/>
+              <a:t>Setup Station Mode</a:t>
+            </a:r>
+          </a:p>
+        </p:txBody>
+      </p:sp>
+      <p:pic>
+        <p:nvPicPr>
+          <p:cNvPr id="5" name="Content Placeholder 4">
+            <a:extLst>
+              <a:ext uri="{FF2B5EF4-FFF2-40B4-BE49-F238E27FC236}">
+                <a16:creationId xmlns:a16="http://schemas.microsoft.com/office/drawing/2014/main" id="{240217A5-8ADB-4F47-AF3B-33E6549D6014}"/>
+              </a:ext>
+            </a:extLst>
+          </p:cNvPr>
+          <p:cNvPicPr>
+            <a:picLocks noGrp="1" noChangeAspect="1"/>
+          </p:cNvPicPr>
+          <p:nvPr>
+            <p:ph idx="1"/>
+          </p:nvPr>
+        </p:nvPicPr>
+        <p:blipFill>
+          <a:blip r:embed="rId2"/>
+          <a:stretch>
+            <a:fillRect/>
+          </a:stretch>
+        </p:blipFill>
+        <p:spPr>
+          <a:xfrm>
+            <a:off x="5257800" y="1676400"/>
+            <a:ext cx="3180501" cy="4411663"/>
+          </a:xfrm>
+        </p:spPr>
+      </p:pic>
+    </p:spTree>
+    <p:extLst>
+      <p:ext uri="{BB962C8B-B14F-4D97-AF65-F5344CB8AC3E}">
+        <p14:creationId xmlns:p14="http://schemas.microsoft.com/office/powerpoint/2010/main" val="2995772664"/>
+      </p:ext>
+    </p:extLst>
+  </p:cSld>
+  <p:clrMapOvr>
+    <a:masterClrMapping/>
+  </p:clrMapOvr>
+</p:sld>
+</file>
+
+<file path=ppt/slides/slide12.xml><?xml version="1.0" encoding="utf-8"?>
+<p:sld xmlns:a="http://schemas.openxmlformats.org/drawingml/2006/main" xmlns:r="http://schemas.openxmlformats.org/officeDocument/2006/relationships" xmlns:p="http://schemas.openxmlformats.org/presentationml/2006/main">
+  <p:cSld>
+    <p:spTree>
+      <p:nvGrpSpPr>
+        <p:cNvPr id="1" name=""/>
+        <p:cNvGrpSpPr/>
+        <p:nvPr/>
+      </p:nvGrpSpPr>
+      <p:grpSpPr>
+        <a:xfrm>
+          <a:off x="0" y="0"/>
+          <a:ext cx="0" cy="0"/>
+          <a:chOff x="0" y="0"/>
+          <a:chExt cx="0" cy="0"/>
+        </a:xfrm>
+      </p:grpSpPr>
+      <p:sp>
+        <p:nvSpPr>
+          <p:cNvPr id="2" name="Title 1">
+            <a:extLst>
+              <a:ext uri="{FF2B5EF4-FFF2-40B4-BE49-F238E27FC236}">
+                <a16:creationId xmlns:a16="http://schemas.microsoft.com/office/drawing/2014/main" id="{DCCD184A-4C28-4CEC-887A-3B187354F69F}"/>
+              </a:ext>
+            </a:extLst>
+          </p:cNvPr>
+          <p:cNvSpPr>
+            <a:spLocks noGrp="1"/>
+          </p:cNvSpPr>
+          <p:nvPr>
+            <p:ph type="title"/>
+          </p:nvPr>
+        </p:nvSpPr>
+        <p:spPr/>
+        <p:txBody>
+          <a:bodyPr/>
+          <a:lstStyle/>
+          <a:p>
+            <a:r>
+              <a:rPr lang="en-US" dirty="0"/>
+              <a:t>Modem setting</a:t>
+            </a:r>
+          </a:p>
+        </p:txBody>
+      </p:sp>
+      <p:pic>
+        <p:nvPicPr>
+          <p:cNvPr id="5" name="Content Placeholder 4">
+            <a:extLst>
+              <a:ext uri="{FF2B5EF4-FFF2-40B4-BE49-F238E27FC236}">
+                <a16:creationId xmlns:a16="http://schemas.microsoft.com/office/drawing/2014/main" id="{4E23053C-0E87-4297-94B1-67D0B919AC3B}"/>
+              </a:ext>
+            </a:extLst>
+          </p:cNvPr>
+          <p:cNvPicPr>
+            <a:picLocks noGrp="1" noChangeAspect="1"/>
+          </p:cNvPicPr>
+          <p:nvPr>
+            <p:ph idx="1"/>
+          </p:nvPr>
+        </p:nvPicPr>
+        <p:blipFill>
+          <a:blip r:embed="rId2"/>
+          <a:stretch>
+            <a:fillRect/>
+          </a:stretch>
+        </p:blipFill>
+        <p:spPr>
+          <a:xfrm>
+            <a:off x="1066800" y="1828800"/>
+            <a:ext cx="7391400" cy="3484517"/>
+          </a:xfrm>
+        </p:spPr>
+      </p:pic>
+      <p:pic>
+        <p:nvPicPr>
+          <p:cNvPr id="7" name="Picture 6">
+            <a:extLst>
+              <a:ext uri="{FF2B5EF4-FFF2-40B4-BE49-F238E27FC236}">
+                <a16:creationId xmlns:a16="http://schemas.microsoft.com/office/drawing/2014/main" id="{F6E371E8-1D95-4362-958E-BE28D57D53FF}"/>
+              </a:ext>
+            </a:extLst>
+          </p:cNvPr>
+          <p:cNvPicPr>
+            <a:picLocks noChangeAspect="1"/>
+          </p:cNvPicPr>
+          <p:nvPr/>
+        </p:nvPicPr>
+        <p:blipFill>
+          <a:blip r:embed="rId3"/>
+          <a:stretch>
+            <a:fillRect/>
+          </a:stretch>
+        </p:blipFill>
+        <p:spPr>
+          <a:xfrm>
+            <a:off x="775757" y="5203769"/>
+            <a:ext cx="7592485" cy="1448002"/>
+          </a:xfrm>
+          <a:prstGeom prst="rect">
+            <a:avLst/>
+          </a:prstGeom>
+        </p:spPr>
+      </p:pic>
+    </p:spTree>
+    <p:extLst>
+      <p:ext uri="{BB962C8B-B14F-4D97-AF65-F5344CB8AC3E}">
+        <p14:creationId xmlns:p14="http://schemas.microsoft.com/office/powerpoint/2010/main" val="3324319877"/>
+      </p:ext>
+    </p:extLst>
+  </p:cSld>
+  <p:clrMapOvr>
+    <a:masterClrMapping/>
+  </p:clrMapOvr>
+</p:sld>
+</file>
+
+<file path=ppt/slides/slide13.xml><?xml version="1.0" encoding="utf-8"?>
+<p:sld xmlns:a="http://schemas.openxmlformats.org/drawingml/2006/main" xmlns:r="http://schemas.openxmlformats.org/officeDocument/2006/relationships" xmlns:p="http://schemas.openxmlformats.org/presentationml/2006/main">
+  <p:cSld>
+    <p:spTree>
+      <p:nvGrpSpPr>
+        <p:cNvPr id="1" name=""/>
+        <p:cNvGrpSpPr/>
+        <p:nvPr/>
+      </p:nvGrpSpPr>
+      <p:grpSpPr>
+        <a:xfrm>
+          <a:off x="0" y="0"/>
+          <a:ext cx="0" cy="0"/>
+          <a:chOff x="0" y="0"/>
+          <a:chExt cx="0" cy="0"/>
+        </a:xfrm>
+      </p:grpSpPr>
+      <p:sp>
+        <p:nvSpPr>
+          <p:cNvPr id="2" name="Title 1">
+            <a:extLst>
+              <a:ext uri="{FF2B5EF4-FFF2-40B4-BE49-F238E27FC236}">
+                <a16:creationId xmlns:a16="http://schemas.microsoft.com/office/drawing/2014/main" id="{FFC6D272-7560-4187-BF25-AC5D69D461E2}"/>
+              </a:ext>
+            </a:extLst>
+          </p:cNvPr>
+          <p:cNvSpPr>
+            <a:spLocks noGrp="1"/>
+          </p:cNvSpPr>
+          <p:nvPr>
+            <p:ph type="title"/>
+          </p:nvPr>
+        </p:nvSpPr>
+        <p:spPr/>
+        <p:txBody>
+          <a:bodyPr/>
+          <a:lstStyle/>
+          <a:p>
+            <a:r>
+              <a:rPr lang="en-US" dirty="0"/>
+              <a:t>Setup MQTT Link</a:t>
+            </a:r>
+          </a:p>
+        </p:txBody>
+      </p:sp>
+      <p:pic>
+        <p:nvPicPr>
+          <p:cNvPr id="5" name="Content Placeholder 4">
+            <a:extLst>
+              <a:ext uri="{FF2B5EF4-FFF2-40B4-BE49-F238E27FC236}">
+                <a16:creationId xmlns:a16="http://schemas.microsoft.com/office/drawing/2014/main" id="{61B4F518-6680-4F55-83D0-E363D152D9B6}"/>
+              </a:ext>
+            </a:extLst>
+          </p:cNvPr>
+          <p:cNvPicPr>
+            <a:picLocks noGrp="1" noChangeAspect="1"/>
+          </p:cNvPicPr>
+          <p:nvPr>
+            <p:ph idx="1"/>
+          </p:nvPr>
+        </p:nvPicPr>
+        <p:blipFill>
+          <a:blip r:embed="rId2"/>
+          <a:stretch>
+            <a:fillRect/>
+          </a:stretch>
+        </p:blipFill>
+        <p:spPr>
+          <a:xfrm>
+            <a:off x="5715000" y="1828800"/>
+            <a:ext cx="2085770" cy="4411663"/>
+          </a:xfrm>
+        </p:spPr>
+      </p:pic>
+      <p:sp>
+        <p:nvSpPr>
+          <p:cNvPr id="6" name="Content Placeholder 2">
+            <a:extLst>
+              <a:ext uri="{FF2B5EF4-FFF2-40B4-BE49-F238E27FC236}">
+                <a16:creationId xmlns:a16="http://schemas.microsoft.com/office/drawing/2014/main" id="{78372CC2-5C46-43E3-B739-7BBD478D8D75}"/>
+              </a:ext>
+            </a:extLst>
+          </p:cNvPr>
+          <p:cNvSpPr txBox="1">
+            <a:spLocks/>
+          </p:cNvSpPr>
+          <p:nvPr/>
+        </p:nvSpPr>
+        <p:spPr bwMode="auto">
+          <a:xfrm>
+            <a:off x="457200" y="1828800"/>
+            <a:ext cx="4267200" cy="4411663"/>
+          </a:xfrm>
+          <a:prstGeom prst="rect">
+            <a:avLst/>
+          </a:prstGeom>
+          <a:noFill/>
+          <a:ln>
+            <a:noFill/>
+          </a:ln>
+          <a:effectLst/>
+          <a:extLst>
+            <a:ext uri="{909E8E84-426E-40DD-AFC4-6F175D3DCCD1}">
+              <a14:hiddenFill xmlns:a14="http://schemas.microsoft.com/office/drawing/2010/main">
+                <a:solidFill>
+                  <a:schemeClr val="accent1"/>
+                </a:solidFill>
+              </a14:hiddenFill>
+            </a:ext>
+            <a:ext uri="{91240B29-F687-4F45-9708-019B960494DF}">
+              <a14:hiddenLine xmlns:a14="http://schemas.microsoft.com/office/drawing/2010/main" w="9525">
+                <a:solidFill>
+                  <a:schemeClr val="tx1"/>
+                </a:solidFill>
+                <a:miter lim="800000"/>
+                <a:headEnd/>
+                <a:tailEnd/>
+              </a14:hiddenLine>
+            </a:ext>
+            <a:ext uri="{AF507438-7753-43E0-B8FC-AC1667EBCBE1}">
+              <a14:hiddenEffects xmlns:a14="http://schemas.microsoft.com/office/drawing/2010/main">
+                <a:effectLst>
+                  <a:outerShdw dist="35921" dir="2700000" algn="ctr" rotWithShape="0">
+                    <a:schemeClr val="bg2"/>
+                  </a:outerShdw>
+                </a:effectLst>
+              </a14:hiddenEffects>
+            </a:ext>
+          </a:extLst>
+        </p:spPr>
+        <p:txBody>
+          <a:bodyPr vert="horz" wrap="square" lIns="91440" tIns="45720" rIns="91440" bIns="45720" numCol="1" anchor="t" anchorCtr="0" compatLnSpc="1">
+            <a:prstTxWarp prst="textNoShape">
+              <a:avLst/>
+            </a:prstTxWarp>
+            <a:normAutofit/>
+          </a:bodyPr>
+          <a:lstStyle>
+            <a:lvl1pPr marL="45720" indent="0" algn="l" rtl="0" eaLnBrk="1" fontAlgn="base" hangingPunct="1">
+              <a:spcBef>
+                <a:spcPct val="25000"/>
+              </a:spcBef>
+              <a:spcAft>
+                <a:spcPct val="0"/>
+              </a:spcAft>
+              <a:buClr>
+                <a:schemeClr val="tx2"/>
+              </a:buClr>
+              <a:buSzPct val="120000"/>
+              <a:buFontTx/>
+              <a:buNone/>
+              <a:defRPr sz="2700">
+                <a:solidFill>
+                  <a:schemeClr val="tx1"/>
+                </a:solidFill>
+                <a:latin typeface="+mn-lt"/>
+                <a:ea typeface="+mn-ea"/>
+                <a:cs typeface="+mn-cs"/>
+              </a:defRPr>
+            </a:lvl1pPr>
+            <a:lvl2pPr marL="692150" indent="-347663" algn="l" rtl="0" eaLnBrk="1" fontAlgn="base" hangingPunct="1">
+              <a:spcBef>
+                <a:spcPct val="0"/>
+              </a:spcBef>
+              <a:spcAft>
+                <a:spcPct val="25000"/>
+              </a:spcAft>
+              <a:buClr>
+                <a:schemeClr val="accent2">
+                  <a:lumMod val="75000"/>
+                </a:schemeClr>
+              </a:buClr>
+              <a:buSzPct val="55000"/>
+              <a:buFont typeface="Wingdings" pitchFamily="2" charset="2"/>
+              <a:buChar char="l"/>
+              <a:defRPr sz="2400">
+                <a:solidFill>
+                  <a:schemeClr val="tx1"/>
+                </a:solidFill>
+                <a:latin typeface="+mn-lt"/>
+              </a:defRPr>
+            </a:lvl2pPr>
+            <a:lvl3pPr marL="987425" indent="-293688" algn="l" rtl="0" eaLnBrk="1" fontAlgn="base" hangingPunct="1">
+              <a:spcBef>
+                <a:spcPct val="0"/>
+              </a:spcBef>
+              <a:spcAft>
+                <a:spcPct val="25000"/>
+              </a:spcAft>
+              <a:buClr>
+                <a:schemeClr val="accent1">
+                  <a:lumMod val="50000"/>
+                </a:schemeClr>
+              </a:buClr>
+              <a:buSzPct val="50000"/>
+              <a:buFont typeface="Wingdings" pitchFamily="2" charset="2"/>
+              <a:buChar char="l"/>
+              <a:defRPr sz="2200">
+                <a:solidFill>
+                  <a:schemeClr val="tx1"/>
+                </a:solidFill>
+                <a:latin typeface="+mn-lt"/>
+              </a:defRPr>
+            </a:lvl3pPr>
+            <a:lvl4pPr marL="1281113" indent="-292100" algn="l" rtl="0" eaLnBrk="1" fontAlgn="base" hangingPunct="1">
+              <a:spcBef>
+                <a:spcPct val="20000"/>
+              </a:spcBef>
+              <a:spcAft>
+                <a:spcPct val="0"/>
+              </a:spcAft>
+              <a:buClr>
+                <a:schemeClr val="tx2">
+                  <a:lumMod val="75000"/>
+                </a:schemeClr>
+              </a:buClr>
+              <a:buSzPct val="75000"/>
+              <a:buFont typeface="Wingdings" pitchFamily="2" charset="2"/>
+              <a:buChar char="§"/>
+              <a:defRPr sz="2000">
+                <a:solidFill>
+                  <a:schemeClr val="tx1"/>
+                </a:solidFill>
+                <a:latin typeface="+mn-lt"/>
+              </a:defRPr>
+            </a:lvl4pPr>
+            <a:lvl5pPr marL="1598613" indent="-315913" algn="l" rtl="0" eaLnBrk="1" fontAlgn="base" hangingPunct="1">
+              <a:spcBef>
+                <a:spcPct val="20000"/>
+              </a:spcBef>
+              <a:spcAft>
+                <a:spcPct val="0"/>
+              </a:spcAft>
+              <a:buClr>
+                <a:schemeClr val="accent3">
+                  <a:lumMod val="50000"/>
+                </a:schemeClr>
+              </a:buClr>
+              <a:buSzPct val="80000"/>
+              <a:buFont typeface="Wingdings" pitchFamily="2" charset="2"/>
+              <a:buChar char="§"/>
+              <a:defRPr sz="2000">
+                <a:solidFill>
+                  <a:schemeClr val="tx1"/>
+                </a:solidFill>
+                <a:latin typeface="+mn-lt"/>
+              </a:defRPr>
+            </a:lvl5pPr>
+            <a:lvl6pPr marL="1920240" indent="-315913" algn="l" rtl="0" eaLnBrk="1" fontAlgn="base" hangingPunct="1">
+              <a:spcBef>
+                <a:spcPct val="20000"/>
+              </a:spcBef>
+              <a:spcAft>
+                <a:spcPct val="0"/>
+              </a:spcAft>
+              <a:buClr>
+                <a:schemeClr val="accent6">
+                  <a:lumMod val="50000"/>
+                </a:schemeClr>
+              </a:buClr>
+              <a:buSzPct val="80000"/>
+              <a:buFont typeface="Wingdings" pitchFamily="2" charset="2"/>
+              <a:buChar char="§"/>
+              <a:defRPr sz="2000">
+                <a:solidFill>
+                  <a:schemeClr val="tx1"/>
+                </a:solidFill>
+                <a:latin typeface="+mn-lt"/>
+              </a:defRPr>
+            </a:lvl6pPr>
+            <a:lvl7pPr marL="2240280" indent="-315913" algn="l" rtl="0" eaLnBrk="1" fontAlgn="base" hangingPunct="1">
+              <a:spcBef>
+                <a:spcPct val="20000"/>
+              </a:spcBef>
+              <a:spcAft>
+                <a:spcPct val="0"/>
+              </a:spcAft>
+              <a:buClr>
+                <a:schemeClr val="accent2">
+                  <a:lumMod val="50000"/>
+                </a:schemeClr>
+              </a:buClr>
+              <a:buSzPct val="80000"/>
+              <a:buFont typeface="Wingdings" pitchFamily="2" charset="2"/>
+              <a:buChar char="§"/>
+              <a:defRPr sz="2000">
+                <a:solidFill>
+                  <a:schemeClr val="tx1"/>
+                </a:solidFill>
+                <a:latin typeface="+mn-lt"/>
+              </a:defRPr>
+            </a:lvl7pPr>
+            <a:lvl8pPr marL="2651760" indent="-315913" algn="l" rtl="0" eaLnBrk="1" fontAlgn="base" hangingPunct="1">
+              <a:spcBef>
+                <a:spcPct val="20000"/>
+              </a:spcBef>
+              <a:spcAft>
+                <a:spcPct val="0"/>
+              </a:spcAft>
+              <a:buClr>
+                <a:schemeClr val="bg2">
+                  <a:lumMod val="75000"/>
+                </a:schemeClr>
+              </a:buClr>
+              <a:buSzPct val="80000"/>
+              <a:buFont typeface="Wingdings" pitchFamily="2" charset="2"/>
+              <a:buChar char="§"/>
+              <a:defRPr sz="2000">
+                <a:solidFill>
+                  <a:schemeClr val="tx1"/>
+                </a:solidFill>
+                <a:latin typeface="+mn-lt"/>
+              </a:defRPr>
+            </a:lvl8pPr>
+            <a:lvl9pPr marL="3108960" indent="-315913" algn="l" rtl="0" eaLnBrk="1" fontAlgn="base" hangingPunct="1">
+              <a:spcBef>
+                <a:spcPct val="20000"/>
+              </a:spcBef>
+              <a:spcAft>
+                <a:spcPct val="0"/>
+              </a:spcAft>
+              <a:buClr>
+                <a:schemeClr val="accent2">
+                  <a:lumMod val="50000"/>
+                </a:schemeClr>
+              </a:buClr>
+              <a:buSzPct val="80000"/>
+              <a:buFont typeface="Wingdings" pitchFamily="2" charset="2"/>
+              <a:buChar char="§"/>
+              <a:defRPr sz="2000">
+                <a:solidFill>
+                  <a:schemeClr val="tx1"/>
+                </a:solidFill>
+                <a:latin typeface="+mn-lt"/>
+              </a:defRPr>
+            </a:lvl9pPr>
+          </a:lstStyle>
+          <a:p>
+            <a:pPr marL="502920" indent="-457200">
+              <a:buFont typeface="Arial" panose="020B0604020202020204" pitchFamily="34" charset="0"/>
+              <a:buChar char="•"/>
+              <a:defRPr/>
+            </a:pPr>
+            <a:r>
+              <a:rPr lang="en-US" kern="0" dirty="0"/>
+              <a:t>Reboot after changes</a:t>
+            </a:r>
+            <a:endParaRPr lang="en-US" i="1" kern="0" dirty="0"/>
+          </a:p>
+        </p:txBody>
+      </p:sp>
+    </p:spTree>
+    <p:extLst>
+      <p:ext uri="{BB962C8B-B14F-4D97-AF65-F5344CB8AC3E}">
+        <p14:creationId xmlns:p14="http://schemas.microsoft.com/office/powerpoint/2010/main" val="659292216"/>
+      </p:ext>
+    </p:extLst>
+  </p:cSld>
+  <p:clrMapOvr>
+    <a:masterClrMapping/>
+  </p:clrMapOvr>
+</p:sld>
+</file>
+
+<file path=ppt/slides/slide14.xml><?xml version="1.0" encoding="utf-8"?>
+<p:sld xmlns:a="http://schemas.openxmlformats.org/drawingml/2006/main" xmlns:r="http://schemas.openxmlformats.org/officeDocument/2006/relationships" xmlns:p="http://schemas.openxmlformats.org/presentationml/2006/main">
+  <p:cSld>
+    <p:spTree>
+      <p:nvGrpSpPr>
+        <p:cNvPr id="1" name=""/>
+        <p:cNvGrpSpPr/>
+        <p:nvPr/>
+      </p:nvGrpSpPr>
+      <p:grpSpPr>
+        <a:xfrm>
+          <a:off x="0" y="0"/>
+          <a:ext cx="0" cy="0"/>
+          <a:chOff x="0" y="0"/>
+          <a:chExt cx="0" cy="0"/>
+        </a:xfrm>
+      </p:grpSpPr>
+      <p:sp>
+        <p:nvSpPr>
+          <p:cNvPr id="13314" name="Title 1">
+            <a:extLst>
+              <a:ext uri="{FF2B5EF4-FFF2-40B4-BE49-F238E27FC236}">
+                <a16:creationId xmlns:a16="http://schemas.microsoft.com/office/drawing/2014/main" id="{38228941-EE6E-40F2-863F-416A77FA591C}"/>
+              </a:ext>
+            </a:extLst>
+          </p:cNvPr>
+          <p:cNvSpPr>
+            <a:spLocks noGrp="1" noChangeArrowheads="1"/>
+          </p:cNvSpPr>
+          <p:nvPr>
+            <p:ph type="title"/>
+          </p:nvPr>
+        </p:nvSpPr>
+        <p:spPr/>
+        <p:txBody>
+          <a:bodyPr/>
+          <a:lstStyle/>
+          <a:p>
+            <a:r>
+              <a:rPr lang="en-US" altLang="en-US"/>
+              <a:t>Cài đặt MQTT Broker</a:t>
+            </a:r>
+          </a:p>
+        </p:txBody>
+      </p:sp>
+      <p:pic>
+        <p:nvPicPr>
+          <p:cNvPr id="13315" name="Content Placeholder 4">
+            <a:extLst>
+              <a:ext uri="{FF2B5EF4-FFF2-40B4-BE49-F238E27FC236}">
+                <a16:creationId xmlns:a16="http://schemas.microsoft.com/office/drawing/2014/main" id="{67259074-BC93-445D-9620-D1F724612906}"/>
+              </a:ext>
+            </a:extLst>
+          </p:cNvPr>
+          <p:cNvPicPr>
+            <a:picLocks noGrp="1" noChangeAspect="1" noChangeArrowheads="1"/>
+          </p:cNvPicPr>
+          <p:nvPr>
+            <p:ph idx="1"/>
+          </p:nvPr>
+        </p:nvPicPr>
+        <p:blipFill>
+          <a:blip r:embed="rId2">
+            <a:extLst>
+              <a:ext uri="{28A0092B-C50C-407E-A947-70E740481C1C}">
+                <a14:useLocalDpi xmlns:a14="http://schemas.microsoft.com/office/drawing/2010/main" val="0"/>
+              </a:ext>
+            </a:extLst>
+          </a:blip>
+          <a:srcRect/>
+          <a:stretch>
+            <a:fillRect/>
+          </a:stretch>
+        </p:blipFill>
+        <p:spPr>
+          <a:xfrm>
+            <a:off x="4343400" y="1752600"/>
+            <a:ext cx="4419600" cy="4876800"/>
+          </a:xfrm>
+        </p:spPr>
+      </p:pic>
+      <p:sp>
+        <p:nvSpPr>
+          <p:cNvPr id="13316" name="TextBox 5">
+            <a:extLst>
+              <a:ext uri="{FF2B5EF4-FFF2-40B4-BE49-F238E27FC236}">
+                <a16:creationId xmlns:a16="http://schemas.microsoft.com/office/drawing/2014/main" id="{FC9A4160-9FB8-4620-83B8-56E344CA6D5F}"/>
+              </a:ext>
+            </a:extLst>
+          </p:cNvPr>
+          <p:cNvSpPr txBox="1">
+            <a:spLocks noChangeArrowheads="1"/>
+          </p:cNvSpPr>
+          <p:nvPr/>
+        </p:nvSpPr>
+        <p:spPr bwMode="auto">
+          <a:xfrm>
+            <a:off x="261938" y="2209800"/>
+            <a:ext cx="3319462" cy="2265236"/>
+          </a:xfrm>
+          <a:prstGeom prst="rect">
+            <a:avLst/>
+          </a:prstGeom>
+          <a:noFill/>
+          <a:ln>
+            <a:noFill/>
+          </a:ln>
+          <a:extLst>
+            <a:ext uri="{909E8E84-426E-40DD-AFC4-6F175D3DCCD1}">
+              <a14:hiddenFill xmlns:a14="http://schemas.microsoft.com/office/drawing/2010/main">
+                <a:solidFill>
+                  <a:srgbClr val="FFFFFF"/>
+                </a:solidFill>
+              </a14:hiddenFill>
+            </a:ext>
+            <a:ext uri="{91240B29-F687-4F45-9708-019B960494DF}">
+              <a14:hiddenLine xmlns:a14="http://schemas.microsoft.com/office/drawing/2010/main" w="9525">
+                <a:solidFill>
+                  <a:srgbClr val="000000"/>
+                </a:solidFill>
+                <a:miter lim="800000"/>
+                <a:headEnd/>
+                <a:tailEnd/>
+              </a14:hiddenLine>
+            </a:ext>
+          </a:extLst>
+        </p:spPr>
+        <p:txBody>
+          <a:bodyPr>
+            <a:spAutoFit/>
+          </a:bodyPr>
+          <a:lstStyle>
+            <a:lvl1pPr>
+              <a:defRPr>
+                <a:solidFill>
+                  <a:schemeClr val="tx1"/>
+                </a:solidFill>
+                <a:latin typeface="Arial" panose="020B0604020202020204" pitchFamily="34" charset="0"/>
+                <a:cs typeface="Arial" panose="020B0604020202020204" pitchFamily="34" charset="0"/>
+              </a:defRPr>
+            </a:lvl1pPr>
+            <a:lvl2pPr marL="742950" indent="-285750">
+              <a:defRPr>
+                <a:solidFill>
+                  <a:schemeClr val="tx1"/>
+                </a:solidFill>
+                <a:latin typeface="Arial" panose="020B0604020202020204" pitchFamily="34" charset="0"/>
+                <a:cs typeface="Arial" panose="020B0604020202020204" pitchFamily="34" charset="0"/>
+              </a:defRPr>
+            </a:lvl2pPr>
+            <a:lvl3pPr marL="1143000" indent="-228600">
+              <a:defRPr>
+                <a:solidFill>
+                  <a:schemeClr val="tx1"/>
+                </a:solidFill>
+                <a:latin typeface="Arial" panose="020B0604020202020204" pitchFamily="34" charset="0"/>
+                <a:cs typeface="Arial" panose="020B0604020202020204" pitchFamily="34" charset="0"/>
+              </a:defRPr>
+            </a:lvl3pPr>
+            <a:lvl4pPr marL="1600200" indent="-228600">
+              <a:defRPr>
+                <a:solidFill>
+                  <a:schemeClr val="tx1"/>
+                </a:solidFill>
+                <a:latin typeface="Arial" panose="020B0604020202020204" pitchFamily="34" charset="0"/>
+                <a:cs typeface="Arial" panose="020B0604020202020204" pitchFamily="34" charset="0"/>
+              </a:defRPr>
+            </a:lvl4pPr>
+            <a:lvl5pPr marL="2057400" indent="-228600">
+              <a:defRPr>
+                <a:solidFill>
+                  <a:schemeClr val="tx1"/>
+                </a:solidFill>
+                <a:latin typeface="Arial" panose="020B0604020202020204" pitchFamily="34" charset="0"/>
+                <a:cs typeface="Arial" panose="020B0604020202020204" pitchFamily="34" charset="0"/>
+              </a:defRPr>
+            </a:lvl5pPr>
+            <a:lvl6pPr marL="2514600" indent="-228600" eaLnBrk="0" fontAlgn="base" hangingPunct="0">
+              <a:spcBef>
+                <a:spcPct val="0"/>
+              </a:spcBef>
+              <a:spcAft>
+                <a:spcPct val="0"/>
+              </a:spcAft>
+              <a:defRPr>
+                <a:solidFill>
+                  <a:schemeClr val="tx1"/>
+                </a:solidFill>
+                <a:latin typeface="Arial" panose="020B0604020202020204" pitchFamily="34" charset="0"/>
+                <a:cs typeface="Arial" panose="020B0604020202020204" pitchFamily="34" charset="0"/>
+              </a:defRPr>
+            </a:lvl6pPr>
+            <a:lvl7pPr marL="2971800" indent="-228600" eaLnBrk="0" fontAlgn="base" hangingPunct="0">
+              <a:spcBef>
+                <a:spcPct val="0"/>
+              </a:spcBef>
+              <a:spcAft>
+                <a:spcPct val="0"/>
+              </a:spcAft>
+              <a:defRPr>
+                <a:solidFill>
+                  <a:schemeClr val="tx1"/>
+                </a:solidFill>
+                <a:latin typeface="Arial" panose="020B0604020202020204" pitchFamily="34" charset="0"/>
+                <a:cs typeface="Arial" panose="020B0604020202020204" pitchFamily="34" charset="0"/>
+              </a:defRPr>
+            </a:lvl7pPr>
+            <a:lvl8pPr marL="3429000" indent="-228600" eaLnBrk="0" fontAlgn="base" hangingPunct="0">
+              <a:spcBef>
+                <a:spcPct val="0"/>
+              </a:spcBef>
+              <a:spcAft>
+                <a:spcPct val="0"/>
+              </a:spcAft>
+              <a:defRPr>
+                <a:solidFill>
+                  <a:schemeClr val="tx1"/>
+                </a:solidFill>
+                <a:latin typeface="Arial" panose="020B0604020202020204" pitchFamily="34" charset="0"/>
+                <a:cs typeface="Arial" panose="020B0604020202020204" pitchFamily="34" charset="0"/>
+              </a:defRPr>
+            </a:lvl8pPr>
+            <a:lvl9pPr marL="3886200" indent="-228600" eaLnBrk="0" fontAlgn="base" hangingPunct="0">
+              <a:spcBef>
+                <a:spcPct val="0"/>
+              </a:spcBef>
+              <a:spcAft>
+                <a:spcPct val="0"/>
+              </a:spcAft>
+              <a:defRPr>
+                <a:solidFill>
+                  <a:schemeClr val="tx1"/>
+                </a:solidFill>
+                <a:latin typeface="Arial" panose="020B0604020202020204" pitchFamily="34" charset="0"/>
+                <a:cs typeface="Arial" panose="020B0604020202020204" pitchFamily="34" charset="0"/>
+              </a:defRPr>
+            </a:lvl9pPr>
+          </a:lstStyle>
+          <a:p>
+            <a:r>
+              <a:rPr lang="en-US" altLang="en-US" sz="2200" b="1" i="1" dirty="0"/>
+              <a:t>Chú ý: </a:t>
+            </a:r>
+            <a:r>
+              <a:rPr lang="en-US" altLang="en-US" sz="2200" i="1" dirty="0" err="1"/>
+              <a:t>Mở</a:t>
+            </a:r>
+            <a:r>
+              <a:rPr lang="en-US" altLang="en-US" sz="2200" i="1" dirty="0"/>
+              <a:t> Task Manager, tìm server “</a:t>
+            </a:r>
+            <a:r>
+              <a:rPr lang="en-US" altLang="en-US" sz="2200" b="1" i="1" dirty="0"/>
+              <a:t>mosquito</a:t>
+            </a:r>
+            <a:r>
+              <a:rPr lang="en-US" altLang="en-US" sz="2200" i="1" dirty="0"/>
+              <a:t>” </a:t>
+            </a:r>
+            <a:r>
+              <a:rPr lang="en-US" altLang="en-US" sz="2200" i="1" dirty="0" err="1"/>
+              <a:t>sau</a:t>
+            </a:r>
+            <a:r>
+              <a:rPr lang="en-US" altLang="en-US" sz="2200" i="1" dirty="0"/>
+              <a:t> đó click </a:t>
+            </a:r>
+            <a:r>
+              <a:rPr lang="en-US" altLang="en-US" sz="2200" i="1" dirty="0" err="1"/>
+              <a:t>chuột</a:t>
+            </a:r>
+            <a:r>
+              <a:rPr lang="en-US" altLang="en-US" sz="2200" i="1" dirty="0"/>
+              <a:t> phải, </a:t>
+            </a:r>
+            <a:r>
+              <a:rPr lang="en-US" altLang="en-US" sz="2200" i="1" dirty="0" err="1"/>
+              <a:t>nhấn</a:t>
+            </a:r>
+            <a:r>
+              <a:rPr lang="en-US" altLang="en-US" sz="2200" i="1" dirty="0"/>
+              <a:t> </a:t>
+            </a:r>
+            <a:r>
+              <a:rPr lang="en-US" altLang="en-US" sz="2200" b="1" i="1" dirty="0"/>
+              <a:t>Stop</a:t>
+            </a:r>
+            <a:r>
+              <a:rPr lang="en-US" altLang="en-US" sz="2200" i="1" dirty="0"/>
+              <a:t> </a:t>
+            </a:r>
+            <a:r>
+              <a:rPr lang="en-US" altLang="en-US" sz="2200" i="1" dirty="0" err="1"/>
+              <a:t>trước</a:t>
+            </a:r>
+            <a:r>
+              <a:rPr lang="en-US" altLang="en-US" sz="2200" i="1" dirty="0"/>
+              <a:t> khi chạy.</a:t>
+            </a:r>
+            <a:endParaRPr lang="en-US" altLang="en-US" i="1" dirty="0"/>
+          </a:p>
+          <a:p>
+            <a:endParaRPr lang="en-US" altLang="en-US" i="1" dirty="0"/>
+          </a:p>
+        </p:txBody>
+      </p:sp>
+    </p:spTree>
+  </p:cSld>
+  <p:clrMapOvr>
+    <a:masterClrMapping/>
+  </p:clrMapOvr>
+</p:sld>
+</file>
+
+<file path=ppt/slides/slide15.xml><?xml version="1.0" encoding="utf-8"?>
+<p:sld xmlns:a="http://schemas.openxmlformats.org/drawingml/2006/main" xmlns:r="http://schemas.openxmlformats.org/officeDocument/2006/relationships" xmlns:p="http://schemas.openxmlformats.org/presentationml/2006/main">
+  <p:cSld>
+    <p:spTree>
+      <p:nvGrpSpPr>
+        <p:cNvPr id="1" name=""/>
+        <p:cNvGrpSpPr/>
+        <p:nvPr/>
+      </p:nvGrpSpPr>
+      <p:grpSpPr>
+        <a:xfrm>
+          <a:off x="0" y="0"/>
+          <a:ext cx="0" cy="0"/>
+          <a:chOff x="0" y="0"/>
+          <a:chExt cx="0" cy="0"/>
+        </a:xfrm>
+      </p:grpSpPr>
+      <p:sp>
+        <p:nvSpPr>
+          <p:cNvPr id="14338" name="Title 1">
+            <a:extLst>
+              <a:ext uri="{FF2B5EF4-FFF2-40B4-BE49-F238E27FC236}">
+                <a16:creationId xmlns:a16="http://schemas.microsoft.com/office/drawing/2014/main" id="{3F0CA600-E9A6-43AE-A5EC-D2F81D3C5BE2}"/>
+              </a:ext>
+            </a:extLst>
+          </p:cNvPr>
+          <p:cNvSpPr>
+            <a:spLocks noGrp="1" noChangeArrowheads="1"/>
+          </p:cNvSpPr>
+          <p:nvPr>
+            <p:ph type="title"/>
+          </p:nvPr>
+        </p:nvSpPr>
+        <p:spPr/>
+        <p:txBody>
+          <a:bodyPr/>
+          <a:lstStyle/>
+          <a:p>
+            <a:r>
+              <a:rPr lang="en-US" altLang="en-US"/>
+              <a:t>Cấu hình MQTTBox</a:t>
+            </a:r>
+          </a:p>
+        </p:txBody>
+      </p:sp>
+      <p:pic>
+        <p:nvPicPr>
+          <p:cNvPr id="4" name="Content Placeholder 3">
+            <a:extLst>
+              <a:ext uri="{FF2B5EF4-FFF2-40B4-BE49-F238E27FC236}">
+                <a16:creationId xmlns:a16="http://schemas.microsoft.com/office/drawing/2014/main" id="{F4611243-F712-4DBD-87AF-5998C42395EE}"/>
+              </a:ext>
+            </a:extLst>
+          </p:cNvPr>
+          <p:cNvPicPr>
+            <a:picLocks noGrp="1" noChangeAspect="1"/>
+          </p:cNvPicPr>
+          <p:nvPr>
+            <p:ph idx="1"/>
+          </p:nvPr>
+        </p:nvPicPr>
+        <p:blipFill>
+          <a:blip r:embed="rId2"/>
+          <a:stretch>
+            <a:fillRect/>
+          </a:stretch>
+        </p:blipFill>
+        <p:spPr>
+          <a:xfrm>
+            <a:off x="3657600" y="1914088"/>
+            <a:ext cx="5302716" cy="4724400"/>
+          </a:xfrm>
+        </p:spPr>
+      </p:pic>
+      <p:sp>
+        <p:nvSpPr>
+          <p:cNvPr id="7" name="TextBox 5">
+            <a:extLst>
+              <a:ext uri="{FF2B5EF4-FFF2-40B4-BE49-F238E27FC236}">
+                <a16:creationId xmlns:a16="http://schemas.microsoft.com/office/drawing/2014/main" id="{2BF75E60-1F39-4B55-9951-1F0CB648546F}"/>
+              </a:ext>
+            </a:extLst>
+          </p:cNvPr>
+          <p:cNvSpPr txBox="1">
+            <a:spLocks noChangeArrowheads="1"/>
+          </p:cNvSpPr>
+          <p:nvPr/>
+        </p:nvSpPr>
+        <p:spPr bwMode="auto">
+          <a:xfrm>
+            <a:off x="261938" y="2209800"/>
+            <a:ext cx="3319462" cy="492443"/>
+          </a:xfrm>
+          <a:prstGeom prst="rect">
+            <a:avLst/>
+          </a:prstGeom>
+          <a:noFill/>
+          <a:ln>
+            <a:noFill/>
+          </a:ln>
+          <a:extLst>
+            <a:ext uri="{909E8E84-426E-40DD-AFC4-6F175D3DCCD1}">
+              <a14:hiddenFill xmlns:a14="http://schemas.microsoft.com/office/drawing/2010/main">
+                <a:solidFill>
+                  <a:srgbClr val="FFFFFF"/>
+                </a:solidFill>
+              </a14:hiddenFill>
+            </a:ext>
+            <a:ext uri="{91240B29-F687-4F45-9708-019B960494DF}">
+              <a14:hiddenLine xmlns:a14="http://schemas.microsoft.com/office/drawing/2010/main" w="9525">
+                <a:solidFill>
+                  <a:srgbClr val="000000"/>
+                </a:solidFill>
+                <a:miter lim="800000"/>
+                <a:headEnd/>
+                <a:tailEnd/>
+              </a14:hiddenLine>
+            </a:ext>
+          </a:extLst>
+        </p:spPr>
+        <p:txBody>
+          <a:bodyPr>
+            <a:spAutoFit/>
+          </a:bodyPr>
+          <a:lstStyle>
+            <a:lvl1pPr>
+              <a:defRPr>
+                <a:solidFill>
+                  <a:schemeClr val="tx1"/>
+                </a:solidFill>
+                <a:latin typeface="Arial" panose="020B0604020202020204" pitchFamily="34" charset="0"/>
+                <a:cs typeface="Arial" panose="020B0604020202020204" pitchFamily="34" charset="0"/>
+              </a:defRPr>
+            </a:lvl1pPr>
+            <a:lvl2pPr marL="742950" indent="-285750">
+              <a:defRPr>
+                <a:solidFill>
+                  <a:schemeClr val="tx1"/>
+                </a:solidFill>
+                <a:latin typeface="Arial" panose="020B0604020202020204" pitchFamily="34" charset="0"/>
+                <a:cs typeface="Arial" panose="020B0604020202020204" pitchFamily="34" charset="0"/>
+              </a:defRPr>
+            </a:lvl2pPr>
+            <a:lvl3pPr marL="1143000" indent="-228600">
+              <a:defRPr>
+                <a:solidFill>
+                  <a:schemeClr val="tx1"/>
+                </a:solidFill>
+                <a:latin typeface="Arial" panose="020B0604020202020204" pitchFamily="34" charset="0"/>
+                <a:cs typeface="Arial" panose="020B0604020202020204" pitchFamily="34" charset="0"/>
+              </a:defRPr>
+            </a:lvl3pPr>
+            <a:lvl4pPr marL="1600200" indent="-228600">
+              <a:defRPr>
+                <a:solidFill>
+                  <a:schemeClr val="tx1"/>
+                </a:solidFill>
+                <a:latin typeface="Arial" panose="020B0604020202020204" pitchFamily="34" charset="0"/>
+                <a:cs typeface="Arial" panose="020B0604020202020204" pitchFamily="34" charset="0"/>
+              </a:defRPr>
+            </a:lvl4pPr>
+            <a:lvl5pPr marL="2057400" indent="-228600">
+              <a:defRPr>
+                <a:solidFill>
+                  <a:schemeClr val="tx1"/>
+                </a:solidFill>
+                <a:latin typeface="Arial" panose="020B0604020202020204" pitchFamily="34" charset="0"/>
+                <a:cs typeface="Arial" panose="020B0604020202020204" pitchFamily="34" charset="0"/>
+              </a:defRPr>
+            </a:lvl5pPr>
+            <a:lvl6pPr marL="2514600" indent="-228600" eaLnBrk="0" fontAlgn="base" hangingPunct="0">
+              <a:spcBef>
+                <a:spcPct val="0"/>
+              </a:spcBef>
+              <a:spcAft>
+                <a:spcPct val="0"/>
+              </a:spcAft>
+              <a:defRPr>
+                <a:solidFill>
+                  <a:schemeClr val="tx1"/>
+                </a:solidFill>
+                <a:latin typeface="Arial" panose="020B0604020202020204" pitchFamily="34" charset="0"/>
+                <a:cs typeface="Arial" panose="020B0604020202020204" pitchFamily="34" charset="0"/>
+              </a:defRPr>
+            </a:lvl6pPr>
+            <a:lvl7pPr marL="2971800" indent="-228600" eaLnBrk="0" fontAlgn="base" hangingPunct="0">
+              <a:spcBef>
+                <a:spcPct val="0"/>
+              </a:spcBef>
+              <a:spcAft>
+                <a:spcPct val="0"/>
+              </a:spcAft>
+              <a:defRPr>
+                <a:solidFill>
+                  <a:schemeClr val="tx1"/>
+                </a:solidFill>
+                <a:latin typeface="Arial" panose="020B0604020202020204" pitchFamily="34" charset="0"/>
+                <a:cs typeface="Arial" panose="020B0604020202020204" pitchFamily="34" charset="0"/>
+              </a:defRPr>
+            </a:lvl7pPr>
+            <a:lvl8pPr marL="3429000" indent="-228600" eaLnBrk="0" fontAlgn="base" hangingPunct="0">
+              <a:spcBef>
+                <a:spcPct val="0"/>
+              </a:spcBef>
+              <a:spcAft>
+                <a:spcPct val="0"/>
+              </a:spcAft>
+              <a:defRPr>
+                <a:solidFill>
+                  <a:schemeClr val="tx1"/>
+                </a:solidFill>
+                <a:latin typeface="Arial" panose="020B0604020202020204" pitchFamily="34" charset="0"/>
+                <a:cs typeface="Arial" panose="020B0604020202020204" pitchFamily="34" charset="0"/>
+              </a:defRPr>
+            </a:lvl8pPr>
+            <a:lvl9pPr marL="3886200" indent="-228600" eaLnBrk="0" fontAlgn="base" hangingPunct="0">
+              <a:spcBef>
+                <a:spcPct val="0"/>
+              </a:spcBef>
+              <a:spcAft>
+                <a:spcPct val="0"/>
+              </a:spcAft>
+              <a:defRPr>
+                <a:solidFill>
+                  <a:schemeClr val="tx1"/>
+                </a:solidFill>
+                <a:latin typeface="Arial" panose="020B0604020202020204" pitchFamily="34" charset="0"/>
+                <a:cs typeface="Arial" panose="020B0604020202020204" pitchFamily="34" charset="0"/>
+              </a:defRPr>
+            </a:lvl9pPr>
+          </a:lstStyle>
+          <a:p>
+            <a:pPr>
+              <a:buNone/>
+            </a:pPr>
+            <a:r>
+              <a:rPr lang="en-US" altLang="en-US" i="1" u="sng" dirty="0">
+                <a:solidFill>
+                  <a:srgbClr val="FF0000"/>
+                </a:solidFill>
+              </a:rPr>
+              <a:t>127.0.0.1</a:t>
+            </a:r>
+            <a:r>
+              <a:rPr lang="en-US" altLang="en-US" i="1" dirty="0"/>
+              <a:t>:</a:t>
+            </a:r>
+            <a:r>
+              <a:rPr lang="en-US" altLang="en-US" i="1" u="sng" dirty="0">
+                <a:solidFill>
+                  <a:srgbClr val="FF0000"/>
+                </a:solidFill>
+              </a:rPr>
+              <a:t>1884</a:t>
+            </a:r>
+          </a:p>
+        </p:txBody>
+      </p:sp>
+    </p:spTree>
+  </p:cSld>
+  <p:clrMapOvr>
+    <a:masterClrMapping/>
+  </p:clrMapOvr>
+</p:sld>
+</file>
+
+<file path=ppt/slides/slide16.xml><?xml version="1.0" encoding="utf-8"?>
+<p:sld xmlns:a="http://schemas.openxmlformats.org/drawingml/2006/main" xmlns:r="http://schemas.openxmlformats.org/officeDocument/2006/relationships" xmlns:p="http://schemas.openxmlformats.org/presentationml/2006/main">
+  <p:cSld>
+    <p:spTree>
+      <p:nvGrpSpPr>
+        <p:cNvPr id="1" name=""/>
+        <p:cNvGrpSpPr/>
+        <p:nvPr/>
+      </p:nvGrpSpPr>
+      <p:grpSpPr>
+        <a:xfrm>
+          <a:off x="0" y="0"/>
+          <a:ext cx="0" cy="0"/>
+          <a:chOff x="0" y="0"/>
+          <a:chExt cx="0" cy="0"/>
+        </a:xfrm>
+      </p:grpSpPr>
+      <p:sp>
+        <p:nvSpPr>
           <p:cNvPr id="15362" name="Title 1">
             <a:extLst>
               <a:ext uri="{FF2B5EF4-FFF2-40B4-BE49-F238E27FC236}">
@@ -8416,7 +10031,7 @@
 </p:sld>
 </file>
 
-<file path=ppt/slides/slide11.xml><?xml version="1.0" encoding="utf-8"?>
+<file path=ppt/slides/slide17.xml><?xml version="1.0" encoding="utf-8"?>
 <p:sld xmlns:a="http://schemas.openxmlformats.org/drawingml/2006/main" xmlns:r="http://schemas.openxmlformats.org/officeDocument/2006/relationships" xmlns:p="http://schemas.openxmlformats.org/presentationml/2006/main">
   <p:cSld>
     <p:spTree>
@@ -8579,7 +10194,90 @@
 </p:sld>
 </file>
 
-<file path=ppt/slides/slide12.xml><?xml version="1.0" encoding="utf-8"?>
+<file path=ppt/slides/slide18.xml><?xml version="1.0" encoding="utf-8"?>
+<p:sld xmlns:a="http://schemas.openxmlformats.org/drawingml/2006/main" xmlns:r="http://schemas.openxmlformats.org/officeDocument/2006/relationships" xmlns:p="http://schemas.openxmlformats.org/presentationml/2006/main">
+  <p:cSld>
+    <p:spTree>
+      <p:nvGrpSpPr>
+        <p:cNvPr id="1" name=""/>
+        <p:cNvGrpSpPr/>
+        <p:nvPr/>
+      </p:nvGrpSpPr>
+      <p:grpSpPr>
+        <a:xfrm>
+          <a:off x="0" y="0"/>
+          <a:ext cx="0" cy="0"/>
+          <a:chOff x="0" y="0"/>
+          <a:chExt cx="0" cy="0"/>
+        </a:xfrm>
+      </p:grpSpPr>
+      <p:sp>
+        <p:nvSpPr>
+          <p:cNvPr id="2" name="Title 1">
+            <a:extLst>
+              <a:ext uri="{FF2B5EF4-FFF2-40B4-BE49-F238E27FC236}">
+                <a16:creationId xmlns:a16="http://schemas.microsoft.com/office/drawing/2014/main" id="{E59853DA-B138-4FF6-A30E-70736335540E}"/>
+              </a:ext>
+            </a:extLst>
+          </p:cNvPr>
+          <p:cNvSpPr>
+            <a:spLocks noGrp="1"/>
+          </p:cNvSpPr>
+          <p:nvPr>
+            <p:ph type="title"/>
+          </p:nvPr>
+        </p:nvSpPr>
+        <p:spPr/>
+        <p:txBody>
+          <a:bodyPr/>
+          <a:lstStyle/>
+          <a:p>
+            <a:endParaRPr lang="en-US"/>
+          </a:p>
+        </p:txBody>
+      </p:sp>
+      <p:sp>
+        <p:nvSpPr>
+          <p:cNvPr id="3" name="Content Placeholder 2">
+            <a:extLst>
+              <a:ext uri="{FF2B5EF4-FFF2-40B4-BE49-F238E27FC236}">
+                <a16:creationId xmlns:a16="http://schemas.microsoft.com/office/drawing/2014/main" id="{AB416C9E-75E5-4361-993B-F6CA085660E8}"/>
+              </a:ext>
+            </a:extLst>
+          </p:cNvPr>
+          <p:cNvSpPr>
+            <a:spLocks noGrp="1"/>
+          </p:cNvSpPr>
+          <p:nvPr>
+            <p:ph idx="1"/>
+          </p:nvPr>
+        </p:nvSpPr>
+        <p:spPr/>
+        <p:txBody>
+          <a:bodyPr/>
+          <a:lstStyle/>
+          <a:p>
+            <a:r>
+              <a:rPr lang="en-US" dirty="0"/>
+              <a:t>SLIP = Serial Line IP</a:t>
+            </a:r>
+          </a:p>
+        </p:txBody>
+      </p:sp>
+    </p:spTree>
+    <p:extLst>
+      <p:ext uri="{BB962C8B-B14F-4D97-AF65-F5344CB8AC3E}">
+        <p14:creationId xmlns:p14="http://schemas.microsoft.com/office/powerpoint/2010/main" val="2840219505"/>
+      </p:ext>
+    </p:extLst>
+  </p:cSld>
+  <p:clrMapOvr>
+    <a:masterClrMapping/>
+  </p:clrMapOvr>
+</p:sld>
+</file>
+
+<file path=ppt/slides/slide19.xml><?xml version="1.0" encoding="utf-8"?>
 <p:sld xmlns:a="http://schemas.openxmlformats.org/drawingml/2006/main" xmlns:r="http://schemas.openxmlformats.org/officeDocument/2006/relationships" xmlns:p="http://schemas.openxmlformats.org/presentationml/2006/main">
   <p:cSld>
     <p:spTree>
@@ -8761,13 +10459,6 @@
               <a:t>Setup MQTT Client Box</a:t>
             </a:r>
           </a:p>
-          <a:p>
-            <a:pPr marL="502920" indent="-457200">
-              <a:buFont typeface="Arial" panose="020B0604020202020204" pitchFamily="34" charset="0"/>
-              <a:buChar char="•"/>
-            </a:pPr>
-            <a:endParaRPr lang="en-US" dirty="0"/>
-          </a:p>
         </p:txBody>
       </p:sp>
     </p:spTree>
@@ -8823,7 +10514,7 @@
           <a:p>
             <a:r>
               <a:rPr lang="en-US" altLang="en-US" dirty="0"/>
-              <a:t>MQTT Protocol</a:t>
+              <a:t>MQTT Protocol </a:t>
             </a:r>
             <a:endParaRPr lang="en-US" dirty="0"/>
           </a:p>
@@ -8860,12 +10551,295 @@
         </p:blipFill>
         <p:spPr>
           <a:xfrm>
-            <a:off x="1066800" y="1752600"/>
-            <a:ext cx="5943600" cy="3950018"/>
+            <a:off x="1524000" y="2641441"/>
+            <a:ext cx="5715000" cy="3798094"/>
           </a:xfrm>
           <a:noFill/>
         </p:spPr>
       </p:pic>
+      <p:sp>
+        <p:nvSpPr>
+          <p:cNvPr id="4" name="Content Placeholder 2">
+            <a:extLst>
+              <a:ext uri="{FF2B5EF4-FFF2-40B4-BE49-F238E27FC236}">
+                <a16:creationId xmlns:a16="http://schemas.microsoft.com/office/drawing/2014/main" id="{4E9F82F6-66BC-4060-899D-1D20D943FBCD}"/>
+              </a:ext>
+            </a:extLst>
+          </p:cNvPr>
+          <p:cNvSpPr txBox="1">
+            <a:spLocks/>
+          </p:cNvSpPr>
+          <p:nvPr/>
+        </p:nvSpPr>
+        <p:spPr bwMode="auto">
+          <a:xfrm>
+            <a:off x="566530" y="1676401"/>
+            <a:ext cx="7696200" cy="838199"/>
+          </a:xfrm>
+          <a:prstGeom prst="rect">
+            <a:avLst/>
+          </a:prstGeom>
+          <a:noFill/>
+          <a:ln>
+            <a:noFill/>
+          </a:ln>
+          <a:effectLst/>
+          <a:extLst>
+            <a:ext uri="{909E8E84-426E-40DD-AFC4-6F175D3DCCD1}">
+              <a14:hiddenFill xmlns:a14="http://schemas.microsoft.com/office/drawing/2010/main">
+                <a:solidFill>
+                  <a:schemeClr val="accent1"/>
+                </a:solidFill>
+              </a14:hiddenFill>
+            </a:ext>
+            <a:ext uri="{91240B29-F687-4F45-9708-019B960494DF}">
+              <a14:hiddenLine xmlns:a14="http://schemas.microsoft.com/office/drawing/2010/main" w="9525">
+                <a:solidFill>
+                  <a:schemeClr val="tx1"/>
+                </a:solidFill>
+                <a:miter lim="800000"/>
+                <a:headEnd/>
+                <a:tailEnd/>
+              </a14:hiddenLine>
+            </a:ext>
+            <a:ext uri="{AF507438-7753-43E0-B8FC-AC1667EBCBE1}">
+              <a14:hiddenEffects xmlns:a14="http://schemas.microsoft.com/office/drawing/2010/main">
+                <a:effectLst>
+                  <a:outerShdw dist="35921" dir="2700000" algn="ctr" rotWithShape="0">
+                    <a:schemeClr val="bg2"/>
+                  </a:outerShdw>
+                </a:effectLst>
+              </a14:hiddenEffects>
+            </a:ext>
+          </a:extLst>
+        </p:spPr>
+        <p:txBody>
+          <a:bodyPr vert="horz" wrap="square" lIns="91440" tIns="45720" rIns="91440" bIns="45720" numCol="1" anchor="t" anchorCtr="0" compatLnSpc="1">
+            <a:prstTxWarp prst="textNoShape">
+              <a:avLst/>
+            </a:prstTxWarp>
+            <a:normAutofit/>
+          </a:bodyPr>
+          <a:lstStyle>
+            <a:lvl1pPr marL="45720" indent="0" algn="l" rtl="0" eaLnBrk="1" fontAlgn="base" hangingPunct="1">
+              <a:spcBef>
+                <a:spcPct val="25000"/>
+              </a:spcBef>
+              <a:spcAft>
+                <a:spcPct val="0"/>
+              </a:spcAft>
+              <a:buClr>
+                <a:schemeClr val="tx2"/>
+              </a:buClr>
+              <a:buSzPct val="120000"/>
+              <a:buFontTx/>
+              <a:buNone/>
+              <a:defRPr sz="2700">
+                <a:solidFill>
+                  <a:schemeClr val="tx1"/>
+                </a:solidFill>
+                <a:latin typeface="+mn-lt"/>
+                <a:ea typeface="+mn-ea"/>
+                <a:cs typeface="+mn-cs"/>
+              </a:defRPr>
+            </a:lvl1pPr>
+            <a:lvl2pPr marL="692150" indent="-347663" algn="l" rtl="0" eaLnBrk="1" fontAlgn="base" hangingPunct="1">
+              <a:spcBef>
+                <a:spcPct val="0"/>
+              </a:spcBef>
+              <a:spcAft>
+                <a:spcPct val="25000"/>
+              </a:spcAft>
+              <a:buClr>
+                <a:schemeClr val="accent2">
+                  <a:lumMod val="75000"/>
+                </a:schemeClr>
+              </a:buClr>
+              <a:buSzPct val="55000"/>
+              <a:buFont typeface="Wingdings" pitchFamily="2" charset="2"/>
+              <a:buChar char="l"/>
+              <a:defRPr sz="2400">
+                <a:solidFill>
+                  <a:schemeClr val="tx1"/>
+                </a:solidFill>
+                <a:latin typeface="+mn-lt"/>
+              </a:defRPr>
+            </a:lvl2pPr>
+            <a:lvl3pPr marL="987425" indent="-293688" algn="l" rtl="0" eaLnBrk="1" fontAlgn="base" hangingPunct="1">
+              <a:spcBef>
+                <a:spcPct val="0"/>
+              </a:spcBef>
+              <a:spcAft>
+                <a:spcPct val="25000"/>
+              </a:spcAft>
+              <a:buClr>
+                <a:schemeClr val="accent1">
+                  <a:lumMod val="50000"/>
+                </a:schemeClr>
+              </a:buClr>
+              <a:buSzPct val="50000"/>
+              <a:buFont typeface="Wingdings" pitchFamily="2" charset="2"/>
+              <a:buChar char="l"/>
+              <a:defRPr sz="2200">
+                <a:solidFill>
+                  <a:schemeClr val="tx1"/>
+                </a:solidFill>
+                <a:latin typeface="+mn-lt"/>
+              </a:defRPr>
+            </a:lvl3pPr>
+            <a:lvl4pPr marL="1281113" indent="-292100" algn="l" rtl="0" eaLnBrk="1" fontAlgn="base" hangingPunct="1">
+              <a:spcBef>
+                <a:spcPct val="20000"/>
+              </a:spcBef>
+              <a:spcAft>
+                <a:spcPct val="0"/>
+              </a:spcAft>
+              <a:buClr>
+                <a:schemeClr val="tx2">
+                  <a:lumMod val="75000"/>
+                </a:schemeClr>
+              </a:buClr>
+              <a:buSzPct val="75000"/>
+              <a:buFont typeface="Wingdings" pitchFamily="2" charset="2"/>
+              <a:buChar char="§"/>
+              <a:defRPr sz="2000">
+                <a:solidFill>
+                  <a:schemeClr val="tx1"/>
+                </a:solidFill>
+                <a:latin typeface="+mn-lt"/>
+              </a:defRPr>
+            </a:lvl4pPr>
+            <a:lvl5pPr marL="1598613" indent="-315913" algn="l" rtl="0" eaLnBrk="1" fontAlgn="base" hangingPunct="1">
+              <a:spcBef>
+                <a:spcPct val="20000"/>
+              </a:spcBef>
+              <a:spcAft>
+                <a:spcPct val="0"/>
+              </a:spcAft>
+              <a:buClr>
+                <a:schemeClr val="accent3">
+                  <a:lumMod val="50000"/>
+                </a:schemeClr>
+              </a:buClr>
+              <a:buSzPct val="80000"/>
+              <a:buFont typeface="Wingdings" pitchFamily="2" charset="2"/>
+              <a:buChar char="§"/>
+              <a:defRPr sz="2000">
+                <a:solidFill>
+                  <a:schemeClr val="tx1"/>
+                </a:solidFill>
+                <a:latin typeface="+mn-lt"/>
+              </a:defRPr>
+            </a:lvl5pPr>
+            <a:lvl6pPr marL="1920240" indent="-315913" algn="l" rtl="0" eaLnBrk="1" fontAlgn="base" hangingPunct="1">
+              <a:spcBef>
+                <a:spcPct val="20000"/>
+              </a:spcBef>
+              <a:spcAft>
+                <a:spcPct val="0"/>
+              </a:spcAft>
+              <a:buClr>
+                <a:schemeClr val="accent6">
+                  <a:lumMod val="50000"/>
+                </a:schemeClr>
+              </a:buClr>
+              <a:buSzPct val="80000"/>
+              <a:buFont typeface="Wingdings" pitchFamily="2" charset="2"/>
+              <a:buChar char="§"/>
+              <a:defRPr sz="2000">
+                <a:solidFill>
+                  <a:schemeClr val="tx1"/>
+                </a:solidFill>
+                <a:latin typeface="+mn-lt"/>
+              </a:defRPr>
+            </a:lvl6pPr>
+            <a:lvl7pPr marL="2240280" indent="-315913" algn="l" rtl="0" eaLnBrk="1" fontAlgn="base" hangingPunct="1">
+              <a:spcBef>
+                <a:spcPct val="20000"/>
+              </a:spcBef>
+              <a:spcAft>
+                <a:spcPct val="0"/>
+              </a:spcAft>
+              <a:buClr>
+                <a:schemeClr val="accent2">
+                  <a:lumMod val="50000"/>
+                </a:schemeClr>
+              </a:buClr>
+              <a:buSzPct val="80000"/>
+              <a:buFont typeface="Wingdings" pitchFamily="2" charset="2"/>
+              <a:buChar char="§"/>
+              <a:defRPr sz="2000">
+                <a:solidFill>
+                  <a:schemeClr val="tx1"/>
+                </a:solidFill>
+                <a:latin typeface="+mn-lt"/>
+              </a:defRPr>
+            </a:lvl7pPr>
+            <a:lvl8pPr marL="2651760" indent="-315913" algn="l" rtl="0" eaLnBrk="1" fontAlgn="base" hangingPunct="1">
+              <a:spcBef>
+                <a:spcPct val="20000"/>
+              </a:spcBef>
+              <a:spcAft>
+                <a:spcPct val="0"/>
+              </a:spcAft>
+              <a:buClr>
+                <a:schemeClr val="bg2">
+                  <a:lumMod val="75000"/>
+                </a:schemeClr>
+              </a:buClr>
+              <a:buSzPct val="80000"/>
+              <a:buFont typeface="Wingdings" pitchFamily="2" charset="2"/>
+              <a:buChar char="§"/>
+              <a:defRPr sz="2000">
+                <a:solidFill>
+                  <a:schemeClr val="tx1"/>
+                </a:solidFill>
+                <a:latin typeface="+mn-lt"/>
+              </a:defRPr>
+            </a:lvl8pPr>
+            <a:lvl9pPr marL="3108960" indent="-315913" algn="l" rtl="0" eaLnBrk="1" fontAlgn="base" hangingPunct="1">
+              <a:spcBef>
+                <a:spcPct val="20000"/>
+              </a:spcBef>
+              <a:spcAft>
+                <a:spcPct val="0"/>
+              </a:spcAft>
+              <a:buClr>
+                <a:schemeClr val="accent2">
+                  <a:lumMod val="50000"/>
+                </a:schemeClr>
+              </a:buClr>
+              <a:buSzPct val="80000"/>
+              <a:buFont typeface="Wingdings" pitchFamily="2" charset="2"/>
+              <a:buChar char="§"/>
+              <a:defRPr sz="2000">
+                <a:solidFill>
+                  <a:schemeClr val="tx1"/>
+                </a:solidFill>
+                <a:latin typeface="+mn-lt"/>
+              </a:defRPr>
+            </a:lvl9pPr>
+          </a:lstStyle>
+          <a:p>
+            <a:r>
+              <a:rPr lang="en-US" kern="0" dirty="0"/>
+              <a:t>MQTT = </a:t>
+            </a:r>
+            <a:r>
+              <a:rPr lang="en-US" u="sng" kern="0" dirty="0">
+                <a:solidFill>
+                  <a:srgbClr val="FF0000"/>
+                </a:solidFill>
+              </a:rPr>
+              <a:t>Message Queuing </a:t>
+            </a:r>
+            <a:r>
+              <a:rPr lang="en-US" kern="0" dirty="0"/>
+              <a:t>Telemetry Transport</a:t>
+            </a:r>
+          </a:p>
+        </p:txBody>
+      </p:sp>
     </p:spTree>
     <p:extLst>
       <p:ext uri="{BB962C8B-B14F-4D97-AF65-F5344CB8AC3E}">
@@ -8954,7 +10928,7 @@
         </p:blipFill>
         <p:spPr bwMode="auto">
           <a:xfrm>
-            <a:off x="457200" y="1449387"/>
+            <a:off x="457200" y="1483642"/>
             <a:ext cx="8229600" cy="5408613"/>
           </a:xfrm>
           <a:prstGeom prst="rect">
@@ -9079,7 +11053,7 @@
         </p:blipFill>
         <p:spPr>
           <a:xfrm>
-            <a:off x="762000" y="1752600"/>
+            <a:off x="685800" y="1828800"/>
             <a:ext cx="7356302" cy="4411663"/>
           </a:xfrm>
           <a:noFill/>
@@ -9208,7 +11182,7 @@
           <p:cNvPr id="2" name="Title 1">
             <a:extLst>
               <a:ext uri="{FF2B5EF4-FFF2-40B4-BE49-F238E27FC236}">
-                <a16:creationId xmlns:a16="http://schemas.microsoft.com/office/drawing/2014/main" id="{B3A556AF-FC95-4883-8404-8CCCE80C5311}"/>
+                <a16:creationId xmlns:a16="http://schemas.microsoft.com/office/drawing/2014/main" id="{FFB2315A-6E44-4DC6-93FA-D2EE764DA121}"/>
               </a:ext>
             </a:extLst>
           </p:cNvPr>
@@ -9219,99 +11193,52 @@
             <p:ph type="title"/>
           </p:nvPr>
         </p:nvSpPr>
-        <p:spPr>
-          <a:xfrm>
-            <a:off x="152400" y="381000"/>
-            <a:ext cx="7696200" cy="1295400"/>
-          </a:xfrm>
-        </p:spPr>
+        <p:spPr/>
         <p:txBody>
           <a:bodyPr/>
           <a:lstStyle/>
           <a:p>
             <a:r>
-              <a:rPr lang="en-US" dirty="0" err="1"/>
-              <a:t>Thư</a:t>
-            </a:r>
-            <a:r>
               <a:rPr lang="en-US" dirty="0"/>
-              <a:t> viện </a:t>
+              <a:t>ESP Module</a:t>
             </a:r>
           </a:p>
         </p:txBody>
       </p:sp>
-      <p:sp>
-        <p:nvSpPr>
-          <p:cNvPr id="5" name="Content Placeholder 2">
+      <p:pic>
+        <p:nvPicPr>
+          <p:cNvPr id="7" name="Picture 6">
             <a:extLst>
               <a:ext uri="{FF2B5EF4-FFF2-40B4-BE49-F238E27FC236}">
-                <a16:creationId xmlns:a16="http://schemas.microsoft.com/office/drawing/2014/main" id="{5141510B-28E7-4446-A145-4E27C1749994}"/>
+                <a16:creationId xmlns:a16="http://schemas.microsoft.com/office/drawing/2014/main" id="{F81C8EAA-3D32-4EDB-9F67-E1E71194B21C}"/>
               </a:ext>
             </a:extLst>
           </p:cNvPr>
-          <p:cNvSpPr>
-            <a:spLocks noGrp="1"/>
-          </p:cNvSpPr>
-          <p:nvPr>
-            <p:ph idx="1"/>
-          </p:nvPr>
-        </p:nvSpPr>
+          <p:cNvPicPr>
+            <a:picLocks noChangeAspect="1"/>
+          </p:cNvPicPr>
+          <p:nvPr/>
+        </p:nvPicPr>
+        <p:blipFill>
+          <a:blip r:embed="rId2"/>
+          <a:stretch>
+            <a:fillRect/>
+          </a:stretch>
+        </p:blipFill>
         <p:spPr>
           <a:xfrm>
-            <a:off x="457200" y="1828800"/>
-            <a:ext cx="8229600" cy="4411663"/>
+            <a:off x="1347787" y="1975607"/>
+            <a:ext cx="6448425" cy="4648200"/>
           </a:xfrm>
+          <a:prstGeom prst="rect">
+            <a:avLst/>
+          </a:prstGeom>
         </p:spPr>
-        <p:txBody>
-          <a:bodyPr/>
-          <a:lstStyle/>
-          <a:p>
-            <a:pPr marL="502920" indent="-457200">
-              <a:buFont typeface="Arial" panose="020B0604020202020204" pitchFamily="34" charset="0"/>
-              <a:buChar char="•"/>
-              <a:defRPr/>
-            </a:pPr>
-            <a:r>
-              <a:rPr lang="en-US" dirty="0"/>
-              <a:t>ESP-Link</a:t>
-            </a:r>
-          </a:p>
-          <a:p>
-            <a:pPr marL="0" indent="0">
-              <a:buFont typeface="Wingdings" panose="05000000000000000000" pitchFamily="2" charset="2"/>
-              <a:buNone/>
-              <a:defRPr/>
-            </a:pPr>
-            <a:r>
-              <a:rPr lang="en-US" dirty="0">
-                <a:hlinkClick r:id="rId2"/>
-              </a:rPr>
-              <a:t>https://github.com/jeelabs/el-client</a:t>
-            </a:r>
-            <a:endParaRPr lang="en-US" dirty="0"/>
-          </a:p>
-          <a:p>
-            <a:pPr marL="457200" indent="-457200">
-              <a:buFont typeface="Arial" panose="020B0604020202020204" pitchFamily="34" charset="0"/>
-              <a:buChar char="•"/>
-              <a:defRPr/>
-            </a:pPr>
-            <a:endParaRPr lang="en-US" dirty="0"/>
-          </a:p>
-          <a:p>
-            <a:pPr marL="0" indent="0">
-              <a:buFont typeface="Wingdings" panose="05000000000000000000" pitchFamily="2" charset="2"/>
-              <a:buNone/>
-              <a:defRPr/>
-            </a:pPr>
-            <a:endParaRPr lang="en-US" i="1" dirty="0"/>
-          </a:p>
-        </p:txBody>
-      </p:sp>
+      </p:pic>
     </p:spTree>
     <p:extLst>
       <p:ext uri="{BB962C8B-B14F-4D97-AF65-F5344CB8AC3E}">
-        <p14:creationId xmlns:p14="http://schemas.microsoft.com/office/powerpoint/2010/main" val="2680524943"/>
+        <p14:creationId xmlns:p14="http://schemas.microsoft.com/office/powerpoint/2010/main" val="1539946249"/>
       </p:ext>
     </p:extLst>
   </p:cSld>
@@ -9340,294 +11267,197 @@
       </p:grpSpPr>
       <p:sp>
         <p:nvSpPr>
-          <p:cNvPr id="13314" name="Title 1">
+          <p:cNvPr id="2" name="Title 1">
             <a:extLst>
               <a:ext uri="{FF2B5EF4-FFF2-40B4-BE49-F238E27FC236}">
-                <a16:creationId xmlns:a16="http://schemas.microsoft.com/office/drawing/2014/main" id="{38228941-EE6E-40F2-863F-416A77FA591C}"/>
+                <a16:creationId xmlns:a16="http://schemas.microsoft.com/office/drawing/2014/main" id="{B3A556AF-FC95-4883-8404-8CCCE80C5311}"/>
               </a:ext>
             </a:extLst>
           </p:cNvPr>
           <p:cNvSpPr>
-            <a:spLocks noGrp="1" noChangeArrowheads="1"/>
+            <a:spLocks noGrp="1"/>
           </p:cNvSpPr>
           <p:nvPr>
             <p:ph type="title"/>
           </p:nvPr>
         </p:nvSpPr>
-        <p:spPr/>
+        <p:spPr>
+          <a:xfrm>
+            <a:off x="152400" y="381000"/>
+            <a:ext cx="7696200" cy="1295400"/>
+          </a:xfrm>
+        </p:spPr>
         <p:txBody>
           <a:bodyPr/>
           <a:lstStyle/>
           <a:p>
             <a:r>
-              <a:rPr lang="en-US" altLang="en-US"/>
-              <a:t>Cài đặt MQTT Broker</a:t>
+              <a:rPr lang="en-US" dirty="0"/>
+              <a:t>ESP-Link Firmware</a:t>
             </a:r>
           </a:p>
         </p:txBody>
       </p:sp>
-      <p:pic>
-        <p:nvPicPr>
-          <p:cNvPr id="13315" name="Content Placeholder 4">
+      <p:sp>
+        <p:nvSpPr>
+          <p:cNvPr id="5" name="Content Placeholder 2">
             <a:extLst>
               <a:ext uri="{FF2B5EF4-FFF2-40B4-BE49-F238E27FC236}">
-                <a16:creationId xmlns:a16="http://schemas.microsoft.com/office/drawing/2014/main" id="{67259074-BC93-445D-9620-D1F724612906}"/>
+                <a16:creationId xmlns:a16="http://schemas.microsoft.com/office/drawing/2014/main" id="{5141510B-28E7-4446-A145-4E27C1749994}"/>
               </a:ext>
             </a:extLst>
           </p:cNvPr>
-          <p:cNvPicPr>
-            <a:picLocks noGrp="1" noChangeAspect="1" noChangeArrowheads="1"/>
-          </p:cNvPicPr>
+          <p:cNvSpPr>
+            <a:spLocks noGrp="1"/>
+          </p:cNvSpPr>
           <p:nvPr>
             <p:ph idx="1"/>
           </p:nvPr>
-        </p:nvPicPr>
-        <p:blipFill>
-          <a:blip r:embed="rId2">
-            <a:extLst>
-              <a:ext uri="{28A0092B-C50C-407E-A947-70E740481C1C}">
-                <a14:useLocalDpi xmlns:a14="http://schemas.microsoft.com/office/drawing/2010/main" val="0"/>
-              </a:ext>
-            </a:extLst>
-          </a:blip>
-          <a:srcRect/>
-          <a:stretch>
-            <a:fillRect/>
-          </a:stretch>
-        </p:blipFill>
+        </p:nvSpPr>
         <p:spPr>
           <a:xfrm>
-            <a:off x="4343400" y="1752600"/>
-            <a:ext cx="4419600" cy="4876800"/>
+            <a:off x="457200" y="1828800"/>
+            <a:ext cx="7543800" cy="4411663"/>
           </a:xfrm>
-        </p:spPr>
-      </p:pic>
-      <p:sp>
-        <p:nvSpPr>
-          <p:cNvPr id="13316" name="TextBox 5">
-            <a:extLst>
-              <a:ext uri="{FF2B5EF4-FFF2-40B4-BE49-F238E27FC236}">
-                <a16:creationId xmlns:a16="http://schemas.microsoft.com/office/drawing/2014/main" id="{FC9A4160-9FB8-4620-83B8-56E344CA6D5F}"/>
-              </a:ext>
-            </a:extLst>
-          </p:cNvPr>
-          <p:cNvSpPr txBox="1">
-            <a:spLocks noChangeArrowheads="1"/>
-          </p:cNvSpPr>
-          <p:nvPr/>
-        </p:nvSpPr>
-        <p:spPr bwMode="auto">
-          <a:xfrm>
-            <a:off x="261938" y="2209800"/>
-            <a:ext cx="3319462" cy="2265236"/>
-          </a:xfrm>
-          <a:prstGeom prst="rect">
-            <a:avLst/>
-          </a:prstGeom>
-          <a:noFill/>
-          <a:ln>
-            <a:noFill/>
-          </a:ln>
-          <a:extLst>
-            <a:ext uri="{909E8E84-426E-40DD-AFC4-6F175D3DCCD1}">
-              <a14:hiddenFill xmlns:a14="http://schemas.microsoft.com/office/drawing/2010/main">
-                <a:solidFill>
-                  <a:srgbClr val="FFFFFF"/>
-                </a:solidFill>
-              </a14:hiddenFill>
-            </a:ext>
-            <a:ext uri="{91240B29-F687-4F45-9708-019B960494DF}">
-              <a14:hiddenLine xmlns:a14="http://schemas.microsoft.com/office/drawing/2010/main" w="9525">
-                <a:solidFill>
-                  <a:srgbClr val="000000"/>
-                </a:solidFill>
-                <a:miter lim="800000"/>
-                <a:headEnd/>
-                <a:tailEnd/>
-              </a14:hiddenLine>
-            </a:ext>
-          </a:extLst>
         </p:spPr>
         <p:txBody>
           <a:bodyPr>
-            <a:spAutoFit/>
+            <a:normAutofit lnSpcReduction="10000"/>
           </a:bodyPr>
-          <a:lstStyle>
-            <a:lvl1pPr>
-              <a:defRPr>
-                <a:solidFill>
-                  <a:schemeClr val="tx1"/>
-                </a:solidFill>
-                <a:latin typeface="Arial" panose="020B0604020202020204" pitchFamily="34" charset="0"/>
-                <a:cs typeface="Arial" panose="020B0604020202020204" pitchFamily="34" charset="0"/>
-              </a:defRPr>
-            </a:lvl1pPr>
-            <a:lvl2pPr marL="742950" indent="-285750">
-              <a:defRPr>
-                <a:solidFill>
-                  <a:schemeClr val="tx1"/>
-                </a:solidFill>
-                <a:latin typeface="Arial" panose="020B0604020202020204" pitchFamily="34" charset="0"/>
-                <a:cs typeface="Arial" panose="020B0604020202020204" pitchFamily="34" charset="0"/>
-              </a:defRPr>
-            </a:lvl2pPr>
-            <a:lvl3pPr marL="1143000" indent="-228600">
-              <a:defRPr>
-                <a:solidFill>
-                  <a:schemeClr val="tx1"/>
-                </a:solidFill>
-                <a:latin typeface="Arial" panose="020B0604020202020204" pitchFamily="34" charset="0"/>
-                <a:cs typeface="Arial" panose="020B0604020202020204" pitchFamily="34" charset="0"/>
-              </a:defRPr>
-            </a:lvl3pPr>
-            <a:lvl4pPr marL="1600200" indent="-228600">
-              <a:defRPr>
-                <a:solidFill>
-                  <a:schemeClr val="tx1"/>
-                </a:solidFill>
-                <a:latin typeface="Arial" panose="020B0604020202020204" pitchFamily="34" charset="0"/>
-                <a:cs typeface="Arial" panose="020B0604020202020204" pitchFamily="34" charset="0"/>
-              </a:defRPr>
-            </a:lvl4pPr>
-            <a:lvl5pPr marL="2057400" indent="-228600">
-              <a:defRPr>
-                <a:solidFill>
-                  <a:schemeClr val="tx1"/>
-                </a:solidFill>
-                <a:latin typeface="Arial" panose="020B0604020202020204" pitchFamily="34" charset="0"/>
-                <a:cs typeface="Arial" panose="020B0604020202020204" pitchFamily="34" charset="0"/>
-              </a:defRPr>
-            </a:lvl5pPr>
-            <a:lvl6pPr marL="2514600" indent="-228600" eaLnBrk="0" fontAlgn="base" hangingPunct="0">
-              <a:spcBef>
-                <a:spcPct val="0"/>
-              </a:spcBef>
-              <a:spcAft>
-                <a:spcPct val="0"/>
-              </a:spcAft>
-              <a:defRPr>
-                <a:solidFill>
-                  <a:schemeClr val="tx1"/>
-                </a:solidFill>
-                <a:latin typeface="Arial" panose="020B0604020202020204" pitchFamily="34" charset="0"/>
-                <a:cs typeface="Arial" panose="020B0604020202020204" pitchFamily="34" charset="0"/>
-              </a:defRPr>
-            </a:lvl6pPr>
-            <a:lvl7pPr marL="2971800" indent="-228600" eaLnBrk="0" fontAlgn="base" hangingPunct="0">
-              <a:spcBef>
-                <a:spcPct val="0"/>
-              </a:spcBef>
-              <a:spcAft>
-                <a:spcPct val="0"/>
-              </a:spcAft>
-              <a:defRPr>
-                <a:solidFill>
-                  <a:schemeClr val="tx1"/>
-                </a:solidFill>
-                <a:latin typeface="Arial" panose="020B0604020202020204" pitchFamily="34" charset="0"/>
-                <a:cs typeface="Arial" panose="020B0604020202020204" pitchFamily="34" charset="0"/>
-              </a:defRPr>
-            </a:lvl7pPr>
-            <a:lvl8pPr marL="3429000" indent="-228600" eaLnBrk="0" fontAlgn="base" hangingPunct="0">
-              <a:spcBef>
-                <a:spcPct val="0"/>
-              </a:spcBef>
-              <a:spcAft>
-                <a:spcPct val="0"/>
-              </a:spcAft>
-              <a:defRPr>
-                <a:solidFill>
-                  <a:schemeClr val="tx1"/>
-                </a:solidFill>
-                <a:latin typeface="Arial" panose="020B0604020202020204" pitchFamily="34" charset="0"/>
-                <a:cs typeface="Arial" panose="020B0604020202020204" pitchFamily="34" charset="0"/>
-              </a:defRPr>
-            </a:lvl8pPr>
-            <a:lvl9pPr marL="3886200" indent="-228600" eaLnBrk="0" fontAlgn="base" hangingPunct="0">
-              <a:spcBef>
-                <a:spcPct val="0"/>
-              </a:spcBef>
-              <a:spcAft>
-                <a:spcPct val="0"/>
-              </a:spcAft>
-              <a:defRPr>
-                <a:solidFill>
-                  <a:schemeClr val="tx1"/>
-                </a:solidFill>
-                <a:latin typeface="Arial" panose="020B0604020202020204" pitchFamily="34" charset="0"/>
-                <a:cs typeface="Arial" panose="020B0604020202020204" pitchFamily="34" charset="0"/>
-              </a:defRPr>
-            </a:lvl9pPr>
-          </a:lstStyle>
-          <a:p>
-            <a:r>
-              <a:rPr lang="en-US" altLang="en-US" sz="2200" b="1" i="1" dirty="0"/>
-              <a:t>Chú ý: </a:t>
-            </a:r>
-            <a:r>
-              <a:rPr lang="en-US" altLang="en-US" sz="2200" i="1" dirty="0" err="1"/>
-              <a:t>Mở</a:t>
-            </a:r>
-            <a:r>
-              <a:rPr lang="en-US" altLang="en-US" sz="2200" i="1" dirty="0"/>
-              <a:t> Task Manager, tìm server “</a:t>
-            </a:r>
-            <a:r>
-              <a:rPr lang="en-US" altLang="en-US" sz="2200" b="1" i="1" dirty="0"/>
-              <a:t>mosquito</a:t>
-            </a:r>
-            <a:r>
-              <a:rPr lang="en-US" altLang="en-US" sz="2200" i="1" dirty="0"/>
-              <a:t>” </a:t>
-            </a:r>
-            <a:r>
-              <a:rPr lang="en-US" altLang="en-US" sz="2200" i="1" dirty="0" err="1"/>
-              <a:t>sau</a:t>
-            </a:r>
-            <a:r>
-              <a:rPr lang="en-US" altLang="en-US" sz="2200" i="1" dirty="0"/>
-              <a:t> đó click </a:t>
-            </a:r>
-            <a:r>
-              <a:rPr lang="en-US" altLang="en-US" sz="2200" i="1" dirty="0" err="1"/>
-              <a:t>chuột</a:t>
-            </a:r>
-            <a:r>
-              <a:rPr lang="en-US" altLang="en-US" sz="2200" i="1" dirty="0"/>
-              <a:t> phải, </a:t>
-            </a:r>
-            <a:r>
-              <a:rPr lang="en-US" altLang="en-US" sz="2200" i="1" dirty="0" err="1"/>
-              <a:t>nhấn</a:t>
-            </a:r>
-            <a:r>
-              <a:rPr lang="en-US" altLang="en-US" sz="2200" i="1" dirty="0"/>
-              <a:t> </a:t>
-            </a:r>
-            <a:r>
-              <a:rPr lang="en-US" altLang="en-US" sz="2200" b="1" i="1" dirty="0"/>
-              <a:t>Stop</a:t>
-            </a:r>
-            <a:r>
-              <a:rPr lang="en-US" altLang="en-US" sz="2200" i="1" dirty="0"/>
-              <a:t> </a:t>
-            </a:r>
-            <a:r>
-              <a:rPr lang="en-US" altLang="en-US" sz="2200" i="1" dirty="0" err="1"/>
-              <a:t>trước</a:t>
-            </a:r>
-            <a:r>
-              <a:rPr lang="en-US" altLang="en-US" sz="2200" i="1" dirty="0"/>
-              <a:t> khi chạy.</a:t>
-            </a:r>
-            <a:endParaRPr lang="en-US" altLang="en-US" i="1" dirty="0"/>
-          </a:p>
-          <a:p>
-            <a:endParaRPr lang="en-US" altLang="en-US" i="1" dirty="0"/>
+          <a:lstStyle/>
+          <a:p>
+            <a:pPr marL="502920" indent="-457200">
+              <a:buFont typeface="Arial" panose="020B0604020202020204" pitchFamily="34" charset="0"/>
+              <a:buChar char="•"/>
+              <a:defRPr/>
+            </a:pPr>
+            <a:r>
+              <a:rPr lang="en-US" dirty="0"/>
+              <a:t>ESP-Link</a:t>
+            </a:r>
+          </a:p>
+          <a:p>
+            <a:pPr marL="0" indent="0">
+              <a:buFont typeface="Wingdings" panose="05000000000000000000" pitchFamily="2" charset="2"/>
+              <a:buNone/>
+              <a:defRPr/>
+            </a:pPr>
+            <a:r>
+              <a:rPr lang="en-US" dirty="0"/>
+              <a:t>   </a:t>
+            </a:r>
+            <a:r>
+              <a:rPr lang="en-US" dirty="0">
+                <a:hlinkClick r:id="rId2"/>
+              </a:rPr>
+              <a:t>https://github.com/jeelabs/el-client</a:t>
+            </a:r>
+            <a:endParaRPr lang="en-US" dirty="0"/>
+          </a:p>
+          <a:p>
+            <a:pPr marL="457200" indent="-457200">
+              <a:buFont typeface="Arial" panose="020B0604020202020204" pitchFamily="34" charset="0"/>
+              <a:buChar char="•"/>
+              <a:defRPr/>
+            </a:pPr>
+            <a:r>
+              <a:rPr lang="en-US" dirty="0" err="1"/>
+              <a:t>Prequisite</a:t>
+            </a:r>
+            <a:r>
+              <a:rPr lang="en-US" dirty="0"/>
+              <a:t>:</a:t>
+            </a:r>
+          </a:p>
+          <a:p>
+            <a:pPr marL="0">
+              <a:defRPr/>
+            </a:pPr>
+            <a:r>
+              <a:rPr lang="en-US" dirty="0"/>
+              <a:t>	- Python 3 (3.7, 3.8, 3.9)</a:t>
+            </a:r>
+          </a:p>
+          <a:p>
+            <a:pPr marL="0">
+              <a:defRPr/>
+            </a:pPr>
+            <a:r>
+              <a:rPr lang="en-US" dirty="0"/>
+              <a:t>	- Install esptool.py</a:t>
+            </a:r>
+          </a:p>
+          <a:p>
+            <a:pPr marL="0">
+              <a:defRPr/>
+            </a:pPr>
+            <a:r>
+              <a:rPr lang="en-US" dirty="0"/>
+              <a:t>   python .\setup.py build</a:t>
+            </a:r>
+          </a:p>
+          <a:p>
+            <a:pPr marL="0">
+              <a:defRPr/>
+            </a:pPr>
+            <a:r>
+              <a:rPr lang="en-US" dirty="0"/>
+              <a:t>   python .\setup.py install</a:t>
+            </a:r>
+          </a:p>
+          <a:p>
+            <a:pPr marL="0">
+              <a:defRPr/>
+            </a:pPr>
+            <a:r>
+              <a:rPr lang="en-US" dirty="0"/>
+              <a:t>   OR</a:t>
+            </a:r>
+          </a:p>
+          <a:p>
+            <a:pPr marL="0">
+              <a:defRPr/>
+            </a:pPr>
+            <a:r>
+              <a:rPr lang="en-US" dirty="0"/>
+              <a:t>   pip install </a:t>
+            </a:r>
+            <a:r>
+              <a:rPr lang="en-US" dirty="0" err="1"/>
+              <a:t>esptool</a:t>
+            </a:r>
+            <a:endParaRPr lang="en-US" dirty="0"/>
+          </a:p>
+          <a:p>
+            <a:pPr marL="0">
+              <a:defRPr/>
+            </a:pPr>
+            <a:endParaRPr lang="en-US" dirty="0"/>
+          </a:p>
+          <a:p>
+            <a:pPr marL="457200" indent="-457200">
+              <a:buFont typeface="Arial" panose="020B0604020202020204" pitchFamily="34" charset="0"/>
+              <a:buChar char="•"/>
+              <a:defRPr/>
+            </a:pPr>
+            <a:endParaRPr lang="en-US" dirty="0"/>
+          </a:p>
+          <a:p>
+            <a:pPr marL="0" indent="0">
+              <a:buFont typeface="Wingdings" panose="05000000000000000000" pitchFamily="2" charset="2"/>
+              <a:buNone/>
+              <a:defRPr/>
+            </a:pPr>
+            <a:endParaRPr lang="en-US" i="1" dirty="0"/>
           </a:p>
         </p:txBody>
       </p:sp>
     </p:spTree>
+    <p:extLst>
+      <p:ext uri="{BB962C8B-B14F-4D97-AF65-F5344CB8AC3E}">
+        <p14:creationId xmlns:p14="http://schemas.microsoft.com/office/powerpoint/2010/main" val="2680524943"/>
+      </p:ext>
+    </p:extLst>
   </p:cSld>
   <p:clrMapOvr>
     <a:masterClrMapping/>
@@ -9654,15 +11484,15 @@
       </p:grpSpPr>
       <p:sp>
         <p:nvSpPr>
-          <p:cNvPr id="14338" name="Title 1">
+          <p:cNvPr id="2" name="Title 1">
             <a:extLst>
               <a:ext uri="{FF2B5EF4-FFF2-40B4-BE49-F238E27FC236}">
-                <a16:creationId xmlns:a16="http://schemas.microsoft.com/office/drawing/2014/main" id="{3F0CA600-E9A6-43AE-A5EC-D2F81D3C5BE2}"/>
+                <a16:creationId xmlns:a16="http://schemas.microsoft.com/office/drawing/2014/main" id="{2D9496DA-B645-425E-9138-8CB9F7D315C6}"/>
               </a:ext>
             </a:extLst>
           </p:cNvPr>
           <p:cNvSpPr>
-            <a:spLocks noGrp="1" noChangeArrowheads="1"/>
+            <a:spLocks noGrp="1"/>
           </p:cNvSpPr>
           <p:nvPr>
             <p:ph type="title"/>
@@ -9674,49 +11504,111 @@
           <a:lstStyle/>
           <a:p>
             <a:r>
-              <a:rPr lang="en-US" altLang="en-US"/>
-              <a:t>Cấu hình MQTTBox</a:t>
+              <a:rPr lang="en-US" dirty="0"/>
+              <a:t>Command line tool </a:t>
             </a:r>
           </a:p>
         </p:txBody>
       </p:sp>
       <p:pic>
         <p:nvPicPr>
-          <p:cNvPr id="14339" name="Content Placeholder 4">
+          <p:cNvPr id="5" name="Content Placeholder 4">
             <a:extLst>
               <a:ext uri="{FF2B5EF4-FFF2-40B4-BE49-F238E27FC236}">
-                <a16:creationId xmlns:a16="http://schemas.microsoft.com/office/drawing/2014/main" id="{E7657E12-7395-4844-992E-34EEC5872F94}"/>
+                <a16:creationId xmlns:a16="http://schemas.microsoft.com/office/drawing/2014/main" id="{D6F58DEA-2596-4F91-BA4F-1B327F2C8A70}"/>
               </a:ext>
             </a:extLst>
           </p:cNvPr>
           <p:cNvPicPr>
-            <a:picLocks noGrp="1" noChangeAspect="1" noChangeArrowheads="1"/>
+            <a:picLocks noGrp="1" noChangeAspect="1"/>
           </p:cNvPicPr>
           <p:nvPr>
             <p:ph idx="1"/>
           </p:nvPr>
         </p:nvPicPr>
         <p:blipFill>
-          <a:blip r:embed="rId2">
-            <a:extLst>
-              <a:ext uri="{28A0092B-C50C-407E-A947-70E740481C1C}">
-                <a14:useLocalDpi xmlns:a14="http://schemas.microsoft.com/office/drawing/2010/main" val="0"/>
-              </a:ext>
-            </a:extLst>
-          </a:blip>
-          <a:srcRect/>
+          <a:blip r:embed="rId2"/>
           <a:stretch>
             <a:fillRect/>
           </a:stretch>
         </p:blipFill>
         <p:spPr>
           <a:xfrm>
-            <a:off x="1733550" y="1544638"/>
-            <a:ext cx="5676900" cy="5054600"/>
+            <a:off x="870358" y="1905000"/>
+            <a:ext cx="7021585" cy="3515153"/>
           </a:xfrm>
         </p:spPr>
       </p:pic>
+      <p:sp>
+        <p:nvSpPr>
+          <p:cNvPr id="6" name="TextBox 5">
+            <a:extLst>
+              <a:ext uri="{FF2B5EF4-FFF2-40B4-BE49-F238E27FC236}">
+                <a16:creationId xmlns:a16="http://schemas.microsoft.com/office/drawing/2014/main" id="{2D714C1B-AE8D-4E45-9BE4-86B70CDD07F9}"/>
+              </a:ext>
+            </a:extLst>
+          </p:cNvPr>
+          <p:cNvSpPr txBox="1"/>
+          <p:nvPr/>
+        </p:nvSpPr>
+        <p:spPr>
+          <a:xfrm>
+            <a:off x="685800" y="5529090"/>
+            <a:ext cx="7391400" cy="972574"/>
+          </a:xfrm>
+          <a:prstGeom prst="rect">
+            <a:avLst/>
+          </a:prstGeom>
+          <a:noFill/>
+        </p:spPr>
+        <p:txBody>
+          <a:bodyPr wrap="square" rtlCol="0">
+            <a:spAutoFit/>
+          </a:bodyPr>
+          <a:lstStyle/>
+          <a:p>
+            <a:pPr>
+              <a:buNone/>
+            </a:pPr>
+            <a:r>
+              <a:rPr lang="en-US" dirty="0"/>
+              <a:t>Edit COM Port</a:t>
+            </a:r>
+          </a:p>
+          <a:p>
+            <a:pPr>
+              <a:buNone/>
+            </a:pPr>
+            <a:r>
+              <a:rPr lang="en-US" dirty="0"/>
+              <a:t>esptool.py --port </a:t>
+            </a:r>
+            <a:r>
+              <a:rPr lang="en-US" dirty="0">
+                <a:solidFill>
+                  <a:srgbClr val="FF0000"/>
+                </a:solidFill>
+              </a:rPr>
+              <a:t>COM14</a:t>
+            </a:r>
+            <a:r>
+              <a:rPr lang="en-US" dirty="0"/>
+              <a:t> </a:t>
+            </a:r>
+            <a:r>
+              <a:rPr lang="en-US" dirty="0" err="1"/>
+              <a:t>erase_flash</a:t>
+            </a:r>
+            <a:endParaRPr lang="en-US" dirty="0"/>
+          </a:p>
+        </p:txBody>
+      </p:sp>
     </p:spTree>
+    <p:extLst>
+      <p:ext uri="{BB962C8B-B14F-4D97-AF65-F5344CB8AC3E}">
+        <p14:creationId xmlns:p14="http://schemas.microsoft.com/office/powerpoint/2010/main" val="3144745736"/>
+      </p:ext>
+    </p:extLst>
   </p:cSld>
   <p:clrMapOvr>
     <a:masterClrMapping/>

--- a/training-docs/slides/STM32 ESP-LINK FIRMWARE TRAINING.pptx
+++ b/training-docs/slides/STM32 ESP-LINK FIRMWARE TRAINING.pptx
@@ -5,10 +5,10 @@
     <p:sldMasterId id="2147483652" r:id="rId1"/>
   </p:sldMasterIdLst>
   <p:notesMasterIdLst>
-    <p:notesMasterId r:id="rId21"/>
+    <p:notesMasterId r:id="rId24"/>
   </p:notesMasterIdLst>
   <p:handoutMasterIdLst>
-    <p:handoutMasterId r:id="rId22"/>
+    <p:handoutMasterId r:id="rId25"/>
   </p:handoutMasterIdLst>
   <p:sldIdLst>
     <p:sldId id="269" r:id="rId2"/>
@@ -27,9 +27,12 @@
     <p:sldId id="382" r:id="rId15"/>
     <p:sldId id="384" r:id="rId16"/>
     <p:sldId id="385" r:id="rId17"/>
-    <p:sldId id="287" r:id="rId18"/>
+    <p:sldId id="394" r:id="rId18"/>
     <p:sldId id="391" r:id="rId19"/>
-    <p:sldId id="281" r:id="rId20"/>
+    <p:sldId id="395" r:id="rId20"/>
+    <p:sldId id="396" r:id="rId21"/>
+    <p:sldId id="287" r:id="rId22"/>
+    <p:sldId id="281" r:id="rId23"/>
   </p:sldIdLst>
   <p:sldSz cx="9144000" cy="6858000" type="screen4x3"/>
   <p:notesSz cx="7010400" cy="9296400"/>
@@ -208,6 +211,18 @@
     </p:ext>
   </p:extLst>
 </p:presentation>
+</file>
+
+<file path=ppt/commentAuthors.xml><?xml version="1.0" encoding="utf-8"?>
+<p:cmAuthorLst xmlns:a="http://schemas.openxmlformats.org/drawingml/2006/main" xmlns:r="http://schemas.openxmlformats.org/officeDocument/2006/relationships" xmlns:p="http://schemas.openxmlformats.org/presentationml/2006/main">
+  <p:cmAuthor id="1" name="Ngoc Phu Truong" initials="NPT" lastIdx="1" clrIdx="0">
+    <p:extLst>
+      <p:ext uri="{19B8F6BF-5375-455C-9EA6-DF929625EA0E}">
+        <p15:presenceInfo xmlns:p15="http://schemas.microsoft.com/office/powerpoint/2012/main" userId="3440e3f73edf4f34" providerId="Windows Live"/>
+      </p:ext>
+    </p:extLst>
+  </p:cmAuthor>
+</p:cmAuthorLst>
 </file>
 
 <file path=ppt/handoutMasters/handoutMaster1.xml><?xml version="1.0" encoding="utf-8"?>
@@ -3022,7 +3037,7 @@
             <a:fld id="{3259C393-9A2B-45A2-8E4E-FAFA5413C1FC}" type="datetime1">
               <a:rPr lang="en-US" altLang="en-US" smtClean="0"/>
               <a:pPr/>
-              <a:t>8/15/2021</a:t>
+              <a:t>8/18/2021</a:t>
             </a:fld>
             <a:endParaRPr lang="en-US" altLang="en-US" dirty="0"/>
           </a:p>
@@ -3209,7 +3224,7 @@
             <a:fld id="{12C67B00-BE02-4BB9-B9A5-D51D0D1A821E}" type="datetime1">
               <a:rPr lang="en-US" altLang="en-US" smtClean="0"/>
               <a:pPr/>
-              <a:t>8/15/2021</a:t>
+              <a:t>8/18/2021</a:t>
             </a:fld>
             <a:endParaRPr lang="en-US" altLang="en-US" dirty="0"/>
           </a:p>
@@ -3411,7 +3426,7 @@
             <a:fld id="{7FA2D16B-FB7D-484B-A659-F70C0EEA95A8}" type="datetime1">
               <a:rPr lang="en-US" altLang="en-US" smtClean="0"/>
               <a:pPr/>
-              <a:t>8/15/2021</a:t>
+              <a:t>8/18/2021</a:t>
             </a:fld>
             <a:endParaRPr lang="en-US" altLang="en-US" dirty="0"/>
           </a:p>
@@ -3603,7 +3618,7 @@
             <a:fld id="{53158947-7A00-4A76-84B1-1B2119E03B78}" type="datetime1">
               <a:rPr lang="en-US" altLang="en-US" smtClean="0"/>
               <a:pPr/>
-              <a:t>8/15/2021</a:t>
+              <a:t>8/18/2021</a:t>
             </a:fld>
             <a:endParaRPr lang="en-US" altLang="en-US" dirty="0"/>
           </a:p>
@@ -3811,7 +3826,7 @@
             <a:fld id="{ED91BFB3-8F1B-477F-B96F-8BA65B2D4AD3}" type="datetime1">
               <a:rPr lang="en-US" altLang="en-US" smtClean="0"/>
               <a:pPr/>
-              <a:t>8/15/2021</a:t>
+              <a:t>8/18/2021</a:t>
             </a:fld>
             <a:endParaRPr lang="en-US" altLang="en-US" dirty="0"/>
           </a:p>
@@ -4119,7 +4134,7 @@
             <a:fld id="{B493DC1E-4DED-43A8-89C3-4163E3A75CBB}" type="datetime1">
               <a:rPr lang="en-US" altLang="en-US" smtClean="0"/>
               <a:pPr/>
-              <a:t>8/15/2021</a:t>
+              <a:t>8/18/2021</a:t>
             </a:fld>
             <a:endParaRPr lang="en-US" altLang="en-US" dirty="0"/>
           </a:p>
@@ -4566,7 +4581,7 @@
             <a:fld id="{6676BA95-CF00-41A1-A420-966FC66619DA}" type="datetime1">
               <a:rPr lang="en-US" altLang="en-US" smtClean="0"/>
               <a:pPr/>
-              <a:t>8/15/2021</a:t>
+              <a:t>8/18/2021</a:t>
             </a:fld>
             <a:endParaRPr lang="en-US" altLang="en-US" dirty="0"/>
           </a:p>
@@ -4700,7 +4715,7 @@
             <a:fld id="{D0CD8A93-8C14-4267-B95F-FE4BE0AB69DE}" type="datetime1">
               <a:rPr lang="en-US" altLang="en-US" smtClean="0"/>
               <a:pPr/>
-              <a:t>8/15/2021</a:t>
+              <a:t>8/18/2021</a:t>
             </a:fld>
             <a:endParaRPr lang="en-US" altLang="en-US" dirty="0"/>
           </a:p>
@@ -4812,7 +4827,7 @@
             <a:fld id="{2E05897D-7D60-41CE-AECE-5AF4DAA0D447}" type="datetime1">
               <a:rPr lang="en-US" altLang="en-US" smtClean="0"/>
               <a:pPr/>
-              <a:t>8/15/2021</a:t>
+              <a:t>8/18/2021</a:t>
             </a:fld>
             <a:endParaRPr lang="en-US" altLang="en-US" dirty="0"/>
           </a:p>
@@ -5107,7 +5122,7 @@
             <a:fld id="{11919950-C514-47F9-AEFE-38055CCEE8E4}" type="datetime1">
               <a:rPr lang="en-US" altLang="en-US" smtClean="0"/>
               <a:pPr/>
-              <a:t>8/15/2021</a:t>
+              <a:t>8/18/2021</a:t>
             </a:fld>
             <a:endParaRPr lang="en-US" altLang="en-US" dirty="0"/>
           </a:p>
@@ -5380,7 +5395,7 @@
             <a:fld id="{686D2572-3AEE-4103-AD61-E3B66B0BAB81}" type="datetime1">
               <a:rPr lang="en-US" altLang="en-US" smtClean="0"/>
               <a:pPr/>
-              <a:t>8/15/2021</a:t>
+              <a:t>8/18/2021</a:t>
             </a:fld>
             <a:endParaRPr lang="en-US" altLang="en-US" dirty="0"/>
           </a:p>
@@ -7429,7 +7444,7 @@
             <a:fld id="{375B0982-7648-47FF-97D6-16483483F3D5}" type="datetime1">
               <a:rPr lang="en-US" altLang="en-US" smtClean="0"/>
               <a:pPr/>
-              <a:t>8/15/2021</a:t>
+              <a:t>8/18/2021</a:t>
             </a:fld>
             <a:endParaRPr lang="en-US" altLang="en-US" dirty="0"/>
           </a:p>
@@ -10053,7 +10068,7 @@
           <p:cNvPr id="2" name="Title 1">
             <a:extLst>
               <a:ext uri="{FF2B5EF4-FFF2-40B4-BE49-F238E27FC236}">
-                <a16:creationId xmlns:a16="http://schemas.microsoft.com/office/drawing/2014/main" id="{719FFDFC-8657-4D8F-953C-A50E7B0A2613}"/>
+                <a16:creationId xmlns:a16="http://schemas.microsoft.com/office/drawing/2014/main" id="{E59853DA-B138-4FF6-A30E-70736335540E}"/>
               </a:ext>
             </a:extLst>
           </p:cNvPr>
@@ -10071,7 +10086,7 @@
           <a:p>
             <a:r>
               <a:rPr lang="en-US" dirty="0"/>
-              <a:t>Reference Resources</a:t>
+              <a:t>SLIP Protocol (1)</a:t>
             </a:r>
           </a:p>
         </p:txBody>
@@ -10081,7 +10096,7 @@
           <p:cNvPr id="3" name="Content Placeholder 2">
             <a:extLst>
               <a:ext uri="{FF2B5EF4-FFF2-40B4-BE49-F238E27FC236}">
-                <a16:creationId xmlns:a16="http://schemas.microsoft.com/office/drawing/2014/main" id="{9979C099-741B-4EBD-BD53-56B3650980E4}"/>
+                <a16:creationId xmlns:a16="http://schemas.microsoft.com/office/drawing/2014/main" id="{4D390769-2F51-41B0-AACD-59654F17C5F1}"/>
               </a:ext>
             </a:extLst>
           </p:cNvPr>
@@ -10094,97 +10109,168 @@
         </p:nvSpPr>
         <p:spPr>
           <a:xfrm>
-            <a:off x="381000" y="1524000"/>
-            <a:ext cx="8153400" cy="2514600"/>
+            <a:off x="609600" y="1816784"/>
+            <a:ext cx="7391400" cy="2438400"/>
           </a:xfrm>
         </p:spPr>
         <p:txBody>
           <a:bodyPr>
-            <a:normAutofit/>
+            <a:normAutofit fontScale="92500" lnSpcReduction="20000"/>
           </a:bodyPr>
           <a:lstStyle/>
           <a:p>
-            <a:r>
-              <a:rPr lang="en-US" altLang="en-US" sz="2000" b="1" dirty="0"/>
-              <a:t>1. Hướng </a:t>
-            </a:r>
-            <a:r>
-              <a:rPr lang="en-US" altLang="en-US" sz="2000" b="1" dirty="0" err="1"/>
-              <a:t>dẫn</a:t>
-            </a:r>
-            <a:r>
-              <a:rPr lang="en-US" altLang="en-US" sz="2000" b="1" dirty="0"/>
+            <a:pPr marL="502920" indent="-457200">
+              <a:buFont typeface="Arial" panose="020B0604020202020204" pitchFamily="34" charset="0"/>
+              <a:buChar char="•"/>
+            </a:pPr>
+            <a:r>
+              <a:rPr lang="en-US" dirty="0"/>
+              <a:t>SLIP = Serial Line IP</a:t>
+            </a:r>
+          </a:p>
+          <a:p>
+            <a:pPr marL="502920" indent="-457200">
+              <a:buFont typeface="Arial" panose="020B0604020202020204" pitchFamily="34" charset="0"/>
+              <a:buChar char="•"/>
+            </a:pPr>
+            <a:r>
+              <a:rPr lang="en-US" dirty="0"/>
+              <a:t>Break an IP datagram into bytes</a:t>
+            </a:r>
+          </a:p>
+          <a:p>
+            <a:pPr marL="502920" indent="-457200">
+              <a:buFont typeface="Arial" panose="020B0604020202020204" pitchFamily="34" charset="0"/>
+              <a:buChar char="•"/>
+            </a:pPr>
+            <a:r>
+              <a:rPr lang="en-US" dirty="0"/>
+              <a:t>Send the END character after the last byte (before the first byte as well)</a:t>
+            </a:r>
+          </a:p>
+          <a:p>
+            <a:pPr marL="502920" indent="-457200">
+              <a:buFont typeface="Arial" panose="020B0604020202020204" pitchFamily="34" charset="0"/>
+              <a:buChar char="•"/>
+            </a:pPr>
+            <a:r>
+              <a:rPr lang="en-US" i="1" dirty="0">
+                <a:solidFill>
+                  <a:srgbClr val="FF0000"/>
+                </a:solidFill>
+              </a:rPr>
+              <a:t>Replace any data byte “C0” with “DB DC”</a:t>
+            </a:r>
+          </a:p>
+          <a:p>
+            <a:pPr marL="502920" indent="-457200">
+              <a:buFont typeface="Arial" panose="020B0604020202020204" pitchFamily="34" charset="0"/>
+              <a:buChar char="•"/>
+            </a:pPr>
+            <a:r>
+              <a:rPr lang="en-US" i="1" dirty="0">
+                <a:solidFill>
+                  <a:srgbClr val="FF0000"/>
+                </a:solidFill>
+              </a:rPr>
+              <a:t>Replace</a:t>
+            </a:r>
+            <a:r>
+              <a:rPr lang="en-US" dirty="0"/>
               <a:t> </a:t>
             </a:r>
             <a:r>
-              <a:rPr lang="en-US" altLang="en-US" sz="2000" b="1" dirty="0" err="1"/>
-              <a:t>cài</a:t>
-            </a:r>
-            <a:r>
-              <a:rPr lang="en-US" altLang="en-US" sz="2000" b="1" dirty="0"/>
-              <a:t> đặt mosquito broker</a:t>
-            </a:r>
-          </a:p>
-          <a:p>
-            <a:pPr>
-              <a:buNone/>
-            </a:pPr>
-            <a:r>
-              <a:rPr lang="en-US" altLang="en-US" sz="2000" i="1" dirty="0">
-                <a:hlinkClick r:id="rId2"/>
+              <a:rPr lang="en-US" i="1" dirty="0">
+                <a:solidFill>
+                  <a:srgbClr val="FF0000"/>
+                </a:solidFill>
               </a:rPr>
-              <a:t>https://m2msupport.net/m2msupport/install-mqtt-broker-mosquitto-in-windows/</a:t>
-            </a:r>
-            <a:endParaRPr lang="en-US" altLang="en-US" sz="2000" i="1" dirty="0"/>
-          </a:p>
-          <a:p>
-            <a:pPr>
-              <a:buNone/>
-            </a:pPr>
-            <a:endParaRPr lang="en-US" altLang="en-US" sz="2000" i="1" dirty="0"/>
-          </a:p>
-          <a:p>
-            <a:pPr>
-              <a:defRPr/>
-            </a:pPr>
-            <a:r>
-              <a:rPr lang="en-US" sz="2000" dirty="0"/>
-              <a:t>2</a:t>
-            </a:r>
-            <a:r>
-              <a:rPr lang="en-US" sz="2000" b="1" dirty="0"/>
-              <a:t>. MQTT protocol</a:t>
-            </a:r>
-            <a:endParaRPr lang="en-US" sz="2000" b="1" dirty="0">
-              <a:hlinkClick r:id="" action="ppaction://noaction"/>
-            </a:endParaRPr>
-          </a:p>
-          <a:p>
-            <a:pPr marL="0" indent="0">
-              <a:buFont typeface="Wingdings" panose="05000000000000000000" pitchFamily="2" charset="2"/>
-              <a:buNone/>
-              <a:defRPr/>
-            </a:pPr>
-            <a:r>
-              <a:rPr lang="en-US" sz="2000" dirty="0">
-                <a:hlinkClick r:id="" action="ppaction://noaction"/>
-              </a:rPr>
-              <a:t>https://m2msupport.net/m2msupport/how-mqtt-works/</a:t>
-            </a:r>
-            <a:endParaRPr lang="en-US" sz="2000" dirty="0"/>
-          </a:p>
-          <a:p>
-            <a:pPr>
-              <a:buNone/>
-            </a:pPr>
-            <a:endParaRPr lang="en-US" altLang="en-US" sz="2000" i="1" dirty="0"/>
+              <a:t>any data byte “DB” with “DB DD”</a:t>
+            </a:r>
           </a:p>
         </p:txBody>
       </p:sp>
+      <p:pic>
+        <p:nvPicPr>
+          <p:cNvPr id="6" name="Picture 5">
+            <a:extLst>
+              <a:ext uri="{FF2B5EF4-FFF2-40B4-BE49-F238E27FC236}">
+                <a16:creationId xmlns:a16="http://schemas.microsoft.com/office/drawing/2014/main" id="{66D9E310-2A03-44B3-87D3-73D47BD5D9FF}"/>
+              </a:ext>
+            </a:extLst>
+          </p:cNvPr>
+          <p:cNvPicPr>
+            <a:picLocks noChangeAspect="1"/>
+          </p:cNvPicPr>
+          <p:nvPr/>
+        </p:nvPicPr>
+        <p:blipFill>
+          <a:blip r:embed="rId2"/>
+          <a:stretch>
+            <a:fillRect/>
+          </a:stretch>
+        </p:blipFill>
+        <p:spPr>
+          <a:xfrm>
+            <a:off x="3581400" y="4419598"/>
+            <a:ext cx="4762500" cy="2047875"/>
+          </a:xfrm>
+          <a:prstGeom prst="rect">
+            <a:avLst/>
+          </a:prstGeom>
+        </p:spPr>
+      </p:pic>
+      <p:pic>
+        <p:nvPicPr>
+          <p:cNvPr id="1026" name="Picture 2" descr="What is Serial Line Internet Protocol (SLIP)? - Computer Notes">
+            <a:extLst>
+              <a:ext uri="{FF2B5EF4-FFF2-40B4-BE49-F238E27FC236}">
+                <a16:creationId xmlns:a16="http://schemas.microsoft.com/office/drawing/2014/main" id="{798AB4D9-2ABA-4C48-AA1C-EA4C99FB4243}"/>
+              </a:ext>
+            </a:extLst>
+          </p:cNvPr>
+          <p:cNvPicPr>
+            <a:picLocks noChangeAspect="1" noChangeArrowheads="1"/>
+          </p:cNvPicPr>
+          <p:nvPr/>
+        </p:nvPicPr>
+        <p:blipFill>
+          <a:blip r:embed="rId3">
+            <a:extLst>
+              <a:ext uri="{28A0092B-C50C-407E-A947-70E740481C1C}">
+                <a14:useLocalDpi xmlns:a14="http://schemas.microsoft.com/office/drawing/2010/main" val="0"/>
+              </a:ext>
+            </a:extLst>
+          </a:blip>
+          <a:srcRect/>
+          <a:stretch>
+            <a:fillRect/>
+          </a:stretch>
+        </p:blipFill>
+        <p:spPr bwMode="auto">
+          <a:xfrm>
+            <a:off x="533400" y="5442616"/>
+            <a:ext cx="2771775" cy="1057275"/>
+          </a:xfrm>
+          <a:prstGeom prst="rect">
+            <a:avLst/>
+          </a:prstGeom>
+          <a:noFill/>
+          <a:extLst>
+            <a:ext uri="{909E8E84-426E-40DD-AFC4-6F175D3DCCD1}">
+              <a14:hiddenFill xmlns:a14="http://schemas.microsoft.com/office/drawing/2010/main">
+                <a:solidFill>
+                  <a:srgbClr val="FFFFFF"/>
+                </a:solidFill>
+              </a14:hiddenFill>
+            </a:ext>
+          </a:extLst>
+        </p:spPr>
+      </p:pic>
     </p:spTree>
     <p:extLst>
       <p:ext uri="{BB962C8B-B14F-4D97-AF65-F5344CB8AC3E}">
-        <p14:creationId xmlns:p14="http://schemas.microsoft.com/office/powerpoint/2010/main" val="2526117137"/>
+        <p14:creationId xmlns:p14="http://schemas.microsoft.com/office/powerpoint/2010/main" val="4257940882"/>
       </p:ext>
     </p:extLst>
   </p:cSld>
@@ -10232,38 +10318,42 @@
           <a:bodyPr/>
           <a:lstStyle/>
           <a:p>
-            <a:endParaRPr lang="en-US"/>
+            <a:r>
+              <a:rPr lang="en-US" dirty="0"/>
+              <a:t>SLIP Protocol (2)</a:t>
+            </a:r>
           </a:p>
         </p:txBody>
       </p:sp>
-      <p:sp>
-        <p:nvSpPr>
-          <p:cNvPr id="3" name="Content Placeholder 2">
+      <p:pic>
+        <p:nvPicPr>
+          <p:cNvPr id="5" name="Content Placeholder 4">
             <a:extLst>
               <a:ext uri="{FF2B5EF4-FFF2-40B4-BE49-F238E27FC236}">
-                <a16:creationId xmlns:a16="http://schemas.microsoft.com/office/drawing/2014/main" id="{AB416C9E-75E5-4361-993B-F6CA085660E8}"/>
+                <a16:creationId xmlns:a16="http://schemas.microsoft.com/office/drawing/2014/main" id="{3A30BCD3-DF5F-40D7-8C95-4F3280A9DD6D}"/>
               </a:ext>
             </a:extLst>
           </p:cNvPr>
-          <p:cNvSpPr>
-            <a:spLocks noGrp="1"/>
-          </p:cNvSpPr>
+          <p:cNvPicPr>
+            <a:picLocks noGrp="1" noChangeAspect="1"/>
+          </p:cNvPicPr>
           <p:nvPr>
             <p:ph idx="1"/>
           </p:nvPr>
-        </p:nvSpPr>
-        <p:spPr/>
-        <p:txBody>
-          <a:bodyPr/>
-          <a:lstStyle/>
-          <a:p>
-            <a:r>
-              <a:rPr lang="en-US" dirty="0"/>
-              <a:t>SLIP = Serial Line IP</a:t>
-            </a:r>
-          </a:p>
-        </p:txBody>
-      </p:sp>
+        </p:nvPicPr>
+        <p:blipFill>
+          <a:blip r:embed="rId2"/>
+          <a:stretch>
+            <a:fillRect/>
+          </a:stretch>
+        </p:blipFill>
+        <p:spPr>
+          <a:xfrm>
+            <a:off x="1066800" y="2057400"/>
+            <a:ext cx="6858000" cy="3985484"/>
+          </a:xfrm>
+        </p:spPr>
+      </p:pic>
     </p:spTree>
     <p:extLst>
       <p:ext uri="{BB962C8B-B14F-4D97-AF65-F5344CB8AC3E}">
@@ -10299,7 +10389,7 @@
           <p:cNvPr id="2" name="Title 1">
             <a:extLst>
               <a:ext uri="{FF2B5EF4-FFF2-40B4-BE49-F238E27FC236}">
-                <a16:creationId xmlns:a16="http://schemas.microsoft.com/office/drawing/2014/main" id="{78FF4A92-127C-425A-892F-2C2C673D4301}"/>
+                <a16:creationId xmlns:a16="http://schemas.microsoft.com/office/drawing/2014/main" id="{F01AA9C9-1CA2-4A17-84EB-B78315C1CD2D}"/>
               </a:ext>
             </a:extLst>
           </p:cNvPr>
@@ -10310,28 +10400,113 @@
             <p:ph type="title"/>
           </p:nvPr>
         </p:nvSpPr>
-        <p:spPr>
-          <a:xfrm>
-            <a:off x="685800" y="2895600"/>
-            <a:ext cx="7772400" cy="1362075"/>
-          </a:xfrm>
-        </p:spPr>
+        <p:spPr/>
         <p:txBody>
           <a:bodyPr/>
           <a:lstStyle/>
           <a:p>
-            <a:pPr algn="ctr"/>
             <a:r>
               <a:rPr lang="en-US" dirty="0"/>
-              <a:t>THANK YOU!</a:t>
-            </a:r>
+              <a:t>ESP-Link Frame Structure (1)</a:t>
+            </a:r>
+          </a:p>
+        </p:txBody>
+      </p:sp>
+      <p:pic>
+        <p:nvPicPr>
+          <p:cNvPr id="5" name="Content Placeholder 4">
+            <a:extLst>
+              <a:ext uri="{FF2B5EF4-FFF2-40B4-BE49-F238E27FC236}">
+                <a16:creationId xmlns:a16="http://schemas.microsoft.com/office/drawing/2014/main" id="{4A5CF7B8-11DF-4E8D-805F-7D59E559AA3E}"/>
+              </a:ext>
+            </a:extLst>
+          </p:cNvPr>
+          <p:cNvPicPr>
+            <a:picLocks noGrp="1" noChangeAspect="1"/>
+          </p:cNvPicPr>
+          <p:nvPr>
+            <p:ph idx="1"/>
+          </p:nvPr>
+        </p:nvPicPr>
+        <p:blipFill>
+          <a:blip r:embed="rId2"/>
+          <a:stretch>
+            <a:fillRect/>
+          </a:stretch>
+        </p:blipFill>
+        <p:spPr>
+          <a:xfrm>
+            <a:off x="152400" y="2057400"/>
+            <a:ext cx="8229600" cy="1175657"/>
+          </a:xfrm>
+        </p:spPr>
+      </p:pic>
+      <p:sp>
+        <p:nvSpPr>
+          <p:cNvPr id="8" name="TextBox 7">
+            <a:extLst>
+              <a:ext uri="{FF2B5EF4-FFF2-40B4-BE49-F238E27FC236}">
+                <a16:creationId xmlns:a16="http://schemas.microsoft.com/office/drawing/2014/main" id="{02DB171E-1495-4430-886D-CDA042A1E72F}"/>
+              </a:ext>
+            </a:extLst>
+          </p:cNvPr>
+          <p:cNvSpPr txBox="1"/>
+          <p:nvPr/>
+        </p:nvSpPr>
+        <p:spPr>
+          <a:xfrm>
+            <a:off x="533400" y="3429000"/>
+            <a:ext cx="7391400" cy="2893100"/>
+          </a:xfrm>
+          <a:prstGeom prst="rect">
+            <a:avLst/>
+          </a:prstGeom>
+          <a:noFill/>
+        </p:spPr>
+        <p:txBody>
+          <a:bodyPr wrap="square" rtlCol="0">
+            <a:spAutoFit/>
+          </a:bodyPr>
+          <a:lstStyle/>
+          <a:p>
+            <a:r>
+              <a:rPr lang="en-US" dirty="0"/>
+              <a:t> Sent from STM32</a:t>
+            </a:r>
+          </a:p>
+          <a:p>
+            <a:r>
+              <a:rPr lang="en-US" dirty="0"/>
+              <a:t> CMD = Command ID</a:t>
+            </a:r>
+          </a:p>
+          <a:p>
+            <a:r>
+              <a:rPr lang="en-US" dirty="0"/>
+              <a:t> Value = Depend on CMD (Callback Address)</a:t>
+            </a:r>
+          </a:p>
+          <a:p>
+            <a:r>
+              <a:rPr lang="en-US" dirty="0"/>
+              <a:t>  ARGC = Argument Count </a:t>
+            </a:r>
+          </a:p>
+          <a:p>
+            <a:r>
+              <a:rPr lang="en-US" dirty="0"/>
+              <a:t> DATA 0 .. DATA N-1: Argument Data</a:t>
+            </a:r>
+          </a:p>
+          <a:p>
+            <a:endParaRPr lang="en-US" dirty="0"/>
           </a:p>
         </p:txBody>
       </p:sp>
     </p:spTree>
     <p:extLst>
       <p:ext uri="{BB962C8B-B14F-4D97-AF65-F5344CB8AC3E}">
-        <p14:creationId xmlns:p14="http://schemas.microsoft.com/office/powerpoint/2010/main" val="1493630937"/>
+        <p14:creationId xmlns:p14="http://schemas.microsoft.com/office/powerpoint/2010/main" val="842055607"/>
       </p:ext>
     </p:extLst>
   </p:cSld>
@@ -10459,12 +10634,450 @@
               <a:t>Setup MQTT Client Box</a:t>
             </a:r>
           </a:p>
+          <a:p>
+            <a:pPr marL="502920" indent="-457200">
+              <a:buFont typeface="Arial" panose="020B0604020202020204" pitchFamily="34" charset="0"/>
+              <a:buChar char="•"/>
+            </a:pPr>
+            <a:r>
+              <a:rPr lang="en-US" dirty="0"/>
+              <a:t>SLIP Protocol</a:t>
+            </a:r>
+          </a:p>
         </p:txBody>
       </p:sp>
     </p:spTree>
     <p:extLst>
       <p:ext uri="{BB962C8B-B14F-4D97-AF65-F5344CB8AC3E}">
         <p14:creationId xmlns:p14="http://schemas.microsoft.com/office/powerpoint/2010/main" val="3190566040"/>
+      </p:ext>
+    </p:extLst>
+  </p:cSld>
+  <p:clrMapOvr>
+    <a:masterClrMapping/>
+  </p:clrMapOvr>
+</p:sld>
+</file>
+
+<file path=ppt/slides/slide20.xml><?xml version="1.0" encoding="utf-8"?>
+<p:sld xmlns:a="http://schemas.openxmlformats.org/drawingml/2006/main" xmlns:r="http://schemas.openxmlformats.org/officeDocument/2006/relationships" xmlns:p="http://schemas.openxmlformats.org/presentationml/2006/main">
+  <p:cSld>
+    <p:spTree>
+      <p:nvGrpSpPr>
+        <p:cNvPr id="1" name=""/>
+        <p:cNvGrpSpPr/>
+        <p:nvPr/>
+      </p:nvGrpSpPr>
+      <p:grpSpPr>
+        <a:xfrm>
+          <a:off x="0" y="0"/>
+          <a:ext cx="0" cy="0"/>
+          <a:chOff x="0" y="0"/>
+          <a:chExt cx="0" cy="0"/>
+        </a:xfrm>
+      </p:grpSpPr>
+      <p:sp>
+        <p:nvSpPr>
+          <p:cNvPr id="2" name="Title 1">
+            <a:extLst>
+              <a:ext uri="{FF2B5EF4-FFF2-40B4-BE49-F238E27FC236}">
+                <a16:creationId xmlns:a16="http://schemas.microsoft.com/office/drawing/2014/main" id="{AF6AEDF4-449E-4CE8-851B-F84F7D12F0CE}"/>
+              </a:ext>
+            </a:extLst>
+          </p:cNvPr>
+          <p:cNvSpPr>
+            <a:spLocks noGrp="1"/>
+          </p:cNvSpPr>
+          <p:nvPr>
+            <p:ph type="title"/>
+          </p:nvPr>
+        </p:nvSpPr>
+        <p:spPr/>
+        <p:txBody>
+          <a:bodyPr/>
+          <a:lstStyle/>
+          <a:p>
+            <a:r>
+              <a:rPr lang="en-US" dirty="0" err="1"/>
+              <a:t>ESPLink</a:t>
+            </a:r>
+            <a:r>
+              <a:rPr lang="en-US" dirty="0"/>
+              <a:t> Frame Structure (2)</a:t>
+            </a:r>
+          </a:p>
+        </p:txBody>
+      </p:sp>
+      <p:pic>
+        <p:nvPicPr>
+          <p:cNvPr id="4" name="Content Placeholder 3">
+            <a:extLst>
+              <a:ext uri="{FF2B5EF4-FFF2-40B4-BE49-F238E27FC236}">
+                <a16:creationId xmlns:a16="http://schemas.microsoft.com/office/drawing/2014/main" id="{FCFC8598-757D-4F3C-A6A0-3C89F537380E}"/>
+              </a:ext>
+            </a:extLst>
+          </p:cNvPr>
+          <p:cNvPicPr>
+            <a:picLocks noGrp="1" noChangeAspect="1"/>
+          </p:cNvPicPr>
+          <p:nvPr>
+            <p:ph idx="1"/>
+          </p:nvPr>
+        </p:nvPicPr>
+        <p:blipFill>
+          <a:blip r:embed="rId2"/>
+          <a:stretch>
+            <a:fillRect/>
+          </a:stretch>
+        </p:blipFill>
+        <p:spPr>
+          <a:xfrm>
+            <a:off x="0" y="1665141"/>
+            <a:ext cx="8961047" cy="1740090"/>
+          </a:xfrm>
+          <a:prstGeom prst="rect">
+            <a:avLst/>
+          </a:prstGeom>
+        </p:spPr>
+      </p:pic>
+      <p:sp>
+        <p:nvSpPr>
+          <p:cNvPr id="5" name="TextBox 4">
+            <a:extLst>
+              <a:ext uri="{FF2B5EF4-FFF2-40B4-BE49-F238E27FC236}">
+                <a16:creationId xmlns:a16="http://schemas.microsoft.com/office/drawing/2014/main" id="{257CE02A-F872-4003-BA15-7AC2E09C9A23}"/>
+              </a:ext>
+            </a:extLst>
+          </p:cNvPr>
+          <p:cNvSpPr txBox="1"/>
+          <p:nvPr/>
+        </p:nvSpPr>
+        <p:spPr>
+          <a:xfrm>
+            <a:off x="533400" y="3325705"/>
+            <a:ext cx="8229600" cy="3293209"/>
+          </a:xfrm>
+          <a:prstGeom prst="rect">
+            <a:avLst/>
+          </a:prstGeom>
+          <a:noFill/>
+        </p:spPr>
+        <p:txBody>
+          <a:bodyPr wrap="square" rtlCol="0">
+            <a:spAutoFit/>
+          </a:bodyPr>
+          <a:lstStyle/>
+          <a:p>
+            <a:r>
+              <a:rPr lang="en-US" dirty="0"/>
+              <a:t> Sent from ESP</a:t>
+            </a:r>
+          </a:p>
+          <a:p>
+            <a:r>
+              <a:rPr lang="en-US" dirty="0"/>
+              <a:t> CMD = Command ID (2 bytes)</a:t>
+            </a:r>
+          </a:p>
+          <a:p>
+            <a:r>
+              <a:rPr lang="en-US" dirty="0"/>
+              <a:t> ARGC = Argument Counts (2 bytes)</a:t>
+            </a:r>
+          </a:p>
+          <a:p>
+            <a:r>
+              <a:rPr lang="en-US" dirty="0"/>
+              <a:t> Value = Depend on CMD (Function Callback Address) ( 4 bytes)</a:t>
+            </a:r>
+          </a:p>
+          <a:p>
+            <a:r>
+              <a:rPr lang="en-US" dirty="0"/>
+              <a:t> DATA 0 .. DATA N-1: Argument Data Bytes</a:t>
+            </a:r>
+          </a:p>
+          <a:p>
+            <a:endParaRPr lang="en-US" dirty="0"/>
+          </a:p>
+        </p:txBody>
+      </p:sp>
+    </p:spTree>
+    <p:extLst>
+      <p:ext uri="{BB962C8B-B14F-4D97-AF65-F5344CB8AC3E}">
+        <p14:creationId xmlns:p14="http://schemas.microsoft.com/office/powerpoint/2010/main" val="677760893"/>
+      </p:ext>
+    </p:extLst>
+  </p:cSld>
+  <p:clrMapOvr>
+    <a:masterClrMapping/>
+  </p:clrMapOvr>
+</p:sld>
+</file>
+
+<file path=ppt/slides/slide21.xml><?xml version="1.0" encoding="utf-8"?>
+<p:sld xmlns:a="http://schemas.openxmlformats.org/drawingml/2006/main" xmlns:r="http://schemas.openxmlformats.org/officeDocument/2006/relationships" xmlns:p="http://schemas.openxmlformats.org/presentationml/2006/main">
+  <p:cSld>
+    <p:spTree>
+      <p:nvGrpSpPr>
+        <p:cNvPr id="1" name=""/>
+        <p:cNvGrpSpPr/>
+        <p:nvPr/>
+      </p:nvGrpSpPr>
+      <p:grpSpPr>
+        <a:xfrm>
+          <a:off x="0" y="0"/>
+          <a:ext cx="0" cy="0"/>
+          <a:chOff x="0" y="0"/>
+          <a:chExt cx="0" cy="0"/>
+        </a:xfrm>
+      </p:grpSpPr>
+      <p:sp>
+        <p:nvSpPr>
+          <p:cNvPr id="2" name="Title 1">
+            <a:extLst>
+              <a:ext uri="{FF2B5EF4-FFF2-40B4-BE49-F238E27FC236}">
+                <a16:creationId xmlns:a16="http://schemas.microsoft.com/office/drawing/2014/main" id="{719FFDFC-8657-4D8F-953C-A50E7B0A2613}"/>
+              </a:ext>
+            </a:extLst>
+          </p:cNvPr>
+          <p:cNvSpPr>
+            <a:spLocks noGrp="1"/>
+          </p:cNvSpPr>
+          <p:nvPr>
+            <p:ph type="title"/>
+          </p:nvPr>
+        </p:nvSpPr>
+        <p:spPr/>
+        <p:txBody>
+          <a:bodyPr/>
+          <a:lstStyle/>
+          <a:p>
+            <a:r>
+              <a:rPr lang="en-US" dirty="0"/>
+              <a:t>Reference Resources</a:t>
+            </a:r>
+          </a:p>
+        </p:txBody>
+      </p:sp>
+      <p:sp>
+        <p:nvSpPr>
+          <p:cNvPr id="3" name="Content Placeholder 2">
+            <a:extLst>
+              <a:ext uri="{FF2B5EF4-FFF2-40B4-BE49-F238E27FC236}">
+                <a16:creationId xmlns:a16="http://schemas.microsoft.com/office/drawing/2014/main" id="{9979C099-741B-4EBD-BD53-56B3650980E4}"/>
+              </a:ext>
+            </a:extLst>
+          </p:cNvPr>
+          <p:cNvSpPr>
+            <a:spLocks noGrp="1"/>
+          </p:cNvSpPr>
+          <p:nvPr>
+            <p:ph idx="1"/>
+          </p:nvPr>
+        </p:nvSpPr>
+        <p:spPr>
+          <a:xfrm>
+            <a:off x="381000" y="1524000"/>
+            <a:ext cx="8153400" cy="3048000"/>
+          </a:xfrm>
+        </p:spPr>
+        <p:txBody>
+          <a:bodyPr>
+            <a:normAutofit fontScale="92500" lnSpcReduction="10000"/>
+          </a:bodyPr>
+          <a:lstStyle/>
+          <a:p>
+            <a:r>
+              <a:rPr lang="en-US" altLang="en-US" sz="2000" b="1" dirty="0"/>
+              <a:t>1. Hướng </a:t>
+            </a:r>
+            <a:r>
+              <a:rPr lang="en-US" altLang="en-US" sz="2000" b="1" dirty="0" err="1"/>
+              <a:t>dẫn</a:t>
+            </a:r>
+            <a:r>
+              <a:rPr lang="en-US" altLang="en-US" sz="2000" b="1" dirty="0"/>
+              <a:t> </a:t>
+            </a:r>
+            <a:r>
+              <a:rPr lang="en-US" altLang="en-US" sz="2000" b="1" dirty="0" err="1"/>
+              <a:t>cài</a:t>
+            </a:r>
+            <a:r>
+              <a:rPr lang="en-US" altLang="en-US" sz="2000" b="1" dirty="0"/>
+              <a:t> đặt mosquito broker</a:t>
+            </a:r>
+          </a:p>
+          <a:p>
+            <a:pPr>
+              <a:buNone/>
+            </a:pPr>
+            <a:r>
+              <a:rPr lang="en-US" altLang="en-US" sz="2000" i="1" dirty="0">
+                <a:hlinkClick r:id="rId2"/>
+              </a:rPr>
+              <a:t>https://m2msupport.net/m2msupport/install-mqtt-broker-mosquitto-in-windows/</a:t>
+            </a:r>
+            <a:endParaRPr lang="en-US" altLang="en-US" sz="2000" i="1" dirty="0"/>
+          </a:p>
+          <a:p>
+            <a:pPr>
+              <a:buNone/>
+            </a:pPr>
+            <a:endParaRPr lang="en-US" altLang="en-US" sz="2000" i="1" dirty="0"/>
+          </a:p>
+          <a:p>
+            <a:pPr>
+              <a:defRPr/>
+            </a:pPr>
+            <a:r>
+              <a:rPr lang="en-US" sz="2000" dirty="0"/>
+              <a:t>2</a:t>
+            </a:r>
+            <a:r>
+              <a:rPr lang="en-US" sz="2000" b="1" dirty="0"/>
+              <a:t>. MQTT protocol</a:t>
+            </a:r>
+            <a:endParaRPr lang="en-US" sz="2000" b="1" dirty="0">
+              <a:hlinkClick r:id="" action="ppaction://noaction"/>
+            </a:endParaRPr>
+          </a:p>
+          <a:p>
+            <a:pPr marL="0" indent="0">
+              <a:buFont typeface="Wingdings" panose="05000000000000000000" pitchFamily="2" charset="2"/>
+              <a:buNone/>
+              <a:defRPr/>
+            </a:pPr>
+            <a:r>
+              <a:rPr lang="en-US" sz="2000" dirty="0">
+                <a:hlinkClick r:id="rId3"/>
+              </a:rPr>
+              <a:t>https://m2msupport.net/m2msupport/how-mqtt-works/</a:t>
+            </a:r>
+            <a:endParaRPr lang="en-US" sz="2000" dirty="0"/>
+          </a:p>
+          <a:p>
+            <a:pPr marL="0" indent="0">
+              <a:buFont typeface="Wingdings" panose="05000000000000000000" pitchFamily="2" charset="2"/>
+              <a:buNone/>
+              <a:defRPr/>
+            </a:pPr>
+            <a:endParaRPr lang="en-US" sz="2000" dirty="0"/>
+          </a:p>
+          <a:p>
+            <a:pPr marL="0" indent="0">
+              <a:buFont typeface="Wingdings" panose="05000000000000000000" pitchFamily="2" charset="2"/>
+              <a:buNone/>
+              <a:defRPr/>
+            </a:pPr>
+            <a:r>
+              <a:rPr lang="en-US" sz="2000" dirty="0"/>
+              <a:t>3. </a:t>
+            </a:r>
+            <a:r>
+              <a:rPr lang="en-US" sz="2000" b="1" dirty="0"/>
+              <a:t>SLIP Protocol</a:t>
+            </a:r>
+          </a:p>
+          <a:p>
+            <a:pPr marL="0" indent="0">
+              <a:buFont typeface="Wingdings" panose="05000000000000000000" pitchFamily="2" charset="2"/>
+              <a:buNone/>
+              <a:defRPr/>
+            </a:pPr>
+            <a:r>
+              <a:rPr lang="en-US" sz="2000" dirty="0">
+                <a:hlinkClick r:id="rId4"/>
+              </a:rPr>
+              <a:t>http://www.tcpipguide.com/free/t_SerialLineInternetProtocolSLIP-2.htm</a:t>
+            </a:r>
+            <a:endParaRPr lang="en-US" sz="2000" dirty="0"/>
+          </a:p>
+          <a:p>
+            <a:pPr marL="0" indent="0">
+              <a:buFont typeface="Wingdings" panose="05000000000000000000" pitchFamily="2" charset="2"/>
+              <a:buNone/>
+              <a:defRPr/>
+            </a:pPr>
+            <a:endParaRPr lang="en-US" sz="2000" dirty="0"/>
+          </a:p>
+          <a:p>
+            <a:pPr>
+              <a:buNone/>
+            </a:pPr>
+            <a:endParaRPr lang="en-US" altLang="en-US" sz="2000" i="1" dirty="0"/>
+          </a:p>
+        </p:txBody>
+      </p:sp>
+    </p:spTree>
+    <p:extLst>
+      <p:ext uri="{BB962C8B-B14F-4D97-AF65-F5344CB8AC3E}">
+        <p14:creationId xmlns:p14="http://schemas.microsoft.com/office/powerpoint/2010/main" val="2526117137"/>
+      </p:ext>
+    </p:extLst>
+  </p:cSld>
+  <p:clrMapOvr>
+    <a:masterClrMapping/>
+  </p:clrMapOvr>
+</p:sld>
+</file>
+
+<file path=ppt/slides/slide22.xml><?xml version="1.0" encoding="utf-8"?>
+<p:sld xmlns:a="http://schemas.openxmlformats.org/drawingml/2006/main" xmlns:r="http://schemas.openxmlformats.org/officeDocument/2006/relationships" xmlns:p="http://schemas.openxmlformats.org/presentationml/2006/main">
+  <p:cSld>
+    <p:spTree>
+      <p:nvGrpSpPr>
+        <p:cNvPr id="1" name=""/>
+        <p:cNvGrpSpPr/>
+        <p:nvPr/>
+      </p:nvGrpSpPr>
+      <p:grpSpPr>
+        <a:xfrm>
+          <a:off x="0" y="0"/>
+          <a:ext cx="0" cy="0"/>
+          <a:chOff x="0" y="0"/>
+          <a:chExt cx="0" cy="0"/>
+        </a:xfrm>
+      </p:grpSpPr>
+      <p:sp>
+        <p:nvSpPr>
+          <p:cNvPr id="2" name="Title 1">
+            <a:extLst>
+              <a:ext uri="{FF2B5EF4-FFF2-40B4-BE49-F238E27FC236}">
+                <a16:creationId xmlns:a16="http://schemas.microsoft.com/office/drawing/2014/main" id="{78FF4A92-127C-425A-892F-2C2C673D4301}"/>
+              </a:ext>
+            </a:extLst>
+          </p:cNvPr>
+          <p:cNvSpPr>
+            <a:spLocks noGrp="1"/>
+          </p:cNvSpPr>
+          <p:nvPr>
+            <p:ph type="title"/>
+          </p:nvPr>
+        </p:nvSpPr>
+        <p:spPr>
+          <a:xfrm>
+            <a:off x="685800" y="2895600"/>
+            <a:ext cx="7772400" cy="1362075"/>
+          </a:xfrm>
+        </p:spPr>
+        <p:txBody>
+          <a:bodyPr/>
+          <a:lstStyle/>
+          <a:p>
+            <a:pPr algn="ctr"/>
+            <a:r>
+              <a:rPr lang="en-US" dirty="0"/>
+              <a:t>THANK YOU!</a:t>
+            </a:r>
+          </a:p>
+        </p:txBody>
+      </p:sp>
+    </p:spTree>
+    <p:extLst>
+      <p:ext uri="{BB962C8B-B14F-4D97-AF65-F5344CB8AC3E}">
+        <p14:creationId xmlns:p14="http://schemas.microsoft.com/office/powerpoint/2010/main" val="1493630937"/>
       </p:ext>
     </p:extLst>
   </p:cSld>
@@ -11139,14 +11752,100 @@
         </p:blipFill>
         <p:spPr>
           <a:xfrm>
-            <a:off x="189282" y="1981200"/>
-            <a:ext cx="8765436" cy="4525992"/>
+            <a:off x="457200" y="1524000"/>
+            <a:ext cx="7964118" cy="4112235"/>
           </a:xfrm>
           <a:prstGeom prst="rect">
             <a:avLst/>
           </a:prstGeom>
         </p:spPr>
       </p:pic>
+      <p:sp>
+        <p:nvSpPr>
+          <p:cNvPr id="3" name="TextBox 2">
+            <a:extLst>
+              <a:ext uri="{FF2B5EF4-FFF2-40B4-BE49-F238E27FC236}">
+                <a16:creationId xmlns:a16="http://schemas.microsoft.com/office/drawing/2014/main" id="{0A542785-DA4F-44A5-BF94-6F8C96FF8CEE}"/>
+              </a:ext>
+            </a:extLst>
+          </p:cNvPr>
+          <p:cNvSpPr txBox="1"/>
+          <p:nvPr/>
+        </p:nvSpPr>
+        <p:spPr>
+          <a:xfrm>
+            <a:off x="609600" y="5636235"/>
+            <a:ext cx="8229600" cy="892552"/>
+          </a:xfrm>
+          <a:prstGeom prst="rect">
+            <a:avLst/>
+          </a:prstGeom>
+          <a:noFill/>
+        </p:spPr>
+        <p:txBody>
+          <a:bodyPr wrap="square" rtlCol="0">
+            <a:spAutoFit/>
+          </a:bodyPr>
+          <a:lstStyle/>
+          <a:p>
+            <a:pPr>
+              <a:buNone/>
+            </a:pPr>
+            <a:r>
+              <a:rPr lang="en-US" dirty="0"/>
+              <a:t>Note: </a:t>
+            </a:r>
+            <a:r>
+              <a:rPr lang="en-US" dirty="0" err="1"/>
+              <a:t>dùng</a:t>
+            </a:r>
+            <a:r>
+              <a:rPr lang="en-US" dirty="0"/>
+              <a:t> </a:t>
+            </a:r>
+            <a:r>
+              <a:rPr lang="en-US" dirty="0" err="1"/>
+              <a:t>riêng</a:t>
+            </a:r>
+            <a:r>
+              <a:rPr lang="en-US" dirty="0"/>
+              <a:t> dây </a:t>
+            </a:r>
+            <a:r>
+              <a:rPr lang="en-US" dirty="0" err="1"/>
+              <a:t>usb</a:t>
+            </a:r>
+            <a:r>
+              <a:rPr lang="en-US" dirty="0"/>
+              <a:t> cấp </a:t>
+            </a:r>
+            <a:r>
+              <a:rPr lang="en-US" dirty="0" err="1"/>
+              <a:t>nguồn</a:t>
+            </a:r>
+            <a:r>
+              <a:rPr lang="en-US" dirty="0"/>
+              <a:t> </a:t>
+            </a:r>
+            <a:r>
+              <a:rPr lang="en-US" dirty="0" err="1"/>
+              <a:t>cho</a:t>
+            </a:r>
+            <a:r>
+              <a:rPr lang="en-US" dirty="0"/>
+              <a:t> ESP + </a:t>
+            </a:r>
+            <a:r>
+              <a:rPr lang="en-US" dirty="0" err="1"/>
+              <a:t>nối</a:t>
+            </a:r>
+            <a:r>
+              <a:rPr lang="en-US" dirty="0"/>
+              <a:t> thêm dây bus GND)</a:t>
+            </a:r>
+          </a:p>
+        </p:txBody>
+      </p:sp>
     </p:spTree>
     <p:extLst>
       <p:ext uri="{BB962C8B-B14F-4D97-AF65-F5344CB8AC3E}">

--- a/training-docs/slides/STM32 ESP-LINK FIRMWARE TRAINING.pptx
+++ b/training-docs/slides/STM32 ESP-LINK FIRMWARE TRAINING.pptx
@@ -5,10 +5,10 @@
     <p:sldMasterId id="2147483652" r:id="rId1"/>
   </p:sldMasterIdLst>
   <p:notesMasterIdLst>
-    <p:notesMasterId r:id="rId24"/>
+    <p:notesMasterId r:id="rId28"/>
   </p:notesMasterIdLst>
   <p:handoutMasterIdLst>
-    <p:handoutMasterId r:id="rId25"/>
+    <p:handoutMasterId r:id="rId29"/>
   </p:handoutMasterIdLst>
   <p:sldIdLst>
     <p:sldId id="269" r:id="rId2"/>
@@ -23,16 +23,20 @@
     <p:sldId id="388" r:id="rId11"/>
     <p:sldId id="389" r:id="rId12"/>
     <p:sldId id="390" r:id="rId13"/>
-    <p:sldId id="392" r:id="rId14"/>
-    <p:sldId id="382" r:id="rId15"/>
-    <p:sldId id="384" r:id="rId16"/>
-    <p:sldId id="385" r:id="rId17"/>
-    <p:sldId id="394" r:id="rId18"/>
-    <p:sldId id="391" r:id="rId19"/>
-    <p:sldId id="395" r:id="rId20"/>
-    <p:sldId id="396" r:id="rId21"/>
-    <p:sldId id="287" r:id="rId22"/>
-    <p:sldId id="281" r:id="rId23"/>
+    <p:sldId id="397" r:id="rId14"/>
+    <p:sldId id="398" r:id="rId15"/>
+    <p:sldId id="399" r:id="rId16"/>
+    <p:sldId id="392" r:id="rId17"/>
+    <p:sldId id="382" r:id="rId18"/>
+    <p:sldId id="384" r:id="rId19"/>
+    <p:sldId id="385" r:id="rId20"/>
+    <p:sldId id="394" r:id="rId21"/>
+    <p:sldId id="391" r:id="rId22"/>
+    <p:sldId id="395" r:id="rId23"/>
+    <p:sldId id="396" r:id="rId24"/>
+    <p:sldId id="400" r:id="rId25"/>
+    <p:sldId id="287" r:id="rId26"/>
+    <p:sldId id="281" r:id="rId27"/>
   </p:sldIdLst>
   <p:sldSz cx="9144000" cy="6858000" type="screen4x3"/>
   <p:notesSz cx="7010400" cy="9296400"/>
@@ -3037,7 +3041,7 @@
             <a:fld id="{3259C393-9A2B-45A2-8E4E-FAFA5413C1FC}" type="datetime1">
               <a:rPr lang="en-US" altLang="en-US" smtClean="0"/>
               <a:pPr/>
-              <a:t>8/18/2021</a:t>
+              <a:t>8/25/2021</a:t>
             </a:fld>
             <a:endParaRPr lang="en-US" altLang="en-US" dirty="0"/>
           </a:p>
@@ -3224,7 +3228,7 @@
             <a:fld id="{12C67B00-BE02-4BB9-B9A5-D51D0D1A821E}" type="datetime1">
               <a:rPr lang="en-US" altLang="en-US" smtClean="0"/>
               <a:pPr/>
-              <a:t>8/18/2021</a:t>
+              <a:t>8/25/2021</a:t>
             </a:fld>
             <a:endParaRPr lang="en-US" altLang="en-US" dirty="0"/>
           </a:p>
@@ -3426,7 +3430,7 @@
             <a:fld id="{7FA2D16B-FB7D-484B-A659-F70C0EEA95A8}" type="datetime1">
               <a:rPr lang="en-US" altLang="en-US" smtClean="0"/>
               <a:pPr/>
-              <a:t>8/18/2021</a:t>
+              <a:t>8/25/2021</a:t>
             </a:fld>
             <a:endParaRPr lang="en-US" altLang="en-US" dirty="0"/>
           </a:p>
@@ -3618,7 +3622,7 @@
             <a:fld id="{53158947-7A00-4A76-84B1-1B2119E03B78}" type="datetime1">
               <a:rPr lang="en-US" altLang="en-US" smtClean="0"/>
               <a:pPr/>
-              <a:t>8/18/2021</a:t>
+              <a:t>8/25/2021</a:t>
             </a:fld>
             <a:endParaRPr lang="en-US" altLang="en-US" dirty="0"/>
           </a:p>
@@ -3826,7 +3830,7 @@
             <a:fld id="{ED91BFB3-8F1B-477F-B96F-8BA65B2D4AD3}" type="datetime1">
               <a:rPr lang="en-US" altLang="en-US" smtClean="0"/>
               <a:pPr/>
-              <a:t>8/18/2021</a:t>
+              <a:t>8/25/2021</a:t>
             </a:fld>
             <a:endParaRPr lang="en-US" altLang="en-US" dirty="0"/>
           </a:p>
@@ -4134,7 +4138,7 @@
             <a:fld id="{B493DC1E-4DED-43A8-89C3-4163E3A75CBB}" type="datetime1">
               <a:rPr lang="en-US" altLang="en-US" smtClean="0"/>
               <a:pPr/>
-              <a:t>8/18/2021</a:t>
+              <a:t>8/25/2021</a:t>
             </a:fld>
             <a:endParaRPr lang="en-US" altLang="en-US" dirty="0"/>
           </a:p>
@@ -4581,7 +4585,7 @@
             <a:fld id="{6676BA95-CF00-41A1-A420-966FC66619DA}" type="datetime1">
               <a:rPr lang="en-US" altLang="en-US" smtClean="0"/>
               <a:pPr/>
-              <a:t>8/18/2021</a:t>
+              <a:t>8/25/2021</a:t>
             </a:fld>
             <a:endParaRPr lang="en-US" altLang="en-US" dirty="0"/>
           </a:p>
@@ -4715,7 +4719,7 @@
             <a:fld id="{D0CD8A93-8C14-4267-B95F-FE4BE0AB69DE}" type="datetime1">
               <a:rPr lang="en-US" altLang="en-US" smtClean="0"/>
               <a:pPr/>
-              <a:t>8/18/2021</a:t>
+              <a:t>8/25/2021</a:t>
             </a:fld>
             <a:endParaRPr lang="en-US" altLang="en-US" dirty="0"/>
           </a:p>
@@ -4827,7 +4831,7 @@
             <a:fld id="{2E05897D-7D60-41CE-AECE-5AF4DAA0D447}" type="datetime1">
               <a:rPr lang="en-US" altLang="en-US" smtClean="0"/>
               <a:pPr/>
-              <a:t>8/18/2021</a:t>
+              <a:t>8/25/2021</a:t>
             </a:fld>
             <a:endParaRPr lang="en-US" altLang="en-US" dirty="0"/>
           </a:p>
@@ -5122,7 +5126,7 @@
             <a:fld id="{11919950-C514-47F9-AEFE-38055CCEE8E4}" type="datetime1">
               <a:rPr lang="en-US" altLang="en-US" smtClean="0"/>
               <a:pPr/>
-              <a:t>8/18/2021</a:t>
+              <a:t>8/25/2021</a:t>
             </a:fld>
             <a:endParaRPr lang="en-US" altLang="en-US" dirty="0"/>
           </a:p>
@@ -5395,7 +5399,7 @@
             <a:fld id="{686D2572-3AEE-4103-AD61-E3B66B0BAB81}" type="datetime1">
               <a:rPr lang="en-US" altLang="en-US" smtClean="0"/>
               <a:pPr/>
-              <a:t>8/18/2021</a:t>
+              <a:t>8/25/2021</a:t>
             </a:fld>
             <a:endParaRPr lang="en-US" altLang="en-US" dirty="0"/>
           </a:p>
@@ -7444,7 +7448,7 @@
             <a:fld id="{375B0982-7648-47FF-97D6-16483483F3D5}" type="datetime1">
               <a:rPr lang="en-US" altLang="en-US" smtClean="0"/>
               <a:pPr/>
-              <a:t>8/18/2021</a:t>
+              <a:t>8/25/2021</a:t>
             </a:fld>
             <a:endParaRPr lang="en-US" altLang="en-US" dirty="0"/>
           </a:p>
@@ -8839,6 +8843,402 @@
           <p:cNvPr id="2" name="Title 1">
             <a:extLst>
               <a:ext uri="{FF2B5EF4-FFF2-40B4-BE49-F238E27FC236}">
+                <a16:creationId xmlns:a16="http://schemas.microsoft.com/office/drawing/2014/main" id="{316AD733-862B-4AFF-9EF0-101A26D13315}"/>
+              </a:ext>
+            </a:extLst>
+          </p:cNvPr>
+          <p:cNvSpPr>
+            <a:spLocks noGrp="1"/>
+          </p:cNvSpPr>
+          <p:nvPr>
+            <p:ph type="title"/>
+          </p:nvPr>
+        </p:nvSpPr>
+        <p:spPr/>
+        <p:txBody>
+          <a:bodyPr/>
+          <a:lstStyle/>
+          <a:p>
+            <a:endParaRPr lang="en-US" dirty="0"/>
+          </a:p>
+        </p:txBody>
+      </p:sp>
+      <p:sp>
+        <p:nvSpPr>
+          <p:cNvPr id="3" name="Content Placeholder 2">
+            <a:extLst>
+              <a:ext uri="{FF2B5EF4-FFF2-40B4-BE49-F238E27FC236}">
+                <a16:creationId xmlns:a16="http://schemas.microsoft.com/office/drawing/2014/main" id="{131CA1FA-3F87-47B6-B5CB-B940B5B39A7D}"/>
+              </a:ext>
+            </a:extLst>
+          </p:cNvPr>
+          <p:cNvSpPr>
+            <a:spLocks noGrp="1"/>
+          </p:cNvSpPr>
+          <p:nvPr>
+            <p:ph idx="1"/>
+          </p:nvPr>
+        </p:nvSpPr>
+        <p:spPr/>
+        <p:txBody>
+          <a:bodyPr/>
+          <a:lstStyle/>
+          <a:p>
+            <a:r>
+              <a:rPr lang="en-US" dirty="0"/>
+              <a:t>Tool:</a:t>
+            </a:r>
+          </a:p>
+          <a:p>
+            <a:pPr marL="502920" indent="-457200">
+              <a:buFont typeface="Arial" panose="020B0604020202020204" pitchFamily="34" charset="0"/>
+              <a:buChar char="•"/>
+            </a:pPr>
+            <a:r>
+              <a:rPr lang="en-US" dirty="0"/>
+              <a:t>MQTT Box</a:t>
+            </a:r>
+          </a:p>
+          <a:p>
+            <a:pPr marL="502920" indent="-457200">
+              <a:buFont typeface="Arial" panose="020B0604020202020204" pitchFamily="34" charset="0"/>
+              <a:buChar char="•"/>
+            </a:pPr>
+            <a:r>
+              <a:rPr lang="en-US" dirty="0" err="1"/>
+              <a:t>MQTT.fx</a:t>
+            </a:r>
+            <a:endParaRPr lang="en-US" dirty="0"/>
+          </a:p>
+          <a:p>
+            <a:r>
+              <a:rPr lang="en-US" dirty="0"/>
+              <a:t>Terminal:</a:t>
+            </a:r>
+          </a:p>
+          <a:p>
+            <a:pPr marL="502920" indent="-457200">
+              <a:buFont typeface="Arial" panose="020B0604020202020204" pitchFamily="34" charset="0"/>
+              <a:buChar char="•"/>
+            </a:pPr>
+            <a:r>
+              <a:rPr lang="en-US" dirty="0" err="1"/>
+              <a:t>MobaXTerm</a:t>
+            </a:r>
+            <a:endParaRPr lang="en-US" dirty="0"/>
+          </a:p>
+          <a:p>
+            <a:pPr marL="502920" indent="-457200">
+              <a:buFont typeface="Arial" panose="020B0604020202020204" pitchFamily="34" charset="0"/>
+              <a:buChar char="•"/>
+            </a:pPr>
+            <a:r>
+              <a:rPr lang="en-US" dirty="0"/>
+              <a:t>H-Term</a:t>
+            </a:r>
+          </a:p>
+          <a:p>
+            <a:pPr marL="502920" indent="-457200">
+              <a:buFont typeface="Arial" panose="020B0604020202020204" pitchFamily="34" charset="0"/>
+              <a:buChar char="•"/>
+            </a:pPr>
+            <a:r>
+              <a:rPr lang="en-US" dirty="0" err="1"/>
+              <a:t>Hercule</a:t>
+            </a:r>
+            <a:endParaRPr lang="en-US" dirty="0"/>
+          </a:p>
+        </p:txBody>
+      </p:sp>
+    </p:spTree>
+    <p:extLst>
+      <p:ext uri="{BB962C8B-B14F-4D97-AF65-F5344CB8AC3E}">
+        <p14:creationId xmlns:p14="http://schemas.microsoft.com/office/powerpoint/2010/main" val="2139742312"/>
+      </p:ext>
+    </p:extLst>
+  </p:cSld>
+  <p:clrMapOvr>
+    <a:masterClrMapping/>
+  </p:clrMapOvr>
+</p:sld>
+</file>
+
+<file path=ppt/slides/slide14.xml><?xml version="1.0" encoding="utf-8"?>
+<p:sld xmlns:a="http://schemas.openxmlformats.org/drawingml/2006/main" xmlns:r="http://schemas.openxmlformats.org/officeDocument/2006/relationships" xmlns:p="http://schemas.openxmlformats.org/presentationml/2006/main">
+  <p:cSld>
+    <p:spTree>
+      <p:nvGrpSpPr>
+        <p:cNvPr id="1" name=""/>
+        <p:cNvGrpSpPr/>
+        <p:nvPr/>
+      </p:nvGrpSpPr>
+      <p:grpSpPr>
+        <a:xfrm>
+          <a:off x="0" y="0"/>
+          <a:ext cx="0" cy="0"/>
+          <a:chOff x="0" y="0"/>
+          <a:chExt cx="0" cy="0"/>
+        </a:xfrm>
+      </p:grpSpPr>
+      <p:sp>
+        <p:nvSpPr>
+          <p:cNvPr id="2" name="Title 1">
+            <a:extLst>
+              <a:ext uri="{FF2B5EF4-FFF2-40B4-BE49-F238E27FC236}">
+                <a16:creationId xmlns:a16="http://schemas.microsoft.com/office/drawing/2014/main" id="{BD600B59-97F5-47BD-B1B3-9E8B94D563C2}"/>
+              </a:ext>
+            </a:extLst>
+          </p:cNvPr>
+          <p:cNvSpPr>
+            <a:spLocks noGrp="1"/>
+          </p:cNvSpPr>
+          <p:nvPr>
+            <p:ph type="title"/>
+          </p:nvPr>
+        </p:nvSpPr>
+        <p:spPr/>
+        <p:txBody>
+          <a:bodyPr/>
+          <a:lstStyle/>
+          <a:p>
+            <a:r>
+              <a:rPr lang="en-US" dirty="0" err="1"/>
+              <a:t>WiFi</a:t>
+            </a:r>
+            <a:r>
+              <a:rPr lang="en-US" dirty="0"/>
+              <a:t> Module (SoC = MCU + </a:t>
+            </a:r>
+            <a:r>
+              <a:rPr lang="en-US" dirty="0" err="1"/>
+              <a:t>WiFi</a:t>
+            </a:r>
+            <a:r>
+              <a:rPr lang="en-US" dirty="0"/>
+              <a:t>)</a:t>
+            </a:r>
+          </a:p>
+        </p:txBody>
+      </p:sp>
+      <p:sp>
+        <p:nvSpPr>
+          <p:cNvPr id="3" name="Content Placeholder 2">
+            <a:extLst>
+              <a:ext uri="{FF2B5EF4-FFF2-40B4-BE49-F238E27FC236}">
+                <a16:creationId xmlns:a16="http://schemas.microsoft.com/office/drawing/2014/main" id="{D5A92064-4999-4587-8665-50FB763B9F64}"/>
+              </a:ext>
+            </a:extLst>
+          </p:cNvPr>
+          <p:cNvSpPr>
+            <a:spLocks noGrp="1"/>
+          </p:cNvSpPr>
+          <p:nvPr>
+            <p:ph idx="1"/>
+          </p:nvPr>
+        </p:nvSpPr>
+        <p:spPr/>
+        <p:txBody>
+          <a:bodyPr/>
+          <a:lstStyle/>
+          <a:p>
+            <a:pPr marL="502920" indent="-457200">
+              <a:buFont typeface="Arial" panose="020B0604020202020204" pitchFamily="34" charset="0"/>
+              <a:buChar char="•"/>
+            </a:pPr>
+            <a:r>
+              <a:rPr lang="en-US" dirty="0"/>
+              <a:t>ESP32</a:t>
+            </a:r>
+          </a:p>
+          <a:p>
+            <a:pPr marL="502920" indent="-457200">
+              <a:buFont typeface="Arial" panose="020B0604020202020204" pitchFamily="34" charset="0"/>
+              <a:buChar char="•"/>
+            </a:pPr>
+            <a:r>
+              <a:rPr lang="en-US" dirty="0">
+                <a:solidFill>
+                  <a:srgbClr val="FF0000"/>
+                </a:solidFill>
+              </a:rPr>
+              <a:t>Murata</a:t>
+            </a:r>
+          </a:p>
+          <a:p>
+            <a:pPr marL="502920" indent="-457200">
+              <a:buFont typeface="Arial" panose="020B0604020202020204" pitchFamily="34" charset="0"/>
+              <a:buChar char="•"/>
+            </a:pPr>
+            <a:r>
+              <a:rPr lang="en-US" dirty="0"/>
+              <a:t>Microchip</a:t>
+            </a:r>
+          </a:p>
+          <a:p>
+            <a:pPr marL="502920" indent="-457200">
+              <a:buFont typeface="Arial" panose="020B0604020202020204" pitchFamily="34" charset="0"/>
+              <a:buChar char="•"/>
+            </a:pPr>
+            <a:r>
+              <a:rPr lang="en-US" dirty="0"/>
+              <a:t>China: </a:t>
+            </a:r>
+            <a:r>
+              <a:rPr lang="en-US" dirty="0" err="1"/>
+              <a:t>asiancom</a:t>
+            </a:r>
+            <a:endParaRPr lang="en-US" dirty="0"/>
+          </a:p>
+        </p:txBody>
+      </p:sp>
+    </p:spTree>
+    <p:extLst>
+      <p:ext uri="{BB962C8B-B14F-4D97-AF65-F5344CB8AC3E}">
+        <p14:creationId xmlns:p14="http://schemas.microsoft.com/office/powerpoint/2010/main" val="3460384158"/>
+      </p:ext>
+    </p:extLst>
+  </p:cSld>
+  <p:clrMapOvr>
+    <a:masterClrMapping/>
+  </p:clrMapOvr>
+</p:sld>
+</file>
+
+<file path=ppt/slides/slide15.xml><?xml version="1.0" encoding="utf-8"?>
+<p:sld xmlns:a="http://schemas.openxmlformats.org/drawingml/2006/main" xmlns:r="http://schemas.openxmlformats.org/officeDocument/2006/relationships" xmlns:p="http://schemas.openxmlformats.org/presentationml/2006/main">
+  <p:cSld>
+    <p:spTree>
+      <p:nvGrpSpPr>
+        <p:cNvPr id="1" name=""/>
+        <p:cNvGrpSpPr/>
+        <p:nvPr/>
+      </p:nvGrpSpPr>
+      <p:grpSpPr>
+        <a:xfrm>
+          <a:off x="0" y="0"/>
+          <a:ext cx="0" cy="0"/>
+          <a:chOff x="0" y="0"/>
+          <a:chExt cx="0" cy="0"/>
+        </a:xfrm>
+      </p:grpSpPr>
+      <p:sp>
+        <p:nvSpPr>
+          <p:cNvPr id="2" name="Title 1">
+            <a:extLst>
+              <a:ext uri="{FF2B5EF4-FFF2-40B4-BE49-F238E27FC236}">
+                <a16:creationId xmlns:a16="http://schemas.microsoft.com/office/drawing/2014/main" id="{6DBEDA3E-70C8-48CF-9390-CC9CEF805FF8}"/>
+              </a:ext>
+            </a:extLst>
+          </p:cNvPr>
+          <p:cNvSpPr>
+            <a:spLocks noGrp="1"/>
+          </p:cNvSpPr>
+          <p:nvPr>
+            <p:ph type="title"/>
+          </p:nvPr>
+        </p:nvSpPr>
+        <p:spPr/>
+        <p:txBody>
+          <a:bodyPr/>
+          <a:lstStyle/>
+          <a:p>
+            <a:r>
+              <a:rPr lang="en-US" dirty="0"/>
+              <a:t>RTOS</a:t>
+            </a:r>
+          </a:p>
+        </p:txBody>
+      </p:sp>
+      <p:sp>
+        <p:nvSpPr>
+          <p:cNvPr id="3" name="Content Placeholder 2">
+            <a:extLst>
+              <a:ext uri="{FF2B5EF4-FFF2-40B4-BE49-F238E27FC236}">
+                <a16:creationId xmlns:a16="http://schemas.microsoft.com/office/drawing/2014/main" id="{DA6B63E9-A062-4AEF-A204-0A7924325192}"/>
+              </a:ext>
+            </a:extLst>
+          </p:cNvPr>
+          <p:cNvSpPr>
+            <a:spLocks noGrp="1"/>
+          </p:cNvSpPr>
+          <p:nvPr>
+            <p:ph idx="1"/>
+          </p:nvPr>
+        </p:nvSpPr>
+        <p:spPr>
+          <a:xfrm>
+            <a:off x="685800" y="1676400"/>
+            <a:ext cx="7391400" cy="4411663"/>
+          </a:xfrm>
+        </p:spPr>
+        <p:txBody>
+          <a:bodyPr/>
+          <a:lstStyle/>
+          <a:p>
+            <a:r>
+              <a:rPr lang="en-US" dirty="0"/>
+              <a:t>MAC = Physical</a:t>
+            </a:r>
+          </a:p>
+          <a:p>
+            <a:r>
+              <a:rPr lang="en-US" dirty="0"/>
+              <a:t>LWIP = Middleware</a:t>
+            </a:r>
+          </a:p>
+          <a:p>
+            <a:r>
+              <a:rPr lang="en-US" dirty="0" err="1"/>
+              <a:t>FreeRTOS</a:t>
+            </a:r>
+            <a:endParaRPr lang="en-US" dirty="0"/>
+          </a:p>
+          <a:p>
+            <a:r>
+              <a:rPr lang="en-US" dirty="0"/>
+              <a:t>RT-Thread</a:t>
+            </a:r>
+          </a:p>
+          <a:p>
+            <a:endParaRPr lang="en-US" dirty="0"/>
+          </a:p>
+        </p:txBody>
+      </p:sp>
+    </p:spTree>
+    <p:extLst>
+      <p:ext uri="{BB962C8B-B14F-4D97-AF65-F5344CB8AC3E}">
+        <p14:creationId xmlns:p14="http://schemas.microsoft.com/office/powerpoint/2010/main" val="288943329"/>
+      </p:ext>
+    </p:extLst>
+  </p:cSld>
+  <p:clrMapOvr>
+    <a:masterClrMapping/>
+  </p:clrMapOvr>
+</p:sld>
+</file>
+
+<file path=ppt/slides/slide16.xml><?xml version="1.0" encoding="utf-8"?>
+<p:sld xmlns:a="http://schemas.openxmlformats.org/drawingml/2006/main" xmlns:r="http://schemas.openxmlformats.org/officeDocument/2006/relationships" xmlns:p="http://schemas.openxmlformats.org/presentationml/2006/main">
+  <p:cSld>
+    <p:spTree>
+      <p:nvGrpSpPr>
+        <p:cNvPr id="1" name=""/>
+        <p:cNvGrpSpPr/>
+        <p:nvPr/>
+      </p:nvGrpSpPr>
+      <p:grpSpPr>
+        <a:xfrm>
+          <a:off x="0" y="0"/>
+          <a:ext cx="0" cy="0"/>
+          <a:chOff x="0" y="0"/>
+          <a:chExt cx="0" cy="0"/>
+        </a:xfrm>
+      </p:grpSpPr>
+      <p:sp>
+        <p:nvSpPr>
+          <p:cNvPr id="2" name="Title 1">
+            <a:extLst>
+              <a:ext uri="{FF2B5EF4-FFF2-40B4-BE49-F238E27FC236}">
                 <a16:creationId xmlns:a16="http://schemas.microsoft.com/office/drawing/2014/main" id="{FFC6D272-7560-4187-BF25-AC5D69D461E2}"/>
               </a:ext>
             </a:extLst>
@@ -9181,7 +9581,7 @@
 </p:sld>
 </file>
 
-<file path=ppt/slides/slide14.xml><?xml version="1.0" encoding="utf-8"?>
+<file path=ppt/slides/slide17.xml><?xml version="1.0" encoding="utf-8"?>
 <p:sld xmlns:a="http://schemas.openxmlformats.org/drawingml/2006/main" xmlns:r="http://schemas.openxmlformats.org/officeDocument/2006/relationships" xmlns:p="http://schemas.openxmlformats.org/presentationml/2006/main">
   <p:cSld>
     <p:spTree>
@@ -9495,7 +9895,7 @@
 </p:sld>
 </file>
 
-<file path=ppt/slides/slide15.xml><?xml version="1.0" encoding="utf-8"?>
+<file path=ppt/slides/slide18.xml><?xml version="1.0" encoding="utf-8"?>
 <p:sld xmlns:a="http://schemas.openxmlformats.org/drawingml/2006/main" xmlns:r="http://schemas.openxmlformats.org/officeDocument/2006/relationships" xmlns:p="http://schemas.openxmlformats.org/presentationml/2006/main">
   <p:cSld>
     <p:spTree>
@@ -9761,7 +10161,7 @@
 </p:sld>
 </file>
 
-<file path=ppt/slides/slide16.xml><?xml version="1.0" encoding="utf-8"?>
+<file path=ppt/slides/slide19.xml><?xml version="1.0" encoding="utf-8"?>
 <p:sld xmlns:a="http://schemas.openxmlformats.org/drawingml/2006/main" xmlns:r="http://schemas.openxmlformats.org/officeDocument/2006/relationships" xmlns:p="http://schemas.openxmlformats.org/presentationml/2006/main">
   <p:cSld>
     <p:spTree>
@@ -10046,7 +10446,150 @@
 </p:sld>
 </file>
 
-<file path=ppt/slides/slide17.xml><?xml version="1.0" encoding="utf-8"?>
+<file path=ppt/slides/slide2.xml><?xml version="1.0" encoding="utf-8"?>
+<p:sld xmlns:a="http://schemas.openxmlformats.org/drawingml/2006/main" xmlns:r="http://schemas.openxmlformats.org/officeDocument/2006/relationships" xmlns:p="http://schemas.openxmlformats.org/presentationml/2006/main">
+  <p:cSld>
+    <p:spTree>
+      <p:nvGrpSpPr>
+        <p:cNvPr id="1" name=""/>
+        <p:cNvGrpSpPr/>
+        <p:nvPr/>
+      </p:nvGrpSpPr>
+      <p:grpSpPr>
+        <a:xfrm>
+          <a:off x="0" y="0"/>
+          <a:ext cx="0" cy="0"/>
+          <a:chOff x="0" y="0"/>
+          <a:chExt cx="0" cy="0"/>
+        </a:xfrm>
+      </p:grpSpPr>
+      <p:sp>
+        <p:nvSpPr>
+          <p:cNvPr id="2" name="Title 1">
+            <a:extLst>
+              <a:ext uri="{FF2B5EF4-FFF2-40B4-BE49-F238E27FC236}">
+                <a16:creationId xmlns:a16="http://schemas.microsoft.com/office/drawing/2014/main" id="{1EE2B656-4656-4646-A221-7C30814F2E69}"/>
+              </a:ext>
+            </a:extLst>
+          </p:cNvPr>
+          <p:cNvSpPr>
+            <a:spLocks noGrp="1"/>
+          </p:cNvSpPr>
+          <p:nvPr>
+            <p:ph type="title"/>
+          </p:nvPr>
+        </p:nvSpPr>
+        <p:spPr/>
+        <p:txBody>
+          <a:bodyPr/>
+          <a:lstStyle/>
+          <a:p>
+            <a:r>
+              <a:rPr lang="en-US" dirty="0"/>
+              <a:t>Giới thiệu</a:t>
+            </a:r>
+          </a:p>
+        </p:txBody>
+      </p:sp>
+      <p:sp>
+        <p:nvSpPr>
+          <p:cNvPr id="3" name="Content Placeholder 2">
+            <a:extLst>
+              <a:ext uri="{FF2B5EF4-FFF2-40B4-BE49-F238E27FC236}">
+                <a16:creationId xmlns:a16="http://schemas.microsoft.com/office/drawing/2014/main" id="{F6DABF9E-9B82-4C13-8452-952BD74F6DC7}"/>
+              </a:ext>
+            </a:extLst>
+          </p:cNvPr>
+          <p:cNvSpPr>
+            <a:spLocks noGrp="1"/>
+          </p:cNvSpPr>
+          <p:nvPr>
+            <p:ph idx="1"/>
+          </p:nvPr>
+        </p:nvSpPr>
+        <p:spPr>
+          <a:xfrm>
+            <a:off x="566530" y="1676400"/>
+            <a:ext cx="7391400" cy="4259263"/>
+          </a:xfrm>
+        </p:spPr>
+        <p:txBody>
+          <a:bodyPr/>
+          <a:lstStyle/>
+          <a:p>
+            <a:pPr marL="502920" indent="-457200">
+              <a:buFont typeface="Arial" panose="020B0604020202020204" pitchFamily="34" charset="0"/>
+              <a:buChar char="•"/>
+            </a:pPr>
+            <a:r>
+              <a:rPr lang="en-US" dirty="0"/>
+              <a:t>MQTT Protocol Stack</a:t>
+            </a:r>
+          </a:p>
+          <a:p>
+            <a:pPr marL="502920" indent="-457200">
+              <a:buFont typeface="Arial" panose="020B0604020202020204" pitchFamily="34" charset="0"/>
+              <a:buChar char="•"/>
+            </a:pPr>
+            <a:r>
+              <a:rPr lang="en-US" dirty="0"/>
+              <a:t>ESP-LINK Integration</a:t>
+            </a:r>
+          </a:p>
+          <a:p>
+            <a:pPr marL="502920" indent="-457200">
+              <a:buFont typeface="Arial" panose="020B0604020202020204" pitchFamily="34" charset="0"/>
+              <a:buChar char="•"/>
+            </a:pPr>
+            <a:r>
+              <a:rPr lang="en-US" dirty="0"/>
+              <a:t>Setup </a:t>
+            </a:r>
+            <a:r>
+              <a:rPr lang="en-US" dirty="0" err="1"/>
+              <a:t>Mosquitto</a:t>
+            </a:r>
+            <a:r>
+              <a:rPr lang="en-US" dirty="0"/>
+              <a:t> Broker</a:t>
+            </a:r>
+          </a:p>
+          <a:p>
+            <a:pPr marL="502920" indent="-457200">
+              <a:buFont typeface="Arial" panose="020B0604020202020204" pitchFamily="34" charset="0"/>
+              <a:buChar char="•"/>
+            </a:pPr>
+            <a:r>
+              <a:rPr lang="en-US" dirty="0"/>
+              <a:t>Setup MQTT Client Box</a:t>
+            </a:r>
+          </a:p>
+          <a:p>
+            <a:pPr marL="502920" indent="-457200">
+              <a:buFont typeface="Arial" panose="020B0604020202020204" pitchFamily="34" charset="0"/>
+              <a:buChar char="•"/>
+            </a:pPr>
+            <a:r>
+              <a:rPr lang="en-US" dirty="0"/>
+              <a:t>SLIP Protocol</a:t>
+            </a:r>
+          </a:p>
+        </p:txBody>
+      </p:sp>
+    </p:spTree>
+    <p:extLst>
+      <p:ext uri="{BB962C8B-B14F-4D97-AF65-F5344CB8AC3E}">
+        <p14:creationId xmlns:p14="http://schemas.microsoft.com/office/powerpoint/2010/main" val="3190566040"/>
+      </p:ext>
+    </p:extLst>
+  </p:cSld>
+  <p:clrMapOvr>
+    <a:masterClrMapping/>
+  </p:clrMapOvr>
+</p:sld>
+</file>
+
+<file path=ppt/slides/slide20.xml><?xml version="1.0" encoding="utf-8"?>
 <p:sld xmlns:a="http://schemas.openxmlformats.org/drawingml/2006/main" xmlns:r="http://schemas.openxmlformats.org/officeDocument/2006/relationships" xmlns:p="http://schemas.openxmlformats.org/presentationml/2006/main">
   <p:cSld>
     <p:spTree>
@@ -10280,7 +10823,7 @@
 </p:sld>
 </file>
 
-<file path=ppt/slides/slide18.xml><?xml version="1.0" encoding="utf-8"?>
+<file path=ppt/slides/slide21.xml><?xml version="1.0" encoding="utf-8"?>
 <p:sld xmlns:a="http://schemas.openxmlformats.org/drawingml/2006/main" xmlns:r="http://schemas.openxmlformats.org/officeDocument/2006/relationships" xmlns:p="http://schemas.openxmlformats.org/presentationml/2006/main">
   <p:cSld>
     <p:spTree>
@@ -10367,7 +10910,7 @@
 </p:sld>
 </file>
 
-<file path=ppt/slides/slide19.xml><?xml version="1.0" encoding="utf-8"?>
+<file path=ppt/slides/slide22.xml><?xml version="1.0" encoding="utf-8"?>
 <p:sld xmlns:a="http://schemas.openxmlformats.org/drawingml/2006/main" xmlns:r="http://schemas.openxmlformats.org/officeDocument/2006/relationships" xmlns:p="http://schemas.openxmlformats.org/presentationml/2006/main">
   <p:cSld>
     <p:spTree>
@@ -10455,8 +10998,8 @@
         </p:nvSpPr>
         <p:spPr>
           <a:xfrm>
-            <a:off x="533400" y="3429000"/>
-            <a:ext cx="7391400" cy="2893100"/>
+            <a:off x="533400" y="3239349"/>
+            <a:ext cx="7391400" cy="3773341"/>
           </a:xfrm>
           <a:prstGeom prst="rect">
             <a:avLst/>
@@ -10477,19 +11020,36 @@
           <a:p>
             <a:r>
               <a:rPr lang="en-US" dirty="0"/>
-              <a:t> CMD = Command ID</a:t>
+              <a:t> CMD = Command ID – 2 bytes</a:t>
             </a:r>
           </a:p>
           <a:p>
             <a:r>
               <a:rPr lang="en-US" dirty="0"/>
-              <a:t> Value = Depend on CMD (Callback Address)</a:t>
+              <a:t> Value = Depend on CMD (Callback Address) – 4 bytes</a:t>
             </a:r>
           </a:p>
           <a:p>
             <a:r>
               <a:rPr lang="en-US" dirty="0"/>
-              <a:t>  ARGC = Argument Count </a:t>
+              <a:t>  ARGC = Argument Count – 2 bytes</a:t>
+            </a:r>
+          </a:p>
+          <a:p>
+            <a:pPr>
+              <a:buNone/>
+            </a:pPr>
+            <a:r>
+              <a:rPr lang="en-US" dirty="0"/>
+              <a:t>=&gt; Header </a:t>
+            </a:r>
+            <a:r>
+              <a:rPr lang="en-US" dirty="0" err="1"/>
+              <a:t>len</a:t>
+            </a:r>
+            <a:r>
+              <a:rPr lang="en-US" dirty="0"/>
+              <a:t> = 8 bytes</a:t>
             </a:r>
           </a:p>
           <a:p>
@@ -10516,150 +11076,7 @@
 </p:sld>
 </file>
 
-<file path=ppt/slides/slide2.xml><?xml version="1.0" encoding="utf-8"?>
-<p:sld xmlns:a="http://schemas.openxmlformats.org/drawingml/2006/main" xmlns:r="http://schemas.openxmlformats.org/officeDocument/2006/relationships" xmlns:p="http://schemas.openxmlformats.org/presentationml/2006/main">
-  <p:cSld>
-    <p:spTree>
-      <p:nvGrpSpPr>
-        <p:cNvPr id="1" name=""/>
-        <p:cNvGrpSpPr/>
-        <p:nvPr/>
-      </p:nvGrpSpPr>
-      <p:grpSpPr>
-        <a:xfrm>
-          <a:off x="0" y="0"/>
-          <a:ext cx="0" cy="0"/>
-          <a:chOff x="0" y="0"/>
-          <a:chExt cx="0" cy="0"/>
-        </a:xfrm>
-      </p:grpSpPr>
-      <p:sp>
-        <p:nvSpPr>
-          <p:cNvPr id="2" name="Title 1">
-            <a:extLst>
-              <a:ext uri="{FF2B5EF4-FFF2-40B4-BE49-F238E27FC236}">
-                <a16:creationId xmlns:a16="http://schemas.microsoft.com/office/drawing/2014/main" id="{1EE2B656-4656-4646-A221-7C30814F2E69}"/>
-              </a:ext>
-            </a:extLst>
-          </p:cNvPr>
-          <p:cNvSpPr>
-            <a:spLocks noGrp="1"/>
-          </p:cNvSpPr>
-          <p:nvPr>
-            <p:ph type="title"/>
-          </p:nvPr>
-        </p:nvSpPr>
-        <p:spPr/>
-        <p:txBody>
-          <a:bodyPr/>
-          <a:lstStyle/>
-          <a:p>
-            <a:r>
-              <a:rPr lang="en-US" dirty="0"/>
-              <a:t>Giới thiệu</a:t>
-            </a:r>
-          </a:p>
-        </p:txBody>
-      </p:sp>
-      <p:sp>
-        <p:nvSpPr>
-          <p:cNvPr id="3" name="Content Placeholder 2">
-            <a:extLst>
-              <a:ext uri="{FF2B5EF4-FFF2-40B4-BE49-F238E27FC236}">
-                <a16:creationId xmlns:a16="http://schemas.microsoft.com/office/drawing/2014/main" id="{F6DABF9E-9B82-4C13-8452-952BD74F6DC7}"/>
-              </a:ext>
-            </a:extLst>
-          </p:cNvPr>
-          <p:cNvSpPr>
-            <a:spLocks noGrp="1"/>
-          </p:cNvSpPr>
-          <p:nvPr>
-            <p:ph idx="1"/>
-          </p:nvPr>
-        </p:nvSpPr>
-        <p:spPr>
-          <a:xfrm>
-            <a:off x="566530" y="1676400"/>
-            <a:ext cx="7391400" cy="4259263"/>
-          </a:xfrm>
-        </p:spPr>
-        <p:txBody>
-          <a:bodyPr/>
-          <a:lstStyle/>
-          <a:p>
-            <a:pPr marL="502920" indent="-457200">
-              <a:buFont typeface="Arial" panose="020B0604020202020204" pitchFamily="34" charset="0"/>
-              <a:buChar char="•"/>
-            </a:pPr>
-            <a:r>
-              <a:rPr lang="en-US" dirty="0"/>
-              <a:t>MQTT Protocol Stack</a:t>
-            </a:r>
-          </a:p>
-          <a:p>
-            <a:pPr marL="502920" indent="-457200">
-              <a:buFont typeface="Arial" panose="020B0604020202020204" pitchFamily="34" charset="0"/>
-              <a:buChar char="•"/>
-            </a:pPr>
-            <a:r>
-              <a:rPr lang="en-US" dirty="0"/>
-              <a:t>ESP-LINK Integration</a:t>
-            </a:r>
-          </a:p>
-          <a:p>
-            <a:pPr marL="502920" indent="-457200">
-              <a:buFont typeface="Arial" panose="020B0604020202020204" pitchFamily="34" charset="0"/>
-              <a:buChar char="•"/>
-            </a:pPr>
-            <a:r>
-              <a:rPr lang="en-US" dirty="0"/>
-              <a:t>Setup </a:t>
-            </a:r>
-            <a:r>
-              <a:rPr lang="en-US" dirty="0" err="1"/>
-              <a:t>Mosquitto</a:t>
-            </a:r>
-            <a:r>
-              <a:rPr lang="en-US" dirty="0"/>
-              <a:t> Broker</a:t>
-            </a:r>
-          </a:p>
-          <a:p>
-            <a:pPr marL="502920" indent="-457200">
-              <a:buFont typeface="Arial" panose="020B0604020202020204" pitchFamily="34" charset="0"/>
-              <a:buChar char="•"/>
-            </a:pPr>
-            <a:r>
-              <a:rPr lang="en-US" dirty="0"/>
-              <a:t>Setup MQTT Client Box</a:t>
-            </a:r>
-          </a:p>
-          <a:p>
-            <a:pPr marL="502920" indent="-457200">
-              <a:buFont typeface="Arial" panose="020B0604020202020204" pitchFamily="34" charset="0"/>
-              <a:buChar char="•"/>
-            </a:pPr>
-            <a:r>
-              <a:rPr lang="en-US" dirty="0"/>
-              <a:t>SLIP Protocol</a:t>
-            </a:r>
-          </a:p>
-        </p:txBody>
-      </p:sp>
-    </p:spTree>
-    <p:extLst>
-      <p:ext uri="{BB962C8B-B14F-4D97-AF65-F5344CB8AC3E}">
-        <p14:creationId xmlns:p14="http://schemas.microsoft.com/office/powerpoint/2010/main" val="3190566040"/>
-      </p:ext>
-    </p:extLst>
-  </p:cSld>
-  <p:clrMapOvr>
-    <a:masterClrMapping/>
-  </p:clrMapOvr>
-</p:sld>
-</file>
-
-<file path=ppt/slides/slide20.xml><?xml version="1.0" encoding="utf-8"?>
+<file path=ppt/slides/slide23.xml><?xml version="1.0" encoding="utf-8"?>
 <p:sld xmlns:a="http://schemas.openxmlformats.org/drawingml/2006/main" xmlns:r="http://schemas.openxmlformats.org/officeDocument/2006/relationships" xmlns:p="http://schemas.openxmlformats.org/presentationml/2006/main">
   <p:cSld>
     <p:spTree>
@@ -10815,7 +11232,611 @@
 </p:sld>
 </file>
 
-<file path=ppt/slides/slide21.xml><?xml version="1.0" encoding="utf-8"?>
+<file path=ppt/slides/slide24.xml><?xml version="1.0" encoding="utf-8"?>
+<p:sld xmlns:a="http://schemas.openxmlformats.org/drawingml/2006/main" xmlns:r="http://schemas.openxmlformats.org/officeDocument/2006/relationships" xmlns:p="http://schemas.openxmlformats.org/presentationml/2006/main">
+  <p:cSld>
+    <p:spTree>
+      <p:nvGrpSpPr>
+        <p:cNvPr id="1" name=""/>
+        <p:cNvGrpSpPr/>
+        <p:nvPr/>
+      </p:nvGrpSpPr>
+      <p:grpSpPr>
+        <a:xfrm>
+          <a:off x="0" y="0"/>
+          <a:ext cx="0" cy="0"/>
+          <a:chOff x="0" y="0"/>
+          <a:chExt cx="0" cy="0"/>
+        </a:xfrm>
+      </p:grpSpPr>
+      <p:sp>
+        <p:nvSpPr>
+          <p:cNvPr id="2" name="Title 1">
+            <a:extLst>
+              <a:ext uri="{FF2B5EF4-FFF2-40B4-BE49-F238E27FC236}">
+                <a16:creationId xmlns:a16="http://schemas.microsoft.com/office/drawing/2014/main" id="{34EAFBCD-6713-40AF-8F5D-45198A6349AA}"/>
+              </a:ext>
+            </a:extLst>
+          </p:cNvPr>
+          <p:cNvSpPr>
+            <a:spLocks noGrp="1"/>
+          </p:cNvSpPr>
+          <p:nvPr>
+            <p:ph type="title"/>
+          </p:nvPr>
+        </p:nvSpPr>
+        <p:spPr/>
+        <p:txBody>
+          <a:bodyPr/>
+          <a:lstStyle/>
+          <a:p>
+            <a:r>
+              <a:rPr lang="en-US" dirty="0"/>
+              <a:t>Argument Structure </a:t>
+            </a:r>
+          </a:p>
+        </p:txBody>
+      </p:sp>
+      <p:graphicFrame>
+        <p:nvGraphicFramePr>
+          <p:cNvPr id="4" name="Table 4">
+            <a:extLst>
+              <a:ext uri="{FF2B5EF4-FFF2-40B4-BE49-F238E27FC236}">
+                <a16:creationId xmlns:a16="http://schemas.microsoft.com/office/drawing/2014/main" id="{8F1785C9-D1D4-4D22-A4C1-B30BFA885363}"/>
+              </a:ext>
+            </a:extLst>
+          </p:cNvPr>
+          <p:cNvGraphicFramePr>
+            <a:graphicFrameLocks noGrp="1"/>
+          </p:cNvGraphicFramePr>
+          <p:nvPr>
+            <p:ph idx="1"/>
+            <p:extLst>
+              <p:ext uri="{D42A27DB-BD31-4B8C-83A1-F6EECF244321}">
+                <p14:modId xmlns:p14="http://schemas.microsoft.com/office/powerpoint/2010/main" val="2606023756"/>
+              </p:ext>
+            </p:extLst>
+          </p:nvPr>
+        </p:nvGraphicFramePr>
+        <p:xfrm>
+          <a:off x="7113225" y="2874284"/>
+          <a:ext cx="2038248" cy="685800"/>
+        </p:xfrm>
+        <a:graphic>
+          <a:graphicData uri="http://schemas.openxmlformats.org/drawingml/2006/table">
+            <a:tbl>
+              <a:tblPr firstRow="1" bandRow="1">
+                <a:tableStyleId>{5940675A-B579-460E-94D1-54222C63F5DA}</a:tableStyleId>
+              </a:tblPr>
+              <a:tblGrid>
+                <a:gridCol w="1019124">
+                  <a:extLst>
+                    <a:ext uri="{9D8B030D-6E8A-4147-A177-3AD203B41FA5}">
+                      <a16:colId xmlns:a16="http://schemas.microsoft.com/office/drawing/2014/main" val="2911414989"/>
+                    </a:ext>
+                  </a:extLst>
+                </a:gridCol>
+                <a:gridCol w="1019124">
+                  <a:extLst>
+                    <a:ext uri="{9D8B030D-6E8A-4147-A177-3AD203B41FA5}">
+                      <a16:colId xmlns:a16="http://schemas.microsoft.com/office/drawing/2014/main" val="1755761162"/>
+                    </a:ext>
+                  </a:extLst>
+                </a:gridCol>
+              </a:tblGrid>
+              <a:tr h="685800">
+                <a:tc>
+                  <a:txBody>
+                    <a:bodyPr/>
+                    <a:lstStyle/>
+                    <a:p>
+                      <a:pPr marL="0" marR="0" lvl="0" indent="0" algn="l" defTabSz="914400" rtl="0" eaLnBrk="1" fontAlgn="auto" latinLnBrk="0" hangingPunct="1">
+                        <a:lnSpc>
+                          <a:spcPct val="100000"/>
+                        </a:lnSpc>
+                        <a:spcBef>
+                          <a:spcPts val="0"/>
+                        </a:spcBef>
+                        <a:spcAft>
+                          <a:spcPts val="0"/>
+                        </a:spcAft>
+                        <a:buClrTx/>
+                        <a:buSzTx/>
+                        <a:buFontTx/>
+                        <a:buNone/>
+                        <a:tabLst/>
+                        <a:defRPr/>
+                      </a:pPr>
+                      <a:r>
+                        <a:rPr kumimoji="0" lang="en-US" sz="1800" b="0" i="0" u="none" strike="noStrike" kern="1200" cap="none" spc="0" normalizeH="0" baseline="0" noProof="0" dirty="0">
+                          <a:ln>
+                            <a:noFill/>
+                          </a:ln>
+                          <a:solidFill>
+                            <a:srgbClr val="000000"/>
+                          </a:solidFill>
+                          <a:effectLst/>
+                          <a:uLnTx/>
+                          <a:uFillTx/>
+                          <a:latin typeface="Arial"/>
+                          <a:ea typeface="+mn-ea"/>
+                          <a:cs typeface="+mn-cs"/>
+                        </a:rPr>
+                        <a:t>Padding</a:t>
+                      </a:r>
+                    </a:p>
+                  </a:txBody>
+                  <a:tcPr>
+                    <a:solidFill>
+                      <a:srgbClr val="FFC000"/>
+                    </a:solidFill>
+                  </a:tcPr>
+                </a:tc>
+                <a:tc>
+                  <a:txBody>
+                    <a:bodyPr/>
+                    <a:lstStyle/>
+                    <a:p>
+                      <a:pPr marL="0" marR="0" lvl="0" indent="0" algn="l" defTabSz="914400" rtl="0" eaLnBrk="1" fontAlgn="auto" latinLnBrk="0" hangingPunct="1">
+                        <a:lnSpc>
+                          <a:spcPct val="100000"/>
+                        </a:lnSpc>
+                        <a:spcBef>
+                          <a:spcPts val="0"/>
+                        </a:spcBef>
+                        <a:spcAft>
+                          <a:spcPts val="0"/>
+                        </a:spcAft>
+                        <a:buClrTx/>
+                        <a:buSzTx/>
+                        <a:buFontTx/>
+                        <a:buNone/>
+                        <a:tabLst/>
+                        <a:defRPr/>
+                      </a:pPr>
+                      <a:r>
+                        <a:rPr kumimoji="0" lang="en-US" sz="1800" b="0" i="0" u="none" strike="noStrike" kern="1200" cap="none" spc="0" normalizeH="0" baseline="0" noProof="0" dirty="0">
+                          <a:ln>
+                            <a:noFill/>
+                          </a:ln>
+                          <a:solidFill>
+                            <a:srgbClr val="000000"/>
+                          </a:solidFill>
+                          <a:effectLst/>
+                          <a:uLnTx/>
+                          <a:uFillTx/>
+                          <a:latin typeface="Arial"/>
+                          <a:ea typeface="+mn-ea"/>
+                          <a:cs typeface="+mn-cs"/>
+                        </a:rPr>
+                        <a:t>Padding</a:t>
+                      </a:r>
+                    </a:p>
+                  </a:txBody>
+                  <a:tcPr>
+                    <a:solidFill>
+                      <a:srgbClr val="FFC000"/>
+                    </a:solidFill>
+                  </a:tcPr>
+                </a:tc>
+                <a:extLst>
+                  <a:ext uri="{0D108BD9-81ED-4DB2-BD59-A6C34878D82A}">
+                    <a16:rowId xmlns:a16="http://schemas.microsoft.com/office/drawing/2014/main" val="3516266352"/>
+                  </a:ext>
+                </a:extLst>
+              </a:tr>
+            </a:tbl>
+          </a:graphicData>
+        </a:graphic>
+      </p:graphicFrame>
+      <p:graphicFrame>
+        <p:nvGraphicFramePr>
+          <p:cNvPr id="5" name="Table 5">
+            <a:extLst>
+              <a:ext uri="{FF2B5EF4-FFF2-40B4-BE49-F238E27FC236}">
+                <a16:creationId xmlns:a16="http://schemas.microsoft.com/office/drawing/2014/main" id="{29315E6E-95BD-4825-A3EC-1F9AD0F356F3}"/>
+              </a:ext>
+            </a:extLst>
+          </p:cNvPr>
+          <p:cNvGraphicFramePr>
+            <a:graphicFrameLocks noGrp="1"/>
+          </p:cNvGraphicFramePr>
+          <p:nvPr>
+            <p:extLst>
+              <p:ext uri="{D42A27DB-BD31-4B8C-83A1-F6EECF244321}">
+                <p14:modId xmlns:p14="http://schemas.microsoft.com/office/powerpoint/2010/main" val="1859834300"/>
+              </p:ext>
+            </p:extLst>
+          </p:nvPr>
+        </p:nvGraphicFramePr>
+        <p:xfrm>
+          <a:off x="586593" y="2897144"/>
+          <a:ext cx="6526632" cy="640080"/>
+        </p:xfrm>
+        <a:graphic>
+          <a:graphicData uri="http://schemas.openxmlformats.org/drawingml/2006/table">
+            <a:tbl>
+              <a:tblPr firstRow="1" bandRow="1">
+                <a:tableStyleId>{5940675A-B579-460E-94D1-54222C63F5DA}</a:tableStyleId>
+              </a:tblPr>
+              <a:tblGrid>
+                <a:gridCol w="1087772">
+                  <a:extLst>
+                    <a:ext uri="{9D8B030D-6E8A-4147-A177-3AD203B41FA5}">
+                      <a16:colId xmlns:a16="http://schemas.microsoft.com/office/drawing/2014/main" val="1712560641"/>
+                    </a:ext>
+                  </a:extLst>
+                </a:gridCol>
+                <a:gridCol w="1087772">
+                  <a:extLst>
+                    <a:ext uri="{9D8B030D-6E8A-4147-A177-3AD203B41FA5}">
+                      <a16:colId xmlns:a16="http://schemas.microsoft.com/office/drawing/2014/main" val="193992879"/>
+                    </a:ext>
+                  </a:extLst>
+                </a:gridCol>
+                <a:gridCol w="1087772">
+                  <a:extLst>
+                    <a:ext uri="{9D8B030D-6E8A-4147-A177-3AD203B41FA5}">
+                      <a16:colId xmlns:a16="http://schemas.microsoft.com/office/drawing/2014/main" val="1734514896"/>
+                    </a:ext>
+                  </a:extLst>
+                </a:gridCol>
+                <a:gridCol w="1087772">
+                  <a:extLst>
+                    <a:ext uri="{9D8B030D-6E8A-4147-A177-3AD203B41FA5}">
+                      <a16:colId xmlns:a16="http://schemas.microsoft.com/office/drawing/2014/main" val="1895459831"/>
+                    </a:ext>
+                  </a:extLst>
+                </a:gridCol>
+                <a:gridCol w="1087772">
+                  <a:extLst>
+                    <a:ext uri="{9D8B030D-6E8A-4147-A177-3AD203B41FA5}">
+                      <a16:colId xmlns:a16="http://schemas.microsoft.com/office/drawing/2014/main" val="2550906537"/>
+                    </a:ext>
+                  </a:extLst>
+                </a:gridCol>
+                <a:gridCol w="1087772">
+                  <a:extLst>
+                    <a:ext uri="{9D8B030D-6E8A-4147-A177-3AD203B41FA5}">
+                      <a16:colId xmlns:a16="http://schemas.microsoft.com/office/drawing/2014/main" val="3820813179"/>
+                    </a:ext>
+                  </a:extLst>
+                </a:gridCol>
+              </a:tblGrid>
+              <a:tr h="342993">
+                <a:tc>
+                  <a:txBody>
+                    <a:bodyPr/>
+                    <a:lstStyle/>
+                    <a:p>
+                      <a:r>
+                        <a:rPr lang="en-US" dirty="0"/>
+                        <a:t>Len H</a:t>
+                      </a:r>
+                    </a:p>
+                  </a:txBody>
+                  <a:tcPr>
+                    <a:solidFill>
+                      <a:srgbClr val="FF3300"/>
+                    </a:solidFill>
+                  </a:tcPr>
+                </a:tc>
+                <a:tc>
+                  <a:txBody>
+                    <a:bodyPr/>
+                    <a:lstStyle/>
+                    <a:p>
+                      <a:r>
+                        <a:rPr lang="en-US" dirty="0"/>
+                        <a:t>Len L</a:t>
+                      </a:r>
+                    </a:p>
+                  </a:txBody>
+                  <a:tcPr>
+                    <a:solidFill>
+                      <a:srgbClr val="FF3300"/>
+                    </a:solidFill>
+                  </a:tcPr>
+                </a:tc>
+                <a:tc>
+                  <a:txBody>
+                    <a:bodyPr/>
+                    <a:lstStyle/>
+                    <a:p>
+                      <a:r>
+                        <a:rPr lang="en-US" dirty="0"/>
+                        <a:t>Payload 0</a:t>
+                      </a:r>
+                    </a:p>
+                  </a:txBody>
+                  <a:tcPr>
+                    <a:solidFill>
+                      <a:srgbClr val="92D050"/>
+                    </a:solidFill>
+                  </a:tcPr>
+                </a:tc>
+                <a:tc>
+                  <a:txBody>
+                    <a:bodyPr/>
+                    <a:lstStyle/>
+                    <a:p>
+                      <a:endParaRPr lang="en-US" dirty="0"/>
+                    </a:p>
+                  </a:txBody>
+                  <a:tcPr>
+                    <a:solidFill>
+                      <a:srgbClr val="92D050"/>
+                    </a:solidFill>
+                  </a:tcPr>
+                </a:tc>
+                <a:tc>
+                  <a:txBody>
+                    <a:bodyPr/>
+                    <a:lstStyle/>
+                    <a:p>
+                      <a:endParaRPr lang="en-US" dirty="0"/>
+                    </a:p>
+                  </a:txBody>
+                  <a:tcPr>
+                    <a:solidFill>
+                      <a:srgbClr val="92D050"/>
+                    </a:solidFill>
+                  </a:tcPr>
+                </a:tc>
+                <a:tc>
+                  <a:txBody>
+                    <a:bodyPr/>
+                    <a:lstStyle/>
+                    <a:p>
+                      <a:r>
+                        <a:rPr lang="en-US" dirty="0"/>
+                        <a:t>Payload n-1</a:t>
+                      </a:r>
+                    </a:p>
+                  </a:txBody>
+                  <a:tcPr>
+                    <a:solidFill>
+                      <a:srgbClr val="92D050"/>
+                    </a:solidFill>
+                  </a:tcPr>
+                </a:tc>
+                <a:extLst>
+                  <a:ext uri="{0D108BD9-81ED-4DB2-BD59-A6C34878D82A}">
+                    <a16:rowId xmlns:a16="http://schemas.microsoft.com/office/drawing/2014/main" val="3890234532"/>
+                  </a:ext>
+                </a:extLst>
+              </a:tr>
+            </a:tbl>
+          </a:graphicData>
+        </a:graphic>
+      </p:graphicFrame>
+      <p:cxnSp>
+        <p:nvCxnSpPr>
+          <p:cNvPr id="7" name="Straight Arrow Connector 6">
+            <a:extLst>
+              <a:ext uri="{FF2B5EF4-FFF2-40B4-BE49-F238E27FC236}">
+                <a16:creationId xmlns:a16="http://schemas.microsoft.com/office/drawing/2014/main" id="{723BA697-5D0A-4226-BF29-57EB430ACE9B}"/>
+              </a:ext>
+            </a:extLst>
+          </p:cNvPr>
+          <p:cNvCxnSpPr>
+            <a:cxnSpLocks/>
+          </p:cNvCxnSpPr>
+          <p:nvPr/>
+        </p:nvCxnSpPr>
+        <p:spPr bwMode="auto">
+          <a:xfrm>
+            <a:off x="3124200" y="3614420"/>
+            <a:ext cx="6019800" cy="0"/>
+          </a:xfrm>
+          <a:prstGeom prst="straightConnector1">
+            <a:avLst/>
+          </a:prstGeom>
+          <a:ln>
+            <a:headEnd type="triangle"/>
+            <a:tailEnd type="triangle"/>
+          </a:ln>
+        </p:spPr>
+        <p:style>
+          <a:lnRef idx="1">
+            <a:schemeClr val="accent4"/>
+          </a:lnRef>
+          <a:fillRef idx="0">
+            <a:schemeClr val="accent4"/>
+          </a:fillRef>
+          <a:effectRef idx="0">
+            <a:schemeClr val="accent4"/>
+          </a:effectRef>
+          <a:fontRef idx="minor">
+            <a:schemeClr val="tx1"/>
+          </a:fontRef>
+        </p:style>
+      </p:cxnSp>
+      <p:sp>
+        <p:nvSpPr>
+          <p:cNvPr id="8" name="Rectangle 7">
+            <a:extLst>
+              <a:ext uri="{FF2B5EF4-FFF2-40B4-BE49-F238E27FC236}">
+                <a16:creationId xmlns:a16="http://schemas.microsoft.com/office/drawing/2014/main" id="{33DEB86C-71D6-46B7-898D-49AB9B78FB9A}"/>
+              </a:ext>
+            </a:extLst>
+          </p:cNvPr>
+          <p:cNvSpPr/>
+          <p:nvPr/>
+        </p:nvSpPr>
+        <p:spPr>
+          <a:xfrm>
+            <a:off x="4156850" y="3652170"/>
+            <a:ext cx="2666114" cy="461665"/>
+          </a:xfrm>
+          <a:prstGeom prst="rect">
+            <a:avLst/>
+          </a:prstGeom>
+          <a:noFill/>
+        </p:spPr>
+        <p:txBody>
+          <a:bodyPr wrap="none" lIns="91440" tIns="45720" rIns="91440" bIns="45720">
+            <a:spAutoFit/>
+          </a:bodyPr>
+          <a:lstStyle/>
+          <a:p>
+            <a:pPr algn="ctr">
+              <a:buNone/>
+            </a:pPr>
+            <a:r>
+              <a:rPr lang="en-US" sz="2400" b="0" cap="none" spc="0" dirty="0">
+                <a:ln w="0"/>
+                <a:solidFill>
+                  <a:schemeClr val="tx1"/>
+                </a:solidFill>
+                <a:effectLst>
+                  <a:outerShdw blurRad="38100" dist="19050" dir="2700000" algn="tl" rotWithShape="0">
+                    <a:schemeClr val="dk1">
+                      <a:alpha val="40000"/>
+                    </a:schemeClr>
+                  </a:outerShdw>
+                </a:effectLst>
+              </a:rPr>
+              <a:t>Multiple of 4 bytes</a:t>
+            </a:r>
+          </a:p>
+        </p:txBody>
+      </p:sp>
+      <p:cxnSp>
+        <p:nvCxnSpPr>
+          <p:cNvPr id="9" name="Straight Arrow Connector 8">
+            <a:extLst>
+              <a:ext uri="{FF2B5EF4-FFF2-40B4-BE49-F238E27FC236}">
+                <a16:creationId xmlns:a16="http://schemas.microsoft.com/office/drawing/2014/main" id="{CD4549D4-69A4-4030-9524-676B8AA7AF1A}"/>
+              </a:ext>
+            </a:extLst>
+          </p:cNvPr>
+          <p:cNvCxnSpPr>
+            <a:cxnSpLocks/>
+          </p:cNvCxnSpPr>
+          <p:nvPr/>
+        </p:nvCxnSpPr>
+        <p:spPr bwMode="auto">
+          <a:xfrm>
+            <a:off x="559969" y="3614420"/>
+            <a:ext cx="2488031" cy="0"/>
+          </a:xfrm>
+          <a:prstGeom prst="straightConnector1">
+            <a:avLst/>
+          </a:prstGeom>
+          <a:ln>
+            <a:headEnd type="triangle"/>
+            <a:tailEnd type="triangle"/>
+          </a:ln>
+        </p:spPr>
+        <p:style>
+          <a:lnRef idx="1">
+            <a:schemeClr val="accent4"/>
+          </a:lnRef>
+          <a:fillRef idx="0">
+            <a:schemeClr val="accent4"/>
+          </a:fillRef>
+          <a:effectRef idx="0">
+            <a:schemeClr val="accent4"/>
+          </a:effectRef>
+          <a:fontRef idx="minor">
+            <a:schemeClr val="tx1"/>
+          </a:fontRef>
+        </p:style>
+      </p:cxnSp>
+      <p:sp>
+        <p:nvSpPr>
+          <p:cNvPr id="12" name="Rectangle 11">
+            <a:extLst>
+              <a:ext uri="{FF2B5EF4-FFF2-40B4-BE49-F238E27FC236}">
+                <a16:creationId xmlns:a16="http://schemas.microsoft.com/office/drawing/2014/main" id="{89D9DF78-1EA6-47EF-8C8F-9B75F39DBCDA}"/>
+              </a:ext>
+            </a:extLst>
+          </p:cNvPr>
+          <p:cNvSpPr/>
+          <p:nvPr/>
+        </p:nvSpPr>
+        <p:spPr>
+          <a:xfrm>
+            <a:off x="515828" y="3718774"/>
+            <a:ext cx="2853666" cy="461665"/>
+          </a:xfrm>
+          <a:prstGeom prst="rect">
+            <a:avLst/>
+          </a:prstGeom>
+          <a:noFill/>
+        </p:spPr>
+        <p:txBody>
+          <a:bodyPr wrap="none" lIns="91440" tIns="45720" rIns="91440" bIns="45720">
+            <a:spAutoFit/>
+          </a:bodyPr>
+          <a:lstStyle/>
+          <a:p>
+            <a:pPr algn="ctr">
+              <a:buNone/>
+            </a:pPr>
+            <a:r>
+              <a:rPr lang="en-US" sz="2400" b="0" cap="none" spc="0" dirty="0">
+                <a:ln w="0"/>
+                <a:solidFill>
+                  <a:schemeClr val="tx1"/>
+                </a:solidFill>
+                <a:effectLst>
+                  <a:outerShdw blurRad="38100" dist="19050" dir="2700000" algn="tl" rotWithShape="0">
+                    <a:schemeClr val="dk1">
+                      <a:alpha val="40000"/>
+                    </a:schemeClr>
+                  </a:outerShdw>
+                </a:effectLst>
+              </a:rPr>
+              <a:t>2 bytes – Data  </a:t>
+            </a:r>
+            <a:r>
+              <a:rPr lang="en-US" sz="2400" dirty="0">
+                <a:ln w="0"/>
+                <a:effectLst>
+                  <a:outerShdw blurRad="38100" dist="19050" dir="2700000" algn="tl" rotWithShape="0">
+                    <a:schemeClr val="dk1">
+                      <a:alpha val="40000"/>
+                    </a:schemeClr>
+                  </a:outerShdw>
+                </a:effectLst>
+              </a:rPr>
+              <a:t>L</a:t>
+            </a:r>
+            <a:r>
+              <a:rPr lang="en-US" sz="2400" b="0" cap="none" spc="0" dirty="0">
+                <a:ln w="0"/>
+                <a:solidFill>
+                  <a:schemeClr val="tx1"/>
+                </a:solidFill>
+                <a:effectLst>
+                  <a:outerShdw blurRad="38100" dist="19050" dir="2700000" algn="tl" rotWithShape="0">
+                    <a:schemeClr val="dk1">
+                      <a:alpha val="40000"/>
+                    </a:schemeClr>
+                  </a:outerShdw>
+                </a:effectLst>
+              </a:rPr>
+              <a:t>en</a:t>
+            </a:r>
+          </a:p>
+        </p:txBody>
+      </p:sp>
+    </p:spTree>
+    <p:extLst>
+      <p:ext uri="{BB962C8B-B14F-4D97-AF65-F5344CB8AC3E}">
+        <p14:creationId xmlns:p14="http://schemas.microsoft.com/office/powerpoint/2010/main" val="723089169"/>
+      </p:ext>
+    </p:extLst>
+  </p:cSld>
+  <p:clrMapOvr>
+    <a:masterClrMapping/>
+  </p:clrMapOvr>
+</p:sld>
+</file>
+
+<file path=ppt/slides/slide25.xml><?xml version="1.0" encoding="utf-8"?>
 <p:sld xmlns:a="http://schemas.openxmlformats.org/drawingml/2006/main" xmlns:r="http://schemas.openxmlformats.org/officeDocument/2006/relationships" xmlns:p="http://schemas.openxmlformats.org/presentationml/2006/main">
   <p:cSld>
     <p:spTree>
@@ -11023,7 +12044,7 @@
 </p:sld>
 </file>
 
-<file path=ppt/slides/slide22.xml><?xml version="1.0" encoding="utf-8"?>
+<file path=ppt/slides/slide26.xml><?xml version="1.0" encoding="utf-8"?>
 <p:sld xmlns:a="http://schemas.openxmlformats.org/drawingml/2006/main" xmlns:r="http://schemas.openxmlformats.org/officeDocument/2006/relationships" xmlns:p="http://schemas.openxmlformats.org/presentationml/2006/main">
   <p:cSld>
     <p:spTree>
